--- a/week_6/Descriptive Statistics.pptx
+++ b/week_6/Descriptive Statistics.pptx
@@ -5,7 +5,7 @@
     <p:sldMasterId id="2147483648" r:id="rId4"/>
   </p:sldMasterIdLst>
   <p:notesMasterIdLst>
-    <p:notesMasterId r:id="rId16"/>
+    <p:notesMasterId r:id="rId18"/>
   </p:notesMasterIdLst>
   <p:sldIdLst>
     <p:sldId id="257" r:id="rId5"/>
@@ -13,12 +13,14 @@
     <p:sldId id="299" r:id="rId7"/>
     <p:sldId id="284" r:id="rId8"/>
     <p:sldId id="285" r:id="rId9"/>
-    <p:sldId id="287" r:id="rId10"/>
-    <p:sldId id="297" r:id="rId11"/>
-    <p:sldId id="288" r:id="rId12"/>
-    <p:sldId id="298" r:id="rId13"/>
-    <p:sldId id="296" r:id="rId14"/>
-    <p:sldId id="294" r:id="rId15"/>
+    <p:sldId id="301" r:id="rId10"/>
+    <p:sldId id="287" r:id="rId11"/>
+    <p:sldId id="297" r:id="rId12"/>
+    <p:sldId id="288" r:id="rId13"/>
+    <p:sldId id="298" r:id="rId14"/>
+    <p:sldId id="300" r:id="rId15"/>
+    <p:sldId id="296" r:id="rId16"/>
+    <p:sldId id="294" r:id="rId17"/>
   </p:sldIdLst>
   <p:sldSz cx="12192000" cy="6858000"/>
   <p:notesSz cx="6858000" cy="9144000"/>
@@ -215,7 +217,7 @@
           <a:p>
             <a:fld id="{F666E1FD-E7A0-497B-BBC0-740BAAC97C64}" type="datetimeFigureOut">
               <a:rPr lang="en-PH" smtClean="0"/>
-              <a:t>9/21/23</a:t>
+              <a:t>10/3/23</a:t>
             </a:fld>
             <a:endParaRPr lang="en-PH"/>
           </a:p>
@@ -641,7 +643,7 @@
     </p:spTree>
     <p:extLst>
       <p:ext uri="{BB962C8B-B14F-4D97-AF65-F5344CB8AC3E}">
-        <p14:creationId xmlns:p14="http://schemas.microsoft.com/office/powerpoint/2010/main" val="1510337087"/>
+        <p14:creationId xmlns:p14="http://schemas.microsoft.com/office/powerpoint/2010/main" val="2599593848"/>
       </p:ext>
     </p:extLst>
   </p:cSld>
@@ -717,6 +719,174 @@
             <a:fld id="{FE90CCE9-4AAE-4E1F-85AD-521A406D6524}" type="slidenum">
               <a:rPr lang="en-PH" smtClean="0"/>
               <a:t>11</a:t>
+            </a:fld>
+            <a:endParaRPr lang="en-PH"/>
+          </a:p>
+        </p:txBody>
+      </p:sp>
+    </p:spTree>
+    <p:extLst>
+      <p:ext uri="{BB962C8B-B14F-4D97-AF65-F5344CB8AC3E}">
+        <p14:creationId xmlns:p14="http://schemas.microsoft.com/office/powerpoint/2010/main" val="2946594851"/>
+      </p:ext>
+    </p:extLst>
+  </p:cSld>
+  <p:clrMapOvr>
+    <a:masterClrMapping/>
+  </p:clrMapOvr>
+</p:notes>
+</file>
+
+<file path=ppt/notesSlides/notesSlide12.xml><?xml version="1.0" encoding="utf-8"?>
+<p:notes xmlns:a="http://schemas.openxmlformats.org/drawingml/2006/main" xmlns:r="http://schemas.openxmlformats.org/officeDocument/2006/relationships" xmlns:p="http://schemas.openxmlformats.org/presentationml/2006/main">
+  <p:cSld>
+    <p:spTree>
+      <p:nvGrpSpPr>
+        <p:cNvPr id="1" name=""/>
+        <p:cNvGrpSpPr/>
+        <p:nvPr/>
+      </p:nvGrpSpPr>
+      <p:grpSpPr>
+        <a:xfrm>
+          <a:off x="0" y="0"/>
+          <a:ext cx="0" cy="0"/>
+          <a:chOff x="0" y="0"/>
+          <a:chExt cx="0" cy="0"/>
+        </a:xfrm>
+      </p:grpSpPr>
+      <p:sp>
+        <p:nvSpPr>
+          <p:cNvPr id="2" name="Slide Image Placeholder 1"/>
+          <p:cNvSpPr>
+            <a:spLocks noGrp="1" noRot="1" noChangeAspect="1"/>
+          </p:cNvSpPr>
+          <p:nvPr>
+            <p:ph type="sldImg"/>
+          </p:nvPr>
+        </p:nvSpPr>
+        <p:spPr/>
+      </p:sp>
+      <p:sp>
+        <p:nvSpPr>
+          <p:cNvPr id="3" name="Notes Placeholder 2"/>
+          <p:cNvSpPr>
+            <a:spLocks noGrp="1"/>
+          </p:cNvSpPr>
+          <p:nvPr>
+            <p:ph type="body" idx="1"/>
+          </p:nvPr>
+        </p:nvSpPr>
+        <p:spPr/>
+        <p:txBody>
+          <a:bodyPr/>
+          <a:lstStyle/>
+          <a:p>
+            <a:endParaRPr lang="en-PH" dirty="0"/>
+          </a:p>
+        </p:txBody>
+      </p:sp>
+      <p:sp>
+        <p:nvSpPr>
+          <p:cNvPr id="4" name="Slide Number Placeholder 3"/>
+          <p:cNvSpPr>
+            <a:spLocks noGrp="1"/>
+          </p:cNvSpPr>
+          <p:nvPr>
+            <p:ph type="sldNum" sz="quarter" idx="5"/>
+          </p:nvPr>
+        </p:nvSpPr>
+        <p:spPr/>
+        <p:txBody>
+          <a:bodyPr/>
+          <a:lstStyle/>
+          <a:p>
+            <a:fld id="{FE90CCE9-4AAE-4E1F-85AD-521A406D6524}" type="slidenum">
+              <a:rPr lang="en-PH" smtClean="0"/>
+              <a:t>12</a:t>
+            </a:fld>
+            <a:endParaRPr lang="en-PH"/>
+          </a:p>
+        </p:txBody>
+      </p:sp>
+    </p:spTree>
+    <p:extLst>
+      <p:ext uri="{BB962C8B-B14F-4D97-AF65-F5344CB8AC3E}">
+        <p14:creationId xmlns:p14="http://schemas.microsoft.com/office/powerpoint/2010/main" val="1510337087"/>
+      </p:ext>
+    </p:extLst>
+  </p:cSld>
+  <p:clrMapOvr>
+    <a:masterClrMapping/>
+  </p:clrMapOvr>
+</p:notes>
+</file>
+
+<file path=ppt/notesSlides/notesSlide13.xml><?xml version="1.0" encoding="utf-8"?>
+<p:notes xmlns:a="http://schemas.openxmlformats.org/drawingml/2006/main" xmlns:r="http://schemas.openxmlformats.org/officeDocument/2006/relationships" xmlns:p="http://schemas.openxmlformats.org/presentationml/2006/main">
+  <p:cSld>
+    <p:spTree>
+      <p:nvGrpSpPr>
+        <p:cNvPr id="1" name=""/>
+        <p:cNvGrpSpPr/>
+        <p:nvPr/>
+      </p:nvGrpSpPr>
+      <p:grpSpPr>
+        <a:xfrm>
+          <a:off x="0" y="0"/>
+          <a:ext cx="0" cy="0"/>
+          <a:chOff x="0" y="0"/>
+          <a:chExt cx="0" cy="0"/>
+        </a:xfrm>
+      </p:grpSpPr>
+      <p:sp>
+        <p:nvSpPr>
+          <p:cNvPr id="2" name="Slide Image Placeholder 1"/>
+          <p:cNvSpPr>
+            <a:spLocks noGrp="1" noRot="1" noChangeAspect="1"/>
+          </p:cNvSpPr>
+          <p:nvPr>
+            <p:ph type="sldImg"/>
+          </p:nvPr>
+        </p:nvSpPr>
+        <p:spPr/>
+      </p:sp>
+      <p:sp>
+        <p:nvSpPr>
+          <p:cNvPr id="3" name="Notes Placeholder 2"/>
+          <p:cNvSpPr>
+            <a:spLocks noGrp="1"/>
+          </p:cNvSpPr>
+          <p:nvPr>
+            <p:ph type="body" idx="1"/>
+          </p:nvPr>
+        </p:nvSpPr>
+        <p:spPr/>
+        <p:txBody>
+          <a:bodyPr/>
+          <a:lstStyle/>
+          <a:p>
+            <a:endParaRPr lang="en-PH" dirty="0"/>
+          </a:p>
+        </p:txBody>
+      </p:sp>
+      <p:sp>
+        <p:nvSpPr>
+          <p:cNvPr id="4" name="Slide Number Placeholder 3"/>
+          <p:cNvSpPr>
+            <a:spLocks noGrp="1"/>
+          </p:cNvSpPr>
+          <p:nvPr>
+            <p:ph type="sldNum" sz="quarter" idx="5"/>
+          </p:nvPr>
+        </p:nvSpPr>
+        <p:spPr/>
+        <p:txBody>
+          <a:bodyPr/>
+          <a:lstStyle/>
+          <a:p>
+            <a:fld id="{FE90CCE9-4AAE-4E1F-85AD-521A406D6524}" type="slidenum">
+              <a:rPr lang="en-PH" smtClean="0"/>
+              <a:t>13</a:t>
             </a:fld>
             <a:endParaRPr lang="en-PH"/>
           </a:p>
@@ -1145,7 +1315,7 @@
     </p:spTree>
     <p:extLst>
       <p:ext uri="{BB962C8B-B14F-4D97-AF65-F5344CB8AC3E}">
-        <p14:creationId xmlns:p14="http://schemas.microsoft.com/office/powerpoint/2010/main" val="2534148908"/>
+        <p14:creationId xmlns:p14="http://schemas.microsoft.com/office/powerpoint/2010/main" val="1301603728"/>
       </p:ext>
     </p:extLst>
   </p:cSld>
@@ -1229,7 +1399,7 @@
     </p:spTree>
     <p:extLst>
       <p:ext uri="{BB962C8B-B14F-4D97-AF65-F5344CB8AC3E}">
-        <p14:creationId xmlns:p14="http://schemas.microsoft.com/office/powerpoint/2010/main" val="1067669580"/>
+        <p14:creationId xmlns:p14="http://schemas.microsoft.com/office/powerpoint/2010/main" val="2534148908"/>
       </p:ext>
     </p:extLst>
   </p:cSld>
@@ -1313,7 +1483,7 @@
     </p:spTree>
     <p:extLst>
       <p:ext uri="{BB962C8B-B14F-4D97-AF65-F5344CB8AC3E}">
-        <p14:creationId xmlns:p14="http://schemas.microsoft.com/office/powerpoint/2010/main" val="791372990"/>
+        <p14:creationId xmlns:p14="http://schemas.microsoft.com/office/powerpoint/2010/main" val="1067669580"/>
       </p:ext>
     </p:extLst>
   </p:cSld>
@@ -1397,7 +1567,7 @@
     </p:spTree>
     <p:extLst>
       <p:ext uri="{BB962C8B-B14F-4D97-AF65-F5344CB8AC3E}">
-        <p14:creationId xmlns:p14="http://schemas.microsoft.com/office/powerpoint/2010/main" val="2599593848"/>
+        <p14:creationId xmlns:p14="http://schemas.microsoft.com/office/powerpoint/2010/main" val="791372990"/>
       </p:ext>
     </p:extLst>
   </p:cSld>
@@ -1556,7 +1726,7 @@
           <a:p>
             <a:fld id="{0CCF0B81-6BD8-4C65-9459-815598C5F1F4}" type="datetimeFigureOut">
               <a:rPr lang="en-PH" smtClean="0"/>
-              <a:t>9/21/23</a:t>
+              <a:t>10/3/23</a:t>
             </a:fld>
             <a:endParaRPr lang="en-PH"/>
           </a:p>
@@ -1756,7 +1926,7 @@
           <a:p>
             <a:fld id="{0CCF0B81-6BD8-4C65-9459-815598C5F1F4}" type="datetimeFigureOut">
               <a:rPr lang="en-PH" smtClean="0"/>
-              <a:t>9/21/23</a:t>
+              <a:t>10/3/23</a:t>
             </a:fld>
             <a:endParaRPr lang="en-PH"/>
           </a:p>
@@ -1966,7 +2136,7 @@
           <a:p>
             <a:fld id="{0CCF0B81-6BD8-4C65-9459-815598C5F1F4}" type="datetimeFigureOut">
               <a:rPr lang="en-PH" smtClean="0"/>
-              <a:t>9/21/23</a:t>
+              <a:t>10/3/23</a:t>
             </a:fld>
             <a:endParaRPr lang="en-PH"/>
           </a:p>
@@ -2166,7 +2336,7 @@
           <a:p>
             <a:fld id="{0CCF0B81-6BD8-4C65-9459-815598C5F1F4}" type="datetimeFigureOut">
               <a:rPr lang="en-PH" smtClean="0"/>
-              <a:t>9/21/23</a:t>
+              <a:t>10/3/23</a:t>
             </a:fld>
             <a:endParaRPr lang="en-PH"/>
           </a:p>
@@ -2442,7 +2612,7 @@
           <a:p>
             <a:fld id="{0CCF0B81-6BD8-4C65-9459-815598C5F1F4}" type="datetimeFigureOut">
               <a:rPr lang="en-PH" smtClean="0"/>
-              <a:t>9/21/23</a:t>
+              <a:t>10/3/23</a:t>
             </a:fld>
             <a:endParaRPr lang="en-PH"/>
           </a:p>
@@ -2710,7 +2880,7 @@
           <a:p>
             <a:fld id="{0CCF0B81-6BD8-4C65-9459-815598C5F1F4}" type="datetimeFigureOut">
               <a:rPr lang="en-PH" smtClean="0"/>
-              <a:t>9/21/23</a:t>
+              <a:t>10/3/23</a:t>
             </a:fld>
             <a:endParaRPr lang="en-PH"/>
           </a:p>
@@ -3125,7 +3295,7 @@
           <a:p>
             <a:fld id="{0CCF0B81-6BD8-4C65-9459-815598C5F1F4}" type="datetimeFigureOut">
               <a:rPr lang="en-PH" smtClean="0"/>
-              <a:t>9/21/23</a:t>
+              <a:t>10/3/23</a:t>
             </a:fld>
             <a:endParaRPr lang="en-PH"/>
           </a:p>
@@ -3267,7 +3437,7 @@
           <a:p>
             <a:fld id="{0CCF0B81-6BD8-4C65-9459-815598C5F1F4}" type="datetimeFigureOut">
               <a:rPr lang="en-PH" smtClean="0"/>
-              <a:t>9/21/23</a:t>
+              <a:t>10/3/23</a:t>
             </a:fld>
             <a:endParaRPr lang="en-PH"/>
           </a:p>
@@ -3380,7 +3550,7 @@
           <a:p>
             <a:fld id="{0CCF0B81-6BD8-4C65-9459-815598C5F1F4}" type="datetimeFigureOut">
               <a:rPr lang="en-PH" smtClean="0"/>
-              <a:t>9/21/23</a:t>
+              <a:t>10/3/23</a:t>
             </a:fld>
             <a:endParaRPr lang="en-PH"/>
           </a:p>
@@ -3693,7 +3863,7 @@
           <a:p>
             <a:fld id="{0CCF0B81-6BD8-4C65-9459-815598C5F1F4}" type="datetimeFigureOut">
               <a:rPr lang="en-PH" smtClean="0"/>
-              <a:t>9/21/23</a:t>
+              <a:t>10/3/23</a:t>
             </a:fld>
             <a:endParaRPr lang="en-PH"/>
           </a:p>
@@ -3982,7 +4152,7 @@
           <a:p>
             <a:fld id="{0CCF0B81-6BD8-4C65-9459-815598C5F1F4}" type="datetimeFigureOut">
               <a:rPr lang="en-PH" smtClean="0"/>
-              <a:t>9/21/23</a:t>
+              <a:t>10/3/23</a:t>
             </a:fld>
             <a:endParaRPr lang="en-PH"/>
           </a:p>
@@ -4225,7 +4395,7 @@
           <a:p>
             <a:fld id="{0CCF0B81-6BD8-4C65-9459-815598C5F1F4}" type="datetimeFigureOut">
               <a:rPr lang="en-PH" smtClean="0"/>
-              <a:t>9/21/23</a:t>
+              <a:t>10/3/23</a:t>
             </a:fld>
             <a:endParaRPr lang="en-PH"/>
           </a:p>
@@ -4937,7 +5107,7 @@
           <a:p>
             <a:r>
               <a:rPr lang="en-US" sz="4500" b="1" dirty="0"/>
-              <a:t>Dispersion</a:t>
+              <a:t>Central Tendency</a:t>
             </a:r>
             <a:endParaRPr lang="en-PH" sz="4500" b="1" dirty="0"/>
           </a:p>
@@ -4985,211 +5155,6 @@
           </a:p>
         </p:txBody>
       </p:sp>
-      <p:graphicFrame>
-        <p:nvGraphicFramePr>
-          <p:cNvPr id="2" name="Table 1">
-            <a:extLst>
-              <a:ext uri="{FF2B5EF4-FFF2-40B4-BE49-F238E27FC236}">
-                <a16:creationId xmlns:a16="http://schemas.microsoft.com/office/drawing/2014/main" id="{BB2146AC-17BE-11FB-B5B4-84595A9EDA8D}"/>
-              </a:ext>
-            </a:extLst>
-          </p:cNvPr>
-          <p:cNvGraphicFramePr>
-            <a:graphicFrameLocks noGrp="1"/>
-          </p:cNvGraphicFramePr>
-          <p:nvPr>
-            <p:extLst>
-              <p:ext uri="{D42A27DB-BD31-4B8C-83A1-F6EECF244321}">
-                <p14:modId xmlns:p14="http://schemas.microsoft.com/office/powerpoint/2010/main" val="3126804442"/>
-              </p:ext>
-            </p:extLst>
-          </p:nvPr>
-        </p:nvGraphicFramePr>
-        <p:xfrm>
-          <a:off x="2031999" y="2548054"/>
-          <a:ext cx="8128000" cy="3398520"/>
-        </p:xfrm>
-        <a:graphic>
-          <a:graphicData uri="http://schemas.openxmlformats.org/drawingml/2006/table">
-            <a:tbl>
-              <a:tblPr firstRow="1" bandRow="1">
-                <a:tableStyleId>{7E9639D4-E3E2-4D34-9284-5A2195B3D0D7}</a:tableStyleId>
-              </a:tblPr>
-              <a:tblGrid>
-                <a:gridCol w="4064000">
-                  <a:extLst>
-                    <a:ext uri="{9D8B030D-6E8A-4147-A177-3AD203B41FA5}">
-                      <a16:colId xmlns:a16="http://schemas.microsoft.com/office/drawing/2014/main" val="2736763892"/>
-                    </a:ext>
-                  </a:extLst>
-                </a:gridCol>
-                <a:gridCol w="4064000">
-                  <a:extLst>
-                    <a:ext uri="{9D8B030D-6E8A-4147-A177-3AD203B41FA5}">
-                      <a16:colId xmlns:a16="http://schemas.microsoft.com/office/drawing/2014/main" val="3162122417"/>
-                    </a:ext>
-                  </a:extLst>
-                </a:gridCol>
-              </a:tblGrid>
-              <a:tr h="260225">
-                <a:tc>
-                  <a:txBody>
-                    <a:bodyPr/>
-                    <a:lstStyle/>
-                    <a:p>
-                      <a:pPr algn="ctr"/>
-                      <a:r>
-                        <a:rPr lang="en-US" sz="2300" dirty="0">
-                          <a:solidFill>
-                            <a:srgbClr val="00B0F0"/>
-                          </a:solidFill>
-                        </a:rPr>
-                        <a:t>Measure</a:t>
-                      </a:r>
-                    </a:p>
-                  </a:txBody>
-                  <a:tcPr/>
-                </a:tc>
-                <a:tc>
-                  <a:txBody>
-                    <a:bodyPr/>
-                    <a:lstStyle/>
-                    <a:p>
-                      <a:pPr algn="ctr"/>
-                      <a:r>
-                        <a:rPr lang="en-US" sz="2300" dirty="0">
-                          <a:solidFill>
-                            <a:srgbClr val="00B0F0"/>
-                          </a:solidFill>
-                        </a:rPr>
-                        <a:t>Definition</a:t>
-                      </a:r>
-                    </a:p>
-                  </a:txBody>
-                  <a:tcPr/>
-                </a:tc>
-                <a:extLst>
-                  <a:ext uri="{0D108BD9-81ED-4DB2-BD59-A6C34878D82A}">
-                    <a16:rowId xmlns:a16="http://schemas.microsoft.com/office/drawing/2014/main" val="447069008"/>
-                  </a:ext>
-                </a:extLst>
-              </a:tr>
-              <a:tr h="884766">
-                <a:tc>
-                  <a:txBody>
-                    <a:bodyPr/>
-                    <a:lstStyle/>
-                    <a:p>
-                      <a:pPr algn="ctr"/>
-                      <a:r>
-                        <a:rPr lang="en-US" sz="2200" b="1" dirty="0"/>
-                        <a:t>RANGE</a:t>
-                      </a:r>
-                    </a:p>
-                  </a:txBody>
-                  <a:tcPr/>
-                </a:tc>
-                <a:tc>
-                  <a:txBody>
-                    <a:bodyPr/>
-                    <a:lstStyle/>
-                    <a:p>
-                      <a:pPr algn="ctr"/>
-                      <a:r>
-                        <a:rPr lang="en-PH" sz="2200" dirty="0"/>
-                        <a:t>Calculate the difference between the highest and lowest scores</a:t>
-                      </a:r>
-                      <a:endParaRPr lang="en-US" sz="2200" dirty="0"/>
-                    </a:p>
-                    <a:p>
-                      <a:pPr algn="ctr"/>
-                      <a:endParaRPr lang="en-US" sz="2200" dirty="0"/>
-                    </a:p>
-                  </a:txBody>
-                  <a:tcPr/>
-                </a:tc>
-                <a:extLst>
-                  <a:ext uri="{0D108BD9-81ED-4DB2-BD59-A6C34878D82A}">
-                    <a16:rowId xmlns:a16="http://schemas.microsoft.com/office/drawing/2014/main" val="572981369"/>
-                  </a:ext>
-                </a:extLst>
-              </a:tr>
-              <a:tr h="676586">
-                <a:tc>
-                  <a:txBody>
-                    <a:bodyPr/>
-                    <a:lstStyle/>
-                    <a:p>
-                      <a:pPr algn="ctr"/>
-                      <a:r>
-                        <a:rPr lang="en-US" sz="2200" b="1" dirty="0"/>
-                        <a:t>VARIANCE </a:t>
-                      </a:r>
-                    </a:p>
-                  </a:txBody>
-                  <a:tcPr/>
-                </a:tc>
-                <a:tc>
-                  <a:txBody>
-                    <a:bodyPr/>
-                    <a:lstStyle/>
-                    <a:p>
-                      <a:pPr algn="ctr"/>
-                      <a:r>
-                        <a:rPr lang="en-PH" sz="2200" dirty="0"/>
-                        <a:t>Calculate the average of the squared differences from the mean</a:t>
-                      </a:r>
-                      <a:endParaRPr lang="en-US" sz="2200" dirty="0"/>
-                    </a:p>
-                  </a:txBody>
-                  <a:tcPr/>
-                </a:tc>
-                <a:extLst>
-                  <a:ext uri="{0D108BD9-81ED-4DB2-BD59-A6C34878D82A}">
-                    <a16:rowId xmlns:a16="http://schemas.microsoft.com/office/drawing/2014/main" val="3154944886"/>
-                  </a:ext>
-                </a:extLst>
-              </a:tr>
-              <a:tr h="468405">
-                <a:tc>
-                  <a:txBody>
-                    <a:bodyPr/>
-                    <a:lstStyle/>
-                    <a:p>
-                      <a:pPr algn="ctr"/>
-                      <a:r>
-                        <a:rPr lang="en-US" sz="2200" b="1" dirty="0"/>
-                        <a:t>STANDARD DEVIATION</a:t>
-                      </a:r>
-                    </a:p>
-                  </a:txBody>
-                  <a:tcPr/>
-                </a:tc>
-                <a:tc>
-                  <a:txBody>
-                    <a:bodyPr/>
-                    <a:lstStyle/>
-                    <a:p>
-                      <a:pPr algn="ctr"/>
-                      <a:r>
-                        <a:rPr lang="en-PH" sz="2200" dirty="0"/>
-                        <a:t>Take the square root of the variance</a:t>
-                      </a:r>
-                      <a:endParaRPr lang="en-US" sz="2200" dirty="0"/>
-                    </a:p>
-                  </a:txBody>
-                  <a:tcPr/>
-                </a:tc>
-                <a:extLst>
-                  <a:ext uri="{0D108BD9-81ED-4DB2-BD59-A6C34878D82A}">
-                    <a16:rowId xmlns:a16="http://schemas.microsoft.com/office/drawing/2014/main" val="2121773901"/>
-                  </a:ext>
-                </a:extLst>
-              </a:tr>
-            </a:tbl>
-          </a:graphicData>
-        </a:graphic>
-      </p:graphicFrame>
       <p:sp>
         <p:nvSpPr>
           <p:cNvPr id="6" name="TextBox 5">
@@ -5204,8 +5169,8 @@
         </p:nvSpPr>
         <p:spPr>
           <a:xfrm>
-            <a:off x="3365902" y="1478254"/>
-            <a:ext cx="5460193" cy="553998"/>
+            <a:off x="686729" y="1478254"/>
+            <a:ext cx="10818539" cy="2862322"/>
           </a:xfrm>
           <a:prstGeom prst="rect">
             <a:avLst/>
@@ -5220,7 +5185,25 @@
           <a:p>
             <a:r>
               <a:rPr lang="en-PH" sz="3000" dirty="0"/>
-              <a:t>Measures the spread of the data.</a:t>
+              <a:t>Measures of central tendency estimate a dataset's average or center.</a:t>
+            </a:r>
+          </a:p>
+          <a:p>
+            <a:endParaRPr lang="en-PH" sz="3000" dirty="0"/>
+          </a:p>
+          <a:p>
+            <a:r>
+              <a:rPr lang="en-PH" sz="3000" dirty="0"/>
+              <a:t>Central tendency is defined as “the statistical measure that identifies a single value as representative of an entire distribution.”</a:t>
+            </a:r>
+          </a:p>
+          <a:p>
+            <a:endParaRPr lang="en-PH" sz="3000" dirty="0"/>
+          </a:p>
+          <a:p>
+            <a:r>
+              <a:rPr lang="en-PH" sz="3000" dirty="0"/>
+              <a:t> It aims to provide an accurate description of the entire data.</a:t>
             </a:r>
             <a:endParaRPr lang="en-US" sz="3000" dirty="0"/>
           </a:p>
@@ -5229,7 +5212,7 @@
     </p:spTree>
     <p:extLst>
       <p:ext uri="{BB962C8B-B14F-4D97-AF65-F5344CB8AC3E}">
-        <p14:creationId xmlns:p14="http://schemas.microsoft.com/office/powerpoint/2010/main" val="27590061"/>
+        <p14:creationId xmlns:p14="http://schemas.microsoft.com/office/powerpoint/2010/main" val="3005482867"/>
       </p:ext>
     </p:extLst>
   </p:cSld>
@@ -5240,2748 +5223,6 @@
 </file>
 
 <file path=ppt/slides/slide11.xml><?xml version="1.0" encoding="utf-8"?>
-<p:sld xmlns:a="http://schemas.openxmlformats.org/drawingml/2006/main" xmlns:r="http://schemas.openxmlformats.org/officeDocument/2006/relationships" xmlns:p="http://schemas.openxmlformats.org/presentationml/2006/main">
-  <p:cSld>
-    <p:bg>
-      <p:bgPr>
-        <a:blipFill dpi="0" rotWithShape="1">
-          <a:blip r:embed="rId3">
-            <a:alphaModFix amt="99000"/>
-            <a:lum/>
-          </a:blip>
-          <a:srcRect/>
-          <a:stretch>
-            <a:fillRect t="89000" r="85000" b="-1000"/>
-          </a:stretch>
-        </a:blipFill>
-        <a:effectLst/>
-      </p:bgPr>
-    </p:bg>
-    <p:spTree>
-      <p:nvGrpSpPr>
-        <p:cNvPr id="1" name=""/>
-        <p:cNvGrpSpPr/>
-        <p:nvPr/>
-      </p:nvGrpSpPr>
-      <p:grpSpPr>
-        <a:xfrm>
-          <a:off x="0" y="0"/>
-          <a:ext cx="0" cy="0"/>
-          <a:chOff x="0" y="0"/>
-          <a:chExt cx="0" cy="0"/>
-        </a:xfrm>
-      </p:grpSpPr>
-      <p:sp>
-        <p:nvSpPr>
-          <p:cNvPr id="5" name="Title 1">
-            <a:extLst>
-              <a:ext uri="{FF2B5EF4-FFF2-40B4-BE49-F238E27FC236}">
-                <a16:creationId xmlns:a16="http://schemas.microsoft.com/office/drawing/2014/main" id="{3444037F-B658-D82C-5DCA-53E8AA1493D7}"/>
-              </a:ext>
-            </a:extLst>
-          </p:cNvPr>
-          <p:cNvSpPr txBox="1">
-            <a:spLocks/>
-          </p:cNvSpPr>
-          <p:nvPr/>
-        </p:nvSpPr>
-        <p:spPr>
-          <a:xfrm>
-            <a:off x="1524000" y="1516449"/>
-            <a:ext cx="9144000" cy="4290585"/>
-          </a:xfrm>
-          <a:prstGeom prst="rect">
-            <a:avLst/>
-          </a:prstGeom>
-        </p:spPr>
-        <p:txBody>
-          <a:bodyPr vert="horz" lIns="91440" tIns="45720" rIns="91440" bIns="45720" rtlCol="0" anchor="b">
-            <a:normAutofit fontScale="97500"/>
-          </a:bodyPr>
-          <a:lstStyle>
-            <a:lvl1pPr algn="ctr" defTabSz="914400" rtl="0" eaLnBrk="1" latinLnBrk="0" hangingPunct="1">
-              <a:lnSpc>
-                <a:spcPct val="90000"/>
-              </a:lnSpc>
-              <a:spcBef>
-                <a:spcPct val="0"/>
-              </a:spcBef>
-              <a:buNone/>
-              <a:defRPr sz="6000" kern="1200">
-                <a:solidFill>
-                  <a:schemeClr val="tx1"/>
-                </a:solidFill>
-                <a:latin typeface="+mj-lt"/>
-                <a:ea typeface="+mj-ea"/>
-                <a:cs typeface="+mj-cs"/>
-              </a:defRPr>
-            </a:lvl1pPr>
-          </a:lstStyle>
-          <a:p>
-            <a:pPr algn="l"/>
-            <a:endParaRPr lang="en-US" sz="3100" dirty="0"/>
-          </a:p>
-          <a:p>
-            <a:pPr algn="l"/>
-            <a:endParaRPr lang="en-US" sz="3100" dirty="0"/>
-          </a:p>
-          <a:p>
-            <a:pPr algn="l"/>
-            <a:endParaRPr lang="en-US" sz="3100" dirty="0"/>
-          </a:p>
-          <a:p>
-            <a:pPr algn="l"/>
-            <a:endParaRPr lang="en-US" sz="3100" dirty="0"/>
-          </a:p>
-          <a:p>
-            <a:pPr algn="l"/>
-            <a:endParaRPr lang="en-US" sz="3000" dirty="0"/>
-          </a:p>
-          <a:p>
-            <a:pPr algn="l"/>
-            <a:endParaRPr lang="en-US" sz="3000" dirty="0"/>
-          </a:p>
-        </p:txBody>
-      </p:sp>
-      <p:sp>
-        <p:nvSpPr>
-          <p:cNvPr id="38" name="Title 1">
-            <a:extLst>
-              <a:ext uri="{FF2B5EF4-FFF2-40B4-BE49-F238E27FC236}">
-                <a16:creationId xmlns:a16="http://schemas.microsoft.com/office/drawing/2014/main" id="{85194D96-4E26-6A5A-5AB5-02AFD53E7543}"/>
-              </a:ext>
-            </a:extLst>
-          </p:cNvPr>
-          <p:cNvSpPr>
-            <a:spLocks noGrp="1"/>
-          </p:cNvSpPr>
-          <p:nvPr>
-            <p:ph type="ctrTitle"/>
-          </p:nvPr>
-        </p:nvSpPr>
-        <p:spPr>
-          <a:xfrm>
-            <a:off x="1128386" y="415731"/>
-            <a:ext cx="9935227" cy="718459"/>
-          </a:xfrm>
-        </p:spPr>
-        <p:txBody>
-          <a:bodyPr>
-            <a:noAutofit/>
-          </a:bodyPr>
-          <a:lstStyle/>
-          <a:p>
-            <a:r>
-              <a:rPr lang="en-US" sz="4500" b="1" dirty="0"/>
-              <a:t>Example</a:t>
-            </a:r>
-            <a:endParaRPr lang="en-PH" sz="4500" b="1" dirty="0"/>
-          </a:p>
-        </p:txBody>
-      </p:sp>
-      <p:sp>
-        <p:nvSpPr>
-          <p:cNvPr id="39" name="Footer Placeholder 3">
-            <a:extLst>
-              <a:ext uri="{FF2B5EF4-FFF2-40B4-BE49-F238E27FC236}">
-                <a16:creationId xmlns:a16="http://schemas.microsoft.com/office/drawing/2014/main" id="{77EF4DA7-E5CF-896F-45E0-B1D58FD59B96}"/>
-              </a:ext>
-            </a:extLst>
-          </p:cNvPr>
-          <p:cNvSpPr>
-            <a:spLocks noGrp="1"/>
-          </p:cNvSpPr>
-          <p:nvPr>
-            <p:ph type="ftr" sz="quarter" idx="11"/>
-          </p:nvPr>
-        </p:nvSpPr>
-        <p:spPr>
-          <a:xfrm>
-            <a:off x="0" y="6139541"/>
-            <a:ext cx="12192000" cy="718459"/>
-          </a:xfrm>
-          <a:ln w="28575">
-            <a:solidFill>
-              <a:schemeClr val="accent5">
-                <a:lumMod val="50000"/>
-              </a:schemeClr>
-            </a:solidFill>
-          </a:ln>
-        </p:spPr>
-        <p:txBody>
-          <a:bodyPr/>
-          <a:lstStyle/>
-          <a:p>
-            <a:pPr lvl="1" algn="r"/>
-            <a:r>
-              <a:rPr lang="en-US" sz="1200" b="1" dirty="0"/>
-              <a:t>CCDATS1L</a:t>
-            </a:r>
-            <a:endParaRPr lang="en-PH" sz="1200" b="1" dirty="0"/>
-          </a:p>
-        </p:txBody>
-      </p:sp>
-      <p:sp>
-        <p:nvSpPr>
-          <p:cNvPr id="4" name="TextBox 3">
-            <a:extLst>
-              <a:ext uri="{FF2B5EF4-FFF2-40B4-BE49-F238E27FC236}">
-                <a16:creationId xmlns:a16="http://schemas.microsoft.com/office/drawing/2014/main" id="{4203C0C4-7C82-D208-A8B3-1AE6E9099A3C}"/>
-              </a:ext>
-            </a:extLst>
-          </p:cNvPr>
-          <p:cNvSpPr txBox="1"/>
-          <p:nvPr/>
-        </p:nvSpPr>
-        <p:spPr>
-          <a:xfrm>
-            <a:off x="333632" y="1354768"/>
-            <a:ext cx="11541211" cy="1477328"/>
-          </a:xfrm>
-          <a:prstGeom prst="rect">
-            <a:avLst/>
-          </a:prstGeom>
-          <a:noFill/>
-        </p:spPr>
-        <p:txBody>
-          <a:bodyPr wrap="square" rtlCol="0">
-            <a:spAutoFit/>
-          </a:bodyPr>
-          <a:lstStyle/>
-          <a:p>
-            <a:pPr algn="l"/>
-            <a:r>
-              <a:rPr lang="en-PH" sz="3000" dirty="0"/>
-              <a:t>Suppose you have the following scores of 20 students on an exam:</a:t>
-            </a:r>
-          </a:p>
-          <a:p>
-            <a:pPr algn="l"/>
-            <a:endParaRPr lang="en-PH" sz="3000" dirty="0"/>
-          </a:p>
-          <a:p>
-            <a:pPr algn="l"/>
-            <a:r>
-              <a:rPr lang="en-PH" sz="3000" dirty="0"/>
-              <a:t>85, 90, 75, 92, 88, 79, 83, 95, 87, 91, 78, 86, 89, 94, 82, 80, 84, 93, 88, 81</a:t>
-            </a:r>
-          </a:p>
-        </p:txBody>
-      </p:sp>
-      <p:graphicFrame>
-        <p:nvGraphicFramePr>
-          <p:cNvPr id="2" name="Table 1">
-            <a:extLst>
-              <a:ext uri="{FF2B5EF4-FFF2-40B4-BE49-F238E27FC236}">
-                <a16:creationId xmlns:a16="http://schemas.microsoft.com/office/drawing/2014/main" id="{BB2146AC-17BE-11FB-B5B4-84595A9EDA8D}"/>
-              </a:ext>
-            </a:extLst>
-          </p:cNvPr>
-          <p:cNvGraphicFramePr>
-            <a:graphicFrameLocks noGrp="1"/>
-          </p:cNvGraphicFramePr>
-          <p:nvPr>
-            <p:extLst>
-              <p:ext uri="{D42A27DB-BD31-4B8C-83A1-F6EECF244321}">
-                <p14:modId xmlns:p14="http://schemas.microsoft.com/office/powerpoint/2010/main" val="510060077"/>
-              </p:ext>
-            </p:extLst>
-          </p:nvPr>
-        </p:nvGraphicFramePr>
-        <p:xfrm>
-          <a:off x="2040237" y="3222587"/>
-          <a:ext cx="8128000" cy="2560320"/>
-        </p:xfrm>
-        <a:graphic>
-          <a:graphicData uri="http://schemas.openxmlformats.org/drawingml/2006/table">
-            <a:tbl>
-              <a:tblPr firstRow="1" bandRow="1">
-                <a:tableStyleId>{5940675A-B579-460E-94D1-54222C63F5DA}</a:tableStyleId>
-              </a:tblPr>
-              <a:tblGrid>
-                <a:gridCol w="4064000">
-                  <a:extLst>
-                    <a:ext uri="{9D8B030D-6E8A-4147-A177-3AD203B41FA5}">
-                      <a16:colId xmlns:a16="http://schemas.microsoft.com/office/drawing/2014/main" val="2736763892"/>
-                    </a:ext>
-                  </a:extLst>
-                </a:gridCol>
-                <a:gridCol w="4064000">
-                  <a:extLst>
-                    <a:ext uri="{9D8B030D-6E8A-4147-A177-3AD203B41FA5}">
-                      <a16:colId xmlns:a16="http://schemas.microsoft.com/office/drawing/2014/main" val="3162122417"/>
-                    </a:ext>
-                  </a:extLst>
-                </a:gridCol>
-              </a:tblGrid>
-              <a:tr h="370840">
-                <a:tc>
-                  <a:txBody>
-                    <a:bodyPr/>
-                    <a:lstStyle/>
-                    <a:p>
-                      <a:pPr algn="ctr"/>
-                      <a:r>
-                        <a:rPr lang="en-US" b="1" dirty="0"/>
-                        <a:t>MEAN</a:t>
-                      </a:r>
-                    </a:p>
-                  </a:txBody>
-                  <a:tcPr/>
-                </a:tc>
-                <a:tc>
-                  <a:txBody>
-                    <a:bodyPr/>
-                    <a:lstStyle/>
-                    <a:p>
-                      <a:pPr algn="ctr"/>
-                      <a:r>
-                        <a:rPr lang="en-US" sz="2200" dirty="0"/>
-                        <a:t>88.5</a:t>
-                      </a:r>
-                    </a:p>
-                  </a:txBody>
-                  <a:tcPr/>
-                </a:tc>
-                <a:extLst>
-                  <a:ext uri="{0D108BD9-81ED-4DB2-BD59-A6C34878D82A}">
-                    <a16:rowId xmlns:a16="http://schemas.microsoft.com/office/drawing/2014/main" val="572981369"/>
-                  </a:ext>
-                </a:extLst>
-              </a:tr>
-              <a:tr h="370840">
-                <a:tc>
-                  <a:txBody>
-                    <a:bodyPr/>
-                    <a:lstStyle/>
-                    <a:p>
-                      <a:pPr algn="ctr"/>
-                      <a:r>
-                        <a:rPr lang="en-US" b="1" dirty="0"/>
-                        <a:t>MEDIAN</a:t>
-                      </a:r>
-                    </a:p>
-                  </a:txBody>
-                  <a:tcPr/>
-                </a:tc>
-                <a:tc>
-                  <a:txBody>
-                    <a:bodyPr/>
-                    <a:lstStyle/>
-                    <a:p>
-                      <a:pPr algn="ctr"/>
-                      <a:r>
-                        <a:rPr lang="en-US" sz="2200" dirty="0"/>
-                        <a:t>86</a:t>
-                      </a:r>
-                    </a:p>
-                  </a:txBody>
-                  <a:tcPr/>
-                </a:tc>
-                <a:extLst>
-                  <a:ext uri="{0D108BD9-81ED-4DB2-BD59-A6C34878D82A}">
-                    <a16:rowId xmlns:a16="http://schemas.microsoft.com/office/drawing/2014/main" val="3154944886"/>
-                  </a:ext>
-                </a:extLst>
-              </a:tr>
-              <a:tr h="370840">
-                <a:tc>
-                  <a:txBody>
-                    <a:bodyPr/>
-                    <a:lstStyle/>
-                    <a:p>
-                      <a:pPr algn="ctr"/>
-                      <a:r>
-                        <a:rPr lang="en-US" b="1" dirty="0"/>
-                        <a:t>MODE</a:t>
-                      </a:r>
-                    </a:p>
-                  </a:txBody>
-                  <a:tcPr/>
-                </a:tc>
-                <a:tc>
-                  <a:txBody>
-                    <a:bodyPr/>
-                    <a:lstStyle/>
-                    <a:p>
-                      <a:pPr algn="ctr"/>
-                      <a:r>
-                        <a:rPr lang="en-US" sz="2200" dirty="0"/>
-                        <a:t>88</a:t>
-                      </a:r>
-                    </a:p>
-                  </a:txBody>
-                  <a:tcPr/>
-                </a:tc>
-                <a:extLst>
-                  <a:ext uri="{0D108BD9-81ED-4DB2-BD59-A6C34878D82A}">
-                    <a16:rowId xmlns:a16="http://schemas.microsoft.com/office/drawing/2014/main" val="2121773901"/>
-                  </a:ext>
-                </a:extLst>
-              </a:tr>
-              <a:tr h="370840">
-                <a:tc>
-                  <a:txBody>
-                    <a:bodyPr/>
-                    <a:lstStyle/>
-                    <a:p>
-                      <a:pPr algn="ctr"/>
-                      <a:r>
-                        <a:rPr lang="en-US" b="1" dirty="0"/>
-                        <a:t>RANGE </a:t>
-                      </a:r>
-                    </a:p>
-                  </a:txBody>
-                  <a:tcPr/>
-                </a:tc>
-                <a:tc>
-                  <a:txBody>
-                    <a:bodyPr/>
-                    <a:lstStyle/>
-                    <a:p>
-                      <a:pPr algn="ctr"/>
-                      <a:r>
-                        <a:rPr lang="en-US" sz="2200" dirty="0"/>
-                        <a:t>20</a:t>
-                      </a:r>
-                    </a:p>
-                  </a:txBody>
-                  <a:tcPr/>
-                </a:tc>
-                <a:extLst>
-                  <a:ext uri="{0D108BD9-81ED-4DB2-BD59-A6C34878D82A}">
-                    <a16:rowId xmlns:a16="http://schemas.microsoft.com/office/drawing/2014/main" val="520903593"/>
-                  </a:ext>
-                </a:extLst>
-              </a:tr>
-              <a:tr h="0">
-                <a:tc>
-                  <a:txBody>
-                    <a:bodyPr/>
-                    <a:lstStyle/>
-                    <a:p>
-                      <a:pPr algn="ctr"/>
-                      <a:r>
-                        <a:rPr lang="en-US" b="1" dirty="0"/>
-                        <a:t>VARIANCE </a:t>
-                      </a:r>
-                    </a:p>
-                  </a:txBody>
-                  <a:tcPr/>
-                </a:tc>
-                <a:tc>
-                  <a:txBody>
-                    <a:bodyPr/>
-                    <a:lstStyle/>
-                    <a:p>
-                      <a:pPr algn="ctr"/>
-                      <a:r>
-                        <a:rPr lang="en-US" sz="2200" dirty="0"/>
-                        <a:t>33.25</a:t>
-                      </a:r>
-                    </a:p>
-                  </a:txBody>
-                  <a:tcPr/>
-                </a:tc>
-                <a:extLst>
-                  <a:ext uri="{0D108BD9-81ED-4DB2-BD59-A6C34878D82A}">
-                    <a16:rowId xmlns:a16="http://schemas.microsoft.com/office/drawing/2014/main" val="3872717658"/>
-                  </a:ext>
-                </a:extLst>
-              </a:tr>
-              <a:tr h="370840">
-                <a:tc>
-                  <a:txBody>
-                    <a:bodyPr/>
-                    <a:lstStyle/>
-                    <a:p>
-                      <a:pPr algn="ctr"/>
-                      <a:r>
-                        <a:rPr lang="en-US" b="1" dirty="0"/>
-                        <a:t>STANDARD DEVIATION</a:t>
-                      </a:r>
-                    </a:p>
-                  </a:txBody>
-                  <a:tcPr/>
-                </a:tc>
-                <a:tc>
-                  <a:txBody>
-                    <a:bodyPr/>
-                    <a:lstStyle/>
-                    <a:p>
-                      <a:pPr algn="ctr"/>
-                      <a:r>
-                        <a:rPr lang="en-US" sz="2200" dirty="0"/>
-                        <a:t>5.77</a:t>
-                      </a:r>
-                    </a:p>
-                  </a:txBody>
-                  <a:tcPr/>
-                </a:tc>
-                <a:extLst>
-                  <a:ext uri="{0D108BD9-81ED-4DB2-BD59-A6C34878D82A}">
-                    <a16:rowId xmlns:a16="http://schemas.microsoft.com/office/drawing/2014/main" val="2867706687"/>
-                  </a:ext>
-                </a:extLst>
-              </a:tr>
-            </a:tbl>
-          </a:graphicData>
-        </a:graphic>
-      </p:graphicFrame>
-    </p:spTree>
-    <p:extLst>
-      <p:ext uri="{BB962C8B-B14F-4D97-AF65-F5344CB8AC3E}">
-        <p14:creationId xmlns:p14="http://schemas.microsoft.com/office/powerpoint/2010/main" val="229225158"/>
-      </p:ext>
-    </p:extLst>
-  </p:cSld>
-  <p:clrMapOvr>
-    <a:masterClrMapping/>
-  </p:clrMapOvr>
-</p:sld>
-</file>
-
-<file path=ppt/slides/slide2.xml><?xml version="1.0" encoding="utf-8"?>
-<p:sld xmlns:a="http://schemas.openxmlformats.org/drawingml/2006/main" xmlns:r="http://schemas.openxmlformats.org/officeDocument/2006/relationships" xmlns:p="http://schemas.openxmlformats.org/presentationml/2006/main">
-  <p:cSld>
-    <p:bg>
-      <p:bgPr>
-        <a:blipFill dpi="0" rotWithShape="1">
-          <a:blip r:embed="rId3">
-            <a:alphaModFix amt="99000"/>
-            <a:lum/>
-          </a:blip>
-          <a:srcRect/>
-          <a:stretch>
-            <a:fillRect t="89000" r="85000" b="-1000"/>
-          </a:stretch>
-        </a:blipFill>
-        <a:effectLst/>
-      </p:bgPr>
-    </p:bg>
-    <p:spTree>
-      <p:nvGrpSpPr>
-        <p:cNvPr id="1" name=""/>
-        <p:cNvGrpSpPr/>
-        <p:nvPr/>
-      </p:nvGrpSpPr>
-      <p:grpSpPr>
-        <a:xfrm>
-          <a:off x="0" y="0"/>
-          <a:ext cx="0" cy="0"/>
-          <a:chOff x="0" y="0"/>
-          <a:chExt cx="0" cy="0"/>
-        </a:xfrm>
-      </p:grpSpPr>
-      <p:sp>
-        <p:nvSpPr>
-          <p:cNvPr id="5" name="Title 1">
-            <a:extLst>
-              <a:ext uri="{FF2B5EF4-FFF2-40B4-BE49-F238E27FC236}">
-                <a16:creationId xmlns:a16="http://schemas.microsoft.com/office/drawing/2014/main" id="{3444037F-B658-D82C-5DCA-53E8AA1493D7}"/>
-              </a:ext>
-            </a:extLst>
-          </p:cNvPr>
-          <p:cNvSpPr txBox="1">
-            <a:spLocks/>
-          </p:cNvSpPr>
-          <p:nvPr/>
-        </p:nvSpPr>
-        <p:spPr>
-          <a:xfrm>
-            <a:off x="1524000" y="1516449"/>
-            <a:ext cx="9144000" cy="4290585"/>
-          </a:xfrm>
-          <a:prstGeom prst="rect">
-            <a:avLst/>
-          </a:prstGeom>
-        </p:spPr>
-        <p:txBody>
-          <a:bodyPr vert="horz" lIns="91440" tIns="45720" rIns="91440" bIns="45720" rtlCol="0" anchor="b">
-            <a:normAutofit fontScale="97500"/>
-          </a:bodyPr>
-          <a:lstStyle>
-            <a:lvl1pPr algn="ctr" defTabSz="914400" rtl="0" eaLnBrk="1" latinLnBrk="0" hangingPunct="1">
-              <a:lnSpc>
-                <a:spcPct val="90000"/>
-              </a:lnSpc>
-              <a:spcBef>
-                <a:spcPct val="0"/>
-              </a:spcBef>
-              <a:buNone/>
-              <a:defRPr sz="6000" kern="1200">
-                <a:solidFill>
-                  <a:schemeClr val="tx1"/>
-                </a:solidFill>
-                <a:latin typeface="+mj-lt"/>
-                <a:ea typeface="+mj-ea"/>
-                <a:cs typeface="+mj-cs"/>
-              </a:defRPr>
-            </a:lvl1pPr>
-          </a:lstStyle>
-          <a:p>
-            <a:pPr algn="l"/>
-            <a:endParaRPr lang="en-US" sz="3100" dirty="0"/>
-          </a:p>
-          <a:p>
-            <a:pPr algn="l"/>
-            <a:endParaRPr lang="en-US" sz="3100" dirty="0"/>
-          </a:p>
-          <a:p>
-            <a:pPr algn="l"/>
-            <a:endParaRPr lang="en-US" sz="3100" dirty="0"/>
-          </a:p>
-          <a:p>
-            <a:pPr algn="l"/>
-            <a:endParaRPr lang="en-US" sz="3100" dirty="0"/>
-          </a:p>
-          <a:p>
-            <a:pPr algn="l"/>
-            <a:endParaRPr lang="en-US" sz="3000" dirty="0"/>
-          </a:p>
-          <a:p>
-            <a:pPr algn="l"/>
-            <a:endParaRPr lang="en-US" sz="3000" dirty="0"/>
-          </a:p>
-        </p:txBody>
-      </p:sp>
-      <p:sp>
-        <p:nvSpPr>
-          <p:cNvPr id="39" name="Footer Placeholder 3">
-            <a:extLst>
-              <a:ext uri="{FF2B5EF4-FFF2-40B4-BE49-F238E27FC236}">
-                <a16:creationId xmlns:a16="http://schemas.microsoft.com/office/drawing/2014/main" id="{77EF4DA7-E5CF-896F-45E0-B1D58FD59B96}"/>
-              </a:ext>
-            </a:extLst>
-          </p:cNvPr>
-          <p:cNvSpPr>
-            <a:spLocks noGrp="1"/>
-          </p:cNvSpPr>
-          <p:nvPr>
-            <p:ph type="ftr" sz="quarter" idx="11"/>
-          </p:nvPr>
-        </p:nvSpPr>
-        <p:spPr>
-          <a:xfrm>
-            <a:off x="0" y="6139541"/>
-            <a:ext cx="12192000" cy="718459"/>
-          </a:xfrm>
-          <a:ln w="28575">
-            <a:solidFill>
-              <a:schemeClr val="accent5">
-                <a:lumMod val="50000"/>
-              </a:schemeClr>
-            </a:solidFill>
-          </a:ln>
-        </p:spPr>
-        <p:txBody>
-          <a:bodyPr/>
-          <a:lstStyle/>
-          <a:p>
-            <a:pPr lvl="1" algn="r"/>
-            <a:r>
-              <a:rPr lang="en-US" sz="1200" b="1" dirty="0"/>
-              <a:t>CCDATS1L</a:t>
-            </a:r>
-            <a:endParaRPr lang="en-PH" sz="1200" b="1" dirty="0"/>
-          </a:p>
-        </p:txBody>
-      </p:sp>
-      <p:sp>
-        <p:nvSpPr>
-          <p:cNvPr id="2" name="Title 1">
-            <a:extLst>
-              <a:ext uri="{FF2B5EF4-FFF2-40B4-BE49-F238E27FC236}">
-                <a16:creationId xmlns:a16="http://schemas.microsoft.com/office/drawing/2014/main" id="{79EF1114-32BB-A28C-0B44-90073AA32F6C}"/>
-              </a:ext>
-            </a:extLst>
-          </p:cNvPr>
-          <p:cNvSpPr txBox="1">
-            <a:spLocks/>
-          </p:cNvSpPr>
-          <p:nvPr/>
-        </p:nvSpPr>
-        <p:spPr>
-          <a:xfrm>
-            <a:off x="459205" y="1283707"/>
-            <a:ext cx="11273589" cy="4290585"/>
-          </a:xfrm>
-          <a:prstGeom prst="rect">
-            <a:avLst/>
-          </a:prstGeom>
-        </p:spPr>
-        <p:txBody>
-          <a:bodyPr vert="horz" lIns="91440" tIns="45720" rIns="91440" bIns="45720" rtlCol="0" anchor="b">
-            <a:normAutofit fontScale="97500"/>
-          </a:bodyPr>
-          <a:lstStyle>
-            <a:lvl1pPr algn="ctr" defTabSz="914400" rtl="0" eaLnBrk="1" latinLnBrk="0" hangingPunct="1">
-              <a:lnSpc>
-                <a:spcPct val="90000"/>
-              </a:lnSpc>
-              <a:spcBef>
-                <a:spcPct val="0"/>
-              </a:spcBef>
-              <a:buNone/>
-              <a:defRPr sz="6000" kern="1200">
-                <a:solidFill>
-                  <a:schemeClr val="tx1"/>
-                </a:solidFill>
-                <a:latin typeface="+mj-lt"/>
-                <a:ea typeface="+mj-ea"/>
-                <a:cs typeface="+mj-cs"/>
-              </a:defRPr>
-            </a:lvl1pPr>
-          </a:lstStyle>
-          <a:p>
-            <a:pPr algn="l"/>
-            <a:endParaRPr lang="en-US" sz="2900" b="1" i="0" dirty="0">
-              <a:solidFill>
-                <a:srgbClr val="252C33"/>
-              </a:solidFill>
-              <a:effectLst/>
-              <a:latin typeface="Calibri Light (Headings)"/>
-            </a:endParaRPr>
-          </a:p>
-          <a:p>
-            <a:pPr marL="457200" indent="-457200" algn="l">
-              <a:buFont typeface="Wingdings" pitchFamily="2" charset="2"/>
-              <a:buChar char="Ø"/>
-            </a:pPr>
-            <a:r>
-              <a:rPr lang="en-US" sz="2900" b="1" dirty="0">
-                <a:latin typeface="Calibri Light (Headings)"/>
-              </a:rPr>
-              <a:t>What is Descriptive Statistics?</a:t>
-            </a:r>
-          </a:p>
-          <a:p>
-            <a:pPr marL="457200" indent="-457200" algn="l">
-              <a:buFont typeface="Wingdings" pitchFamily="2" charset="2"/>
-              <a:buChar char="Ø"/>
-            </a:pPr>
-            <a:endParaRPr lang="en-US" sz="2900" b="1" dirty="0">
-              <a:solidFill>
-                <a:schemeClr val="tx1">
-                  <a:lumMod val="50000"/>
-                  <a:lumOff val="50000"/>
-                </a:schemeClr>
-              </a:solidFill>
-              <a:latin typeface="Calibri Light (Headings)"/>
-            </a:endParaRPr>
-          </a:p>
-          <a:p>
-            <a:pPr marL="457200" indent="-457200" algn="l">
-              <a:buFont typeface="Wingdings" pitchFamily="2" charset="2"/>
-              <a:buChar char="Ø"/>
-            </a:pPr>
-            <a:r>
-              <a:rPr lang="en-US" sz="2900" b="1" dirty="0">
-                <a:solidFill>
-                  <a:schemeClr val="tx1">
-                    <a:lumMod val="50000"/>
-                    <a:lumOff val="50000"/>
-                  </a:schemeClr>
-                </a:solidFill>
-                <a:latin typeface="Calibri Light (Headings)"/>
-              </a:rPr>
-              <a:t>Types of Descriptive Statistics</a:t>
-            </a:r>
-            <a:endParaRPr lang="en-US" sz="2900" b="1" i="0" dirty="0">
-              <a:solidFill>
-                <a:schemeClr val="tx1">
-                  <a:lumMod val="50000"/>
-                  <a:lumOff val="50000"/>
-                </a:schemeClr>
-              </a:solidFill>
-              <a:effectLst/>
-              <a:latin typeface="Calibri Light (Headings)"/>
-            </a:endParaRPr>
-          </a:p>
-          <a:p>
-            <a:pPr algn="l"/>
-            <a:endParaRPr lang="en-US" sz="2900" b="1" dirty="0">
-              <a:solidFill>
-                <a:schemeClr val="tx1">
-                  <a:lumMod val="50000"/>
-                  <a:lumOff val="50000"/>
-                </a:schemeClr>
-              </a:solidFill>
-              <a:latin typeface="Calibri Light (Headings)"/>
-            </a:endParaRPr>
-          </a:p>
-          <a:p>
-            <a:pPr marL="457200" indent="-457200" algn="l">
-              <a:buFont typeface="Wingdings" pitchFamily="2" charset="2"/>
-              <a:buChar char="Ø"/>
-            </a:pPr>
-            <a:endParaRPr lang="en-US" sz="2900" b="1" dirty="0">
-              <a:solidFill>
-                <a:schemeClr val="tx1">
-                  <a:lumMod val="50000"/>
-                  <a:lumOff val="50000"/>
-                </a:schemeClr>
-              </a:solidFill>
-              <a:latin typeface="Calibri Light (Headings)"/>
-            </a:endParaRPr>
-          </a:p>
-          <a:p>
-            <a:pPr marL="457200" indent="-457200" algn="l">
-              <a:buFont typeface="Wingdings" pitchFamily="2" charset="2"/>
-              <a:buChar char="Ø"/>
-            </a:pPr>
-            <a:endParaRPr lang="en-US" sz="2900" b="1" dirty="0">
-              <a:solidFill>
-                <a:schemeClr val="tx1">
-                  <a:lumMod val="50000"/>
-                  <a:lumOff val="50000"/>
-                </a:schemeClr>
-              </a:solidFill>
-              <a:latin typeface="Calibri Light (Headings)"/>
-            </a:endParaRPr>
-          </a:p>
-          <a:p>
-            <a:pPr marL="457200" indent="-457200" algn="l">
-              <a:buFont typeface="Wingdings" pitchFamily="2" charset="2"/>
-              <a:buChar char="Ø"/>
-            </a:pPr>
-            <a:endParaRPr lang="en-US" sz="2900" b="1" dirty="0">
-              <a:solidFill>
-                <a:schemeClr val="tx1">
-                  <a:lumMod val="50000"/>
-                  <a:lumOff val="50000"/>
-                </a:schemeClr>
-              </a:solidFill>
-              <a:latin typeface="Calibri Light (Headings)"/>
-            </a:endParaRPr>
-          </a:p>
-          <a:p>
-            <a:pPr marL="457200" indent="-457200" algn="l">
-              <a:buFont typeface="Wingdings" pitchFamily="2" charset="2"/>
-              <a:buChar char="Ø"/>
-            </a:pPr>
-            <a:endParaRPr lang="en-US" sz="2900" b="1" dirty="0">
-              <a:solidFill>
-                <a:schemeClr val="tx1">
-                  <a:lumMod val="50000"/>
-                  <a:lumOff val="50000"/>
-                </a:schemeClr>
-              </a:solidFill>
-              <a:latin typeface="Calibri Light (Headings)"/>
-            </a:endParaRPr>
-          </a:p>
-          <a:p>
-            <a:pPr marL="457200" indent="-457200" algn="l">
-              <a:buFont typeface="Wingdings" pitchFamily="2" charset="2"/>
-              <a:buChar char="Ø"/>
-            </a:pPr>
-            <a:endParaRPr lang="en-US" sz="2900" b="1" dirty="0">
-              <a:solidFill>
-                <a:schemeClr val="tx1">
-                  <a:lumMod val="50000"/>
-                  <a:lumOff val="50000"/>
-                </a:schemeClr>
-              </a:solidFill>
-              <a:latin typeface="Calibri Light (Headings)"/>
-            </a:endParaRPr>
-          </a:p>
-          <a:p>
-            <a:pPr algn="l"/>
-            <a:endParaRPr lang="en-US" sz="2900" b="1" dirty="0">
-              <a:solidFill>
-                <a:schemeClr val="tx1">
-                  <a:lumMod val="50000"/>
-                  <a:lumOff val="50000"/>
-                </a:schemeClr>
-              </a:solidFill>
-              <a:latin typeface="Calibri Light (Headings)"/>
-            </a:endParaRPr>
-          </a:p>
-        </p:txBody>
-      </p:sp>
-      <p:sp>
-        <p:nvSpPr>
-          <p:cNvPr id="7" name="Title 1">
-            <a:extLst>
-              <a:ext uri="{FF2B5EF4-FFF2-40B4-BE49-F238E27FC236}">
-                <a16:creationId xmlns:a16="http://schemas.microsoft.com/office/drawing/2014/main" id="{F9F68FD0-4734-F88A-26AE-8BD1D795B778}"/>
-              </a:ext>
-            </a:extLst>
-          </p:cNvPr>
-          <p:cNvSpPr>
-            <a:spLocks noGrp="1"/>
-          </p:cNvSpPr>
-          <p:nvPr>
-            <p:ph type="ctrTitle"/>
-          </p:nvPr>
-        </p:nvSpPr>
-        <p:spPr>
-          <a:xfrm>
-            <a:off x="1128385" y="359228"/>
-            <a:ext cx="9935227" cy="718459"/>
-          </a:xfrm>
-        </p:spPr>
-        <p:txBody>
-          <a:bodyPr>
-            <a:noAutofit/>
-          </a:bodyPr>
-          <a:lstStyle/>
-          <a:p>
-            <a:pPr algn="l"/>
-            <a:r>
-              <a:rPr lang="en-US" sz="4500" b="1" dirty="0"/>
-              <a:t>Outline</a:t>
-            </a:r>
-            <a:endParaRPr lang="en-PH" sz="4500" b="1" dirty="0"/>
-          </a:p>
-        </p:txBody>
-      </p:sp>
-    </p:spTree>
-    <p:extLst>
-      <p:ext uri="{BB962C8B-B14F-4D97-AF65-F5344CB8AC3E}">
-        <p14:creationId xmlns:p14="http://schemas.microsoft.com/office/powerpoint/2010/main" val="1181416942"/>
-      </p:ext>
-    </p:extLst>
-  </p:cSld>
-  <p:clrMapOvr>
-    <a:masterClrMapping/>
-  </p:clrMapOvr>
-</p:sld>
-</file>
-
-<file path=ppt/slides/slide3.xml><?xml version="1.0" encoding="utf-8"?>
-<p:sld xmlns:a="http://schemas.openxmlformats.org/drawingml/2006/main" xmlns:r="http://schemas.openxmlformats.org/officeDocument/2006/relationships" xmlns:p="http://schemas.openxmlformats.org/presentationml/2006/main">
-  <p:cSld>
-    <p:bg>
-      <p:bgPr>
-        <a:blipFill dpi="0" rotWithShape="1">
-          <a:blip r:embed="rId3">
-            <a:alphaModFix amt="99000"/>
-            <a:lum/>
-          </a:blip>
-          <a:srcRect/>
-          <a:stretch>
-            <a:fillRect t="89000" r="85000" b="-1000"/>
-          </a:stretch>
-        </a:blipFill>
-        <a:effectLst/>
-      </p:bgPr>
-    </p:bg>
-    <p:spTree>
-      <p:nvGrpSpPr>
-        <p:cNvPr id="1" name=""/>
-        <p:cNvGrpSpPr/>
-        <p:nvPr/>
-      </p:nvGrpSpPr>
-      <p:grpSpPr>
-        <a:xfrm>
-          <a:off x="0" y="0"/>
-          <a:ext cx="0" cy="0"/>
-          <a:chOff x="0" y="0"/>
-          <a:chExt cx="0" cy="0"/>
-        </a:xfrm>
-      </p:grpSpPr>
-      <p:sp>
-        <p:nvSpPr>
-          <p:cNvPr id="5" name="Title 1">
-            <a:extLst>
-              <a:ext uri="{FF2B5EF4-FFF2-40B4-BE49-F238E27FC236}">
-                <a16:creationId xmlns:a16="http://schemas.microsoft.com/office/drawing/2014/main" id="{3444037F-B658-D82C-5DCA-53E8AA1493D7}"/>
-              </a:ext>
-            </a:extLst>
-          </p:cNvPr>
-          <p:cNvSpPr txBox="1">
-            <a:spLocks/>
-          </p:cNvSpPr>
-          <p:nvPr/>
-        </p:nvSpPr>
-        <p:spPr>
-          <a:xfrm>
-            <a:off x="1524000" y="1516449"/>
-            <a:ext cx="9144000" cy="4290585"/>
-          </a:xfrm>
-          <a:prstGeom prst="rect">
-            <a:avLst/>
-          </a:prstGeom>
-        </p:spPr>
-        <p:txBody>
-          <a:bodyPr vert="horz" lIns="91440" tIns="45720" rIns="91440" bIns="45720" rtlCol="0" anchor="b">
-            <a:normAutofit fontScale="97500"/>
-          </a:bodyPr>
-          <a:lstStyle>
-            <a:lvl1pPr algn="ctr" defTabSz="914400" rtl="0" eaLnBrk="1" latinLnBrk="0" hangingPunct="1">
-              <a:lnSpc>
-                <a:spcPct val="90000"/>
-              </a:lnSpc>
-              <a:spcBef>
-                <a:spcPct val="0"/>
-              </a:spcBef>
-              <a:buNone/>
-              <a:defRPr sz="6000" kern="1200">
-                <a:solidFill>
-                  <a:schemeClr val="tx1"/>
-                </a:solidFill>
-                <a:latin typeface="+mj-lt"/>
-                <a:ea typeface="+mj-ea"/>
-                <a:cs typeface="+mj-cs"/>
-              </a:defRPr>
-            </a:lvl1pPr>
-          </a:lstStyle>
-          <a:p>
-            <a:pPr algn="l"/>
-            <a:endParaRPr lang="en-US" sz="3100" dirty="0"/>
-          </a:p>
-          <a:p>
-            <a:pPr algn="l"/>
-            <a:endParaRPr lang="en-US" sz="3100" dirty="0"/>
-          </a:p>
-          <a:p>
-            <a:pPr algn="l"/>
-            <a:endParaRPr lang="en-US" sz="3100" dirty="0"/>
-          </a:p>
-          <a:p>
-            <a:pPr algn="l"/>
-            <a:endParaRPr lang="en-US" sz="3100" dirty="0"/>
-          </a:p>
-          <a:p>
-            <a:pPr algn="l"/>
-            <a:endParaRPr lang="en-US" sz="3000" dirty="0"/>
-          </a:p>
-          <a:p>
-            <a:pPr algn="l"/>
-            <a:endParaRPr lang="en-US" sz="3000" dirty="0"/>
-          </a:p>
-        </p:txBody>
-      </p:sp>
-      <p:sp>
-        <p:nvSpPr>
-          <p:cNvPr id="38" name="Title 1">
-            <a:extLst>
-              <a:ext uri="{FF2B5EF4-FFF2-40B4-BE49-F238E27FC236}">
-                <a16:creationId xmlns:a16="http://schemas.microsoft.com/office/drawing/2014/main" id="{85194D96-4E26-6A5A-5AB5-02AFD53E7543}"/>
-              </a:ext>
-            </a:extLst>
-          </p:cNvPr>
-          <p:cNvSpPr>
-            <a:spLocks noGrp="1"/>
-          </p:cNvSpPr>
-          <p:nvPr>
-            <p:ph type="ctrTitle"/>
-          </p:nvPr>
-        </p:nvSpPr>
-        <p:spPr>
-          <a:xfrm>
-            <a:off x="1128386" y="415731"/>
-            <a:ext cx="9935227" cy="718459"/>
-          </a:xfrm>
-        </p:spPr>
-        <p:txBody>
-          <a:bodyPr>
-            <a:noAutofit/>
-          </a:bodyPr>
-          <a:lstStyle/>
-          <a:p>
-            <a:r>
-              <a:rPr lang="en-US" sz="4500" b="1" dirty="0"/>
-              <a:t>W</a:t>
-            </a:r>
-            <a:r>
-              <a:rPr lang="en-PH" sz="4500" b="1" dirty="0"/>
-              <a:t>hat is Descriptive Statistics?</a:t>
-            </a:r>
-          </a:p>
-        </p:txBody>
-      </p:sp>
-      <p:sp>
-        <p:nvSpPr>
-          <p:cNvPr id="39" name="Footer Placeholder 3">
-            <a:extLst>
-              <a:ext uri="{FF2B5EF4-FFF2-40B4-BE49-F238E27FC236}">
-                <a16:creationId xmlns:a16="http://schemas.microsoft.com/office/drawing/2014/main" id="{77EF4DA7-E5CF-896F-45E0-B1D58FD59B96}"/>
-              </a:ext>
-            </a:extLst>
-          </p:cNvPr>
-          <p:cNvSpPr>
-            <a:spLocks noGrp="1"/>
-          </p:cNvSpPr>
-          <p:nvPr>
-            <p:ph type="ftr" sz="quarter" idx="11"/>
-          </p:nvPr>
-        </p:nvSpPr>
-        <p:spPr>
-          <a:xfrm>
-            <a:off x="0" y="6139541"/>
-            <a:ext cx="12192000" cy="718459"/>
-          </a:xfrm>
-          <a:ln w="28575">
-            <a:solidFill>
-              <a:schemeClr val="accent5">
-                <a:lumMod val="50000"/>
-              </a:schemeClr>
-            </a:solidFill>
-          </a:ln>
-        </p:spPr>
-        <p:txBody>
-          <a:bodyPr/>
-          <a:lstStyle/>
-          <a:p>
-            <a:pPr lvl="1" algn="r"/>
-            <a:r>
-              <a:rPr lang="en-US" sz="1200" b="1" dirty="0"/>
-              <a:t>CCDATS1L</a:t>
-            </a:r>
-            <a:endParaRPr lang="en-PH" sz="1200" b="1" dirty="0"/>
-          </a:p>
-        </p:txBody>
-      </p:sp>
-      <p:sp>
-        <p:nvSpPr>
-          <p:cNvPr id="4" name="TextBox 3">
-            <a:extLst>
-              <a:ext uri="{FF2B5EF4-FFF2-40B4-BE49-F238E27FC236}">
-                <a16:creationId xmlns:a16="http://schemas.microsoft.com/office/drawing/2014/main" id="{4203C0C4-7C82-D208-A8B3-1AE6E9099A3C}"/>
-              </a:ext>
-            </a:extLst>
-          </p:cNvPr>
-          <p:cNvSpPr txBox="1"/>
-          <p:nvPr/>
-        </p:nvSpPr>
-        <p:spPr>
-          <a:xfrm>
-            <a:off x="639918" y="1354768"/>
-            <a:ext cx="10912162" cy="2862322"/>
-          </a:xfrm>
-          <a:prstGeom prst="rect">
-            <a:avLst/>
-          </a:prstGeom>
-          <a:noFill/>
-        </p:spPr>
-        <p:txBody>
-          <a:bodyPr wrap="square" rtlCol="0">
-            <a:spAutoFit/>
-          </a:bodyPr>
-          <a:lstStyle/>
-          <a:p>
-            <a:pPr eaLnBrk="1" hangingPunct="1"/>
-            <a:r>
-              <a:rPr lang="en-PH" sz="3000" dirty="0"/>
-              <a:t>Statistics is the science, or a branch of mathematics that involves collecting, classifying, analyzing, interpreting, and presenting numerical facts and data.</a:t>
-            </a:r>
-          </a:p>
-          <a:p>
-            <a:pPr eaLnBrk="1" hangingPunct="1"/>
-            <a:endParaRPr lang="en-PH" sz="3000" dirty="0"/>
-          </a:p>
-          <a:p>
-            <a:pPr eaLnBrk="1" hangingPunct="1"/>
-            <a:r>
-              <a:rPr lang="en-PH" sz="3000" dirty="0"/>
-              <a:t>Statistics further breaks down into two types: </a:t>
-            </a:r>
-            <a:r>
-              <a:rPr lang="en-PH" sz="3000" b="1" dirty="0">
-                <a:solidFill>
-                  <a:srgbClr val="00B050"/>
-                </a:solidFill>
-              </a:rPr>
-              <a:t>descriptive statistics</a:t>
-            </a:r>
-            <a:r>
-              <a:rPr lang="en-PH" sz="3000" dirty="0"/>
-              <a:t> and </a:t>
-            </a:r>
-            <a:r>
-              <a:rPr lang="en-PH" sz="3000" b="1" dirty="0">
-                <a:solidFill>
-                  <a:srgbClr val="FF0000"/>
-                </a:solidFill>
-              </a:rPr>
-              <a:t>inferential statistics</a:t>
-            </a:r>
-          </a:p>
-        </p:txBody>
-      </p:sp>
-    </p:spTree>
-    <p:extLst>
-      <p:ext uri="{BB962C8B-B14F-4D97-AF65-F5344CB8AC3E}">
-        <p14:creationId xmlns:p14="http://schemas.microsoft.com/office/powerpoint/2010/main" val="2405133159"/>
-      </p:ext>
-    </p:extLst>
-  </p:cSld>
-  <p:clrMapOvr>
-    <a:masterClrMapping/>
-  </p:clrMapOvr>
-</p:sld>
-</file>
-
-<file path=ppt/slides/slide4.xml><?xml version="1.0" encoding="utf-8"?>
-<p:sld xmlns:a="http://schemas.openxmlformats.org/drawingml/2006/main" xmlns:r="http://schemas.openxmlformats.org/officeDocument/2006/relationships" xmlns:p="http://schemas.openxmlformats.org/presentationml/2006/main">
-  <p:cSld>
-    <p:bg>
-      <p:bgPr>
-        <a:blipFill dpi="0" rotWithShape="1">
-          <a:blip r:embed="rId3">
-            <a:alphaModFix amt="99000"/>
-            <a:lum/>
-          </a:blip>
-          <a:srcRect/>
-          <a:stretch>
-            <a:fillRect t="89000" r="85000" b="-1000"/>
-          </a:stretch>
-        </a:blipFill>
-        <a:effectLst/>
-      </p:bgPr>
-    </p:bg>
-    <p:spTree>
-      <p:nvGrpSpPr>
-        <p:cNvPr id="1" name=""/>
-        <p:cNvGrpSpPr/>
-        <p:nvPr/>
-      </p:nvGrpSpPr>
-      <p:grpSpPr>
-        <a:xfrm>
-          <a:off x="0" y="0"/>
-          <a:ext cx="0" cy="0"/>
-          <a:chOff x="0" y="0"/>
-          <a:chExt cx="0" cy="0"/>
-        </a:xfrm>
-      </p:grpSpPr>
-      <p:sp>
-        <p:nvSpPr>
-          <p:cNvPr id="5" name="Title 1">
-            <a:extLst>
-              <a:ext uri="{FF2B5EF4-FFF2-40B4-BE49-F238E27FC236}">
-                <a16:creationId xmlns:a16="http://schemas.microsoft.com/office/drawing/2014/main" id="{3444037F-B658-D82C-5DCA-53E8AA1493D7}"/>
-              </a:ext>
-            </a:extLst>
-          </p:cNvPr>
-          <p:cNvSpPr txBox="1">
-            <a:spLocks/>
-          </p:cNvSpPr>
-          <p:nvPr/>
-        </p:nvSpPr>
-        <p:spPr>
-          <a:xfrm>
-            <a:off x="1524000" y="1516449"/>
-            <a:ext cx="9144000" cy="4290585"/>
-          </a:xfrm>
-          <a:prstGeom prst="rect">
-            <a:avLst/>
-          </a:prstGeom>
-        </p:spPr>
-        <p:txBody>
-          <a:bodyPr vert="horz" lIns="91440" tIns="45720" rIns="91440" bIns="45720" rtlCol="0" anchor="b">
-            <a:normAutofit fontScale="97500"/>
-          </a:bodyPr>
-          <a:lstStyle>
-            <a:lvl1pPr algn="ctr" defTabSz="914400" rtl="0" eaLnBrk="1" latinLnBrk="0" hangingPunct="1">
-              <a:lnSpc>
-                <a:spcPct val="90000"/>
-              </a:lnSpc>
-              <a:spcBef>
-                <a:spcPct val="0"/>
-              </a:spcBef>
-              <a:buNone/>
-              <a:defRPr sz="6000" kern="1200">
-                <a:solidFill>
-                  <a:schemeClr val="tx1"/>
-                </a:solidFill>
-                <a:latin typeface="+mj-lt"/>
-                <a:ea typeface="+mj-ea"/>
-                <a:cs typeface="+mj-cs"/>
-              </a:defRPr>
-            </a:lvl1pPr>
-          </a:lstStyle>
-          <a:p>
-            <a:pPr algn="l"/>
-            <a:endParaRPr lang="en-US" sz="3100" dirty="0"/>
-          </a:p>
-          <a:p>
-            <a:pPr algn="l"/>
-            <a:endParaRPr lang="en-US" sz="3100" dirty="0"/>
-          </a:p>
-          <a:p>
-            <a:pPr algn="l"/>
-            <a:endParaRPr lang="en-US" sz="3100" dirty="0"/>
-          </a:p>
-          <a:p>
-            <a:pPr algn="l"/>
-            <a:endParaRPr lang="en-US" sz="3100" dirty="0"/>
-          </a:p>
-          <a:p>
-            <a:pPr algn="l"/>
-            <a:endParaRPr lang="en-US" sz="3000" dirty="0"/>
-          </a:p>
-          <a:p>
-            <a:pPr algn="l"/>
-            <a:endParaRPr lang="en-US" sz="3000" dirty="0"/>
-          </a:p>
-        </p:txBody>
-      </p:sp>
-      <p:sp>
-        <p:nvSpPr>
-          <p:cNvPr id="38" name="Title 1">
-            <a:extLst>
-              <a:ext uri="{FF2B5EF4-FFF2-40B4-BE49-F238E27FC236}">
-                <a16:creationId xmlns:a16="http://schemas.microsoft.com/office/drawing/2014/main" id="{85194D96-4E26-6A5A-5AB5-02AFD53E7543}"/>
-              </a:ext>
-            </a:extLst>
-          </p:cNvPr>
-          <p:cNvSpPr>
-            <a:spLocks noGrp="1"/>
-          </p:cNvSpPr>
-          <p:nvPr>
-            <p:ph type="ctrTitle"/>
-          </p:nvPr>
-        </p:nvSpPr>
-        <p:spPr>
-          <a:xfrm>
-            <a:off x="1128386" y="415731"/>
-            <a:ext cx="9935227" cy="718459"/>
-          </a:xfrm>
-        </p:spPr>
-        <p:txBody>
-          <a:bodyPr>
-            <a:noAutofit/>
-          </a:bodyPr>
-          <a:lstStyle/>
-          <a:p>
-            <a:r>
-              <a:rPr lang="en-US" sz="4500" b="1" dirty="0"/>
-              <a:t>W</a:t>
-            </a:r>
-            <a:r>
-              <a:rPr lang="en-PH" sz="4500" b="1" dirty="0"/>
-              <a:t>hat is Descriptive Statistics?</a:t>
-            </a:r>
-          </a:p>
-        </p:txBody>
-      </p:sp>
-      <p:sp>
-        <p:nvSpPr>
-          <p:cNvPr id="39" name="Footer Placeholder 3">
-            <a:extLst>
-              <a:ext uri="{FF2B5EF4-FFF2-40B4-BE49-F238E27FC236}">
-                <a16:creationId xmlns:a16="http://schemas.microsoft.com/office/drawing/2014/main" id="{77EF4DA7-E5CF-896F-45E0-B1D58FD59B96}"/>
-              </a:ext>
-            </a:extLst>
-          </p:cNvPr>
-          <p:cNvSpPr>
-            <a:spLocks noGrp="1"/>
-          </p:cNvSpPr>
-          <p:nvPr>
-            <p:ph type="ftr" sz="quarter" idx="11"/>
-          </p:nvPr>
-        </p:nvSpPr>
-        <p:spPr>
-          <a:xfrm>
-            <a:off x="0" y="6139541"/>
-            <a:ext cx="12192000" cy="718459"/>
-          </a:xfrm>
-          <a:ln w="28575">
-            <a:solidFill>
-              <a:schemeClr val="accent5">
-                <a:lumMod val="50000"/>
-              </a:schemeClr>
-            </a:solidFill>
-          </a:ln>
-        </p:spPr>
-        <p:txBody>
-          <a:bodyPr/>
-          <a:lstStyle/>
-          <a:p>
-            <a:pPr lvl="1" algn="r"/>
-            <a:r>
-              <a:rPr lang="en-US" sz="1200" b="1" dirty="0"/>
-              <a:t>CCDATS1L</a:t>
-            </a:r>
-            <a:endParaRPr lang="en-PH" sz="1200" b="1" dirty="0"/>
-          </a:p>
-        </p:txBody>
-      </p:sp>
-      <p:sp>
-        <p:nvSpPr>
-          <p:cNvPr id="4" name="TextBox 3">
-            <a:extLst>
-              <a:ext uri="{FF2B5EF4-FFF2-40B4-BE49-F238E27FC236}">
-                <a16:creationId xmlns:a16="http://schemas.microsoft.com/office/drawing/2014/main" id="{4203C0C4-7C82-D208-A8B3-1AE6E9099A3C}"/>
-              </a:ext>
-            </a:extLst>
-          </p:cNvPr>
-          <p:cNvSpPr txBox="1"/>
-          <p:nvPr/>
-        </p:nvSpPr>
-        <p:spPr>
-          <a:xfrm>
-            <a:off x="639918" y="1354768"/>
-            <a:ext cx="10912162" cy="3323987"/>
-          </a:xfrm>
-          <a:prstGeom prst="rect">
-            <a:avLst/>
-          </a:prstGeom>
-          <a:noFill/>
-        </p:spPr>
-        <p:txBody>
-          <a:bodyPr wrap="square" rtlCol="0">
-            <a:spAutoFit/>
-          </a:bodyPr>
-          <a:lstStyle/>
-          <a:p>
-            <a:pPr eaLnBrk="1" hangingPunct="1"/>
-            <a:r>
-              <a:rPr lang="en-PH" sz="3000" b="1" dirty="0">
-                <a:solidFill>
-                  <a:srgbClr val="00B050"/>
-                </a:solidFill>
-              </a:rPr>
-              <a:t>Descriptive statistics </a:t>
-            </a:r>
-            <a:r>
-              <a:rPr lang="en-PH" sz="3000" dirty="0"/>
-              <a:t>refers to a branch of statistics that involves </a:t>
-            </a:r>
-            <a:r>
-              <a:rPr lang="en-PH" sz="3000" b="1" dirty="0">
-                <a:solidFill>
-                  <a:srgbClr val="00B0F0"/>
-                </a:solidFill>
-              </a:rPr>
-              <a:t>summarizing, organizing, and presenting data meaningfully and concisely.</a:t>
-            </a:r>
-          </a:p>
-          <a:p>
-            <a:pPr eaLnBrk="1" hangingPunct="1"/>
-            <a:endParaRPr lang="en-PH" sz="3000" dirty="0"/>
-          </a:p>
-          <a:p>
-            <a:pPr eaLnBrk="1" hangingPunct="1"/>
-            <a:r>
-              <a:rPr lang="en-PH" sz="3000" dirty="0"/>
-              <a:t>It focuses on describing and analyzing a dataset's main features and characteristics </a:t>
-            </a:r>
-            <a:r>
-              <a:rPr lang="en-PH" sz="3000" b="1" dirty="0">
-                <a:solidFill>
-                  <a:srgbClr val="00B0F0"/>
-                </a:solidFill>
-              </a:rPr>
-              <a:t>without making any generalizations or inferences to a larger population</a:t>
-            </a:r>
-            <a:r>
-              <a:rPr lang="en-PH" sz="3000" dirty="0"/>
-              <a:t>.</a:t>
-            </a:r>
-          </a:p>
-        </p:txBody>
-      </p:sp>
-    </p:spTree>
-    <p:extLst>
-      <p:ext uri="{BB962C8B-B14F-4D97-AF65-F5344CB8AC3E}">
-        <p14:creationId xmlns:p14="http://schemas.microsoft.com/office/powerpoint/2010/main" val="3851344534"/>
-      </p:ext>
-    </p:extLst>
-  </p:cSld>
-  <p:clrMapOvr>
-    <a:masterClrMapping/>
-  </p:clrMapOvr>
-</p:sld>
-</file>
-
-<file path=ppt/slides/slide5.xml><?xml version="1.0" encoding="utf-8"?>
-<p:sld xmlns:a="http://schemas.openxmlformats.org/drawingml/2006/main" xmlns:r="http://schemas.openxmlformats.org/officeDocument/2006/relationships" xmlns:p="http://schemas.openxmlformats.org/presentationml/2006/main">
-  <p:cSld>
-    <p:bg>
-      <p:bgPr>
-        <a:blipFill dpi="0" rotWithShape="1">
-          <a:blip r:embed="rId3">
-            <a:alphaModFix amt="99000"/>
-            <a:lum/>
-          </a:blip>
-          <a:srcRect/>
-          <a:stretch>
-            <a:fillRect t="89000" r="85000" b="-1000"/>
-          </a:stretch>
-        </a:blipFill>
-        <a:effectLst/>
-      </p:bgPr>
-    </p:bg>
-    <p:spTree>
-      <p:nvGrpSpPr>
-        <p:cNvPr id="1" name=""/>
-        <p:cNvGrpSpPr/>
-        <p:nvPr/>
-      </p:nvGrpSpPr>
-      <p:grpSpPr>
-        <a:xfrm>
-          <a:off x="0" y="0"/>
-          <a:ext cx="0" cy="0"/>
-          <a:chOff x="0" y="0"/>
-          <a:chExt cx="0" cy="0"/>
-        </a:xfrm>
-      </p:grpSpPr>
-      <p:sp>
-        <p:nvSpPr>
-          <p:cNvPr id="5" name="Title 1">
-            <a:extLst>
-              <a:ext uri="{FF2B5EF4-FFF2-40B4-BE49-F238E27FC236}">
-                <a16:creationId xmlns:a16="http://schemas.microsoft.com/office/drawing/2014/main" id="{3444037F-B658-D82C-5DCA-53E8AA1493D7}"/>
-              </a:ext>
-            </a:extLst>
-          </p:cNvPr>
-          <p:cNvSpPr txBox="1">
-            <a:spLocks/>
-          </p:cNvSpPr>
-          <p:nvPr/>
-        </p:nvSpPr>
-        <p:spPr>
-          <a:xfrm>
-            <a:off x="1524000" y="1516449"/>
-            <a:ext cx="9144000" cy="4290585"/>
-          </a:xfrm>
-          <a:prstGeom prst="rect">
-            <a:avLst/>
-          </a:prstGeom>
-        </p:spPr>
-        <p:txBody>
-          <a:bodyPr vert="horz" lIns="91440" tIns="45720" rIns="91440" bIns="45720" rtlCol="0" anchor="b">
-            <a:normAutofit fontScale="97500"/>
-          </a:bodyPr>
-          <a:lstStyle>
-            <a:lvl1pPr algn="ctr" defTabSz="914400" rtl="0" eaLnBrk="1" latinLnBrk="0" hangingPunct="1">
-              <a:lnSpc>
-                <a:spcPct val="90000"/>
-              </a:lnSpc>
-              <a:spcBef>
-                <a:spcPct val="0"/>
-              </a:spcBef>
-              <a:buNone/>
-              <a:defRPr sz="6000" kern="1200">
-                <a:solidFill>
-                  <a:schemeClr val="tx1"/>
-                </a:solidFill>
-                <a:latin typeface="+mj-lt"/>
-                <a:ea typeface="+mj-ea"/>
-                <a:cs typeface="+mj-cs"/>
-              </a:defRPr>
-            </a:lvl1pPr>
-          </a:lstStyle>
-          <a:p>
-            <a:pPr algn="l"/>
-            <a:endParaRPr lang="en-US" sz="3100" dirty="0"/>
-          </a:p>
-          <a:p>
-            <a:pPr algn="l"/>
-            <a:endParaRPr lang="en-US" sz="3100" dirty="0"/>
-          </a:p>
-          <a:p>
-            <a:pPr algn="l"/>
-            <a:endParaRPr lang="en-US" sz="3100" dirty="0"/>
-          </a:p>
-          <a:p>
-            <a:pPr algn="l"/>
-            <a:endParaRPr lang="en-US" sz="3100" dirty="0"/>
-          </a:p>
-          <a:p>
-            <a:pPr algn="l"/>
-            <a:endParaRPr lang="en-US" sz="3000" dirty="0"/>
-          </a:p>
-          <a:p>
-            <a:pPr algn="l"/>
-            <a:endParaRPr lang="en-US" sz="3000" dirty="0"/>
-          </a:p>
-        </p:txBody>
-      </p:sp>
-      <p:sp>
-        <p:nvSpPr>
-          <p:cNvPr id="38" name="Title 1">
-            <a:extLst>
-              <a:ext uri="{FF2B5EF4-FFF2-40B4-BE49-F238E27FC236}">
-                <a16:creationId xmlns:a16="http://schemas.microsoft.com/office/drawing/2014/main" id="{85194D96-4E26-6A5A-5AB5-02AFD53E7543}"/>
-              </a:ext>
-            </a:extLst>
-          </p:cNvPr>
-          <p:cNvSpPr>
-            <a:spLocks noGrp="1"/>
-          </p:cNvSpPr>
-          <p:nvPr>
-            <p:ph type="ctrTitle"/>
-          </p:nvPr>
-        </p:nvSpPr>
-        <p:spPr>
-          <a:xfrm>
-            <a:off x="1128386" y="415731"/>
-            <a:ext cx="9935227" cy="718459"/>
-          </a:xfrm>
-        </p:spPr>
-        <p:txBody>
-          <a:bodyPr>
-            <a:noAutofit/>
-          </a:bodyPr>
-          <a:lstStyle/>
-          <a:p>
-            <a:r>
-              <a:rPr lang="en-US" sz="4500" b="1" dirty="0"/>
-              <a:t>W</a:t>
-            </a:r>
-            <a:r>
-              <a:rPr lang="en-PH" sz="4500" b="1" dirty="0"/>
-              <a:t>hat is Descriptive Statistics?</a:t>
-            </a:r>
-          </a:p>
-        </p:txBody>
-      </p:sp>
-      <p:sp>
-        <p:nvSpPr>
-          <p:cNvPr id="39" name="Footer Placeholder 3">
-            <a:extLst>
-              <a:ext uri="{FF2B5EF4-FFF2-40B4-BE49-F238E27FC236}">
-                <a16:creationId xmlns:a16="http://schemas.microsoft.com/office/drawing/2014/main" id="{77EF4DA7-E5CF-896F-45E0-B1D58FD59B96}"/>
-              </a:ext>
-            </a:extLst>
-          </p:cNvPr>
-          <p:cNvSpPr>
-            <a:spLocks noGrp="1"/>
-          </p:cNvSpPr>
-          <p:nvPr>
-            <p:ph type="ftr" sz="quarter" idx="11"/>
-          </p:nvPr>
-        </p:nvSpPr>
-        <p:spPr>
-          <a:xfrm>
-            <a:off x="0" y="6139541"/>
-            <a:ext cx="12192000" cy="718459"/>
-          </a:xfrm>
-          <a:ln w="28575">
-            <a:solidFill>
-              <a:schemeClr val="accent5">
-                <a:lumMod val="50000"/>
-              </a:schemeClr>
-            </a:solidFill>
-          </a:ln>
-        </p:spPr>
-        <p:txBody>
-          <a:bodyPr/>
-          <a:lstStyle/>
-          <a:p>
-            <a:pPr lvl="1" algn="r"/>
-            <a:r>
-              <a:rPr lang="en-US" sz="1200" b="1" dirty="0"/>
-              <a:t>CCDATS1L</a:t>
-            </a:r>
-            <a:endParaRPr lang="en-PH" sz="1200" b="1" dirty="0"/>
-          </a:p>
-        </p:txBody>
-      </p:sp>
-      <p:sp>
-        <p:nvSpPr>
-          <p:cNvPr id="4" name="TextBox 3">
-            <a:extLst>
-              <a:ext uri="{FF2B5EF4-FFF2-40B4-BE49-F238E27FC236}">
-                <a16:creationId xmlns:a16="http://schemas.microsoft.com/office/drawing/2014/main" id="{4203C0C4-7C82-D208-A8B3-1AE6E9099A3C}"/>
-              </a:ext>
-            </a:extLst>
-          </p:cNvPr>
-          <p:cNvSpPr txBox="1"/>
-          <p:nvPr/>
-        </p:nvSpPr>
-        <p:spPr>
-          <a:xfrm>
-            <a:off x="639918" y="1354768"/>
-            <a:ext cx="10912162" cy="2400657"/>
-          </a:xfrm>
-          <a:prstGeom prst="rect">
-            <a:avLst/>
-          </a:prstGeom>
-          <a:noFill/>
-        </p:spPr>
-        <p:txBody>
-          <a:bodyPr wrap="square" rtlCol="0">
-            <a:spAutoFit/>
-          </a:bodyPr>
-          <a:lstStyle/>
-          <a:p>
-            <a:pPr eaLnBrk="1" hangingPunct="1"/>
-            <a:r>
-              <a:rPr lang="en-PH" sz="3000" dirty="0"/>
-              <a:t>The primary goal of descriptive statistics is to provide a </a:t>
-            </a:r>
-            <a:r>
-              <a:rPr lang="en-PH" sz="3000" b="1" dirty="0">
-                <a:solidFill>
-                  <a:srgbClr val="00B0F0"/>
-                </a:solidFill>
-              </a:rPr>
-              <a:t>clear and concise summary of the data</a:t>
-            </a:r>
-            <a:r>
-              <a:rPr lang="en-PH" sz="3000" dirty="0"/>
-              <a:t>, enabling researchers or analysts to gain insights and understand patterns, trends, and distributions within the dataset. </a:t>
-            </a:r>
-          </a:p>
-          <a:p>
-            <a:pPr eaLnBrk="1" hangingPunct="1"/>
-            <a:endParaRPr lang="en-PH" sz="3000" dirty="0"/>
-          </a:p>
-        </p:txBody>
-      </p:sp>
-    </p:spTree>
-    <p:extLst>
-      <p:ext uri="{BB962C8B-B14F-4D97-AF65-F5344CB8AC3E}">
-        <p14:creationId xmlns:p14="http://schemas.microsoft.com/office/powerpoint/2010/main" val="4053291644"/>
-      </p:ext>
-    </p:extLst>
-  </p:cSld>
-  <p:clrMapOvr>
-    <a:masterClrMapping/>
-  </p:clrMapOvr>
-</p:sld>
-</file>
-
-<file path=ppt/slides/slide6.xml><?xml version="1.0" encoding="utf-8"?>
-<p:sld xmlns:a="http://schemas.openxmlformats.org/drawingml/2006/main" xmlns:r="http://schemas.openxmlformats.org/officeDocument/2006/relationships" xmlns:p="http://schemas.openxmlformats.org/presentationml/2006/main">
-  <p:cSld>
-    <p:bg>
-      <p:bgPr>
-        <a:blipFill dpi="0" rotWithShape="1">
-          <a:blip r:embed="rId3">
-            <a:alphaModFix amt="99000"/>
-            <a:lum/>
-          </a:blip>
-          <a:srcRect/>
-          <a:stretch>
-            <a:fillRect t="89000" r="85000" b="-1000"/>
-          </a:stretch>
-        </a:blipFill>
-        <a:effectLst/>
-      </p:bgPr>
-    </p:bg>
-    <p:spTree>
-      <p:nvGrpSpPr>
-        <p:cNvPr id="1" name=""/>
-        <p:cNvGrpSpPr/>
-        <p:nvPr/>
-      </p:nvGrpSpPr>
-      <p:grpSpPr>
-        <a:xfrm>
-          <a:off x="0" y="0"/>
-          <a:ext cx="0" cy="0"/>
-          <a:chOff x="0" y="0"/>
-          <a:chExt cx="0" cy="0"/>
-        </a:xfrm>
-      </p:grpSpPr>
-      <p:sp>
-        <p:nvSpPr>
-          <p:cNvPr id="5" name="Title 1">
-            <a:extLst>
-              <a:ext uri="{FF2B5EF4-FFF2-40B4-BE49-F238E27FC236}">
-                <a16:creationId xmlns:a16="http://schemas.microsoft.com/office/drawing/2014/main" id="{3444037F-B658-D82C-5DCA-53E8AA1493D7}"/>
-              </a:ext>
-            </a:extLst>
-          </p:cNvPr>
-          <p:cNvSpPr txBox="1">
-            <a:spLocks/>
-          </p:cNvSpPr>
-          <p:nvPr/>
-        </p:nvSpPr>
-        <p:spPr>
-          <a:xfrm>
-            <a:off x="1524000" y="1516449"/>
-            <a:ext cx="9144000" cy="4290585"/>
-          </a:xfrm>
-          <a:prstGeom prst="rect">
-            <a:avLst/>
-          </a:prstGeom>
-        </p:spPr>
-        <p:txBody>
-          <a:bodyPr vert="horz" lIns="91440" tIns="45720" rIns="91440" bIns="45720" rtlCol="0" anchor="b">
-            <a:normAutofit fontScale="97500"/>
-          </a:bodyPr>
-          <a:lstStyle>
-            <a:lvl1pPr algn="ctr" defTabSz="914400" rtl="0" eaLnBrk="1" latinLnBrk="0" hangingPunct="1">
-              <a:lnSpc>
-                <a:spcPct val="90000"/>
-              </a:lnSpc>
-              <a:spcBef>
-                <a:spcPct val="0"/>
-              </a:spcBef>
-              <a:buNone/>
-              <a:defRPr sz="6000" kern="1200">
-                <a:solidFill>
-                  <a:schemeClr val="tx1"/>
-                </a:solidFill>
-                <a:latin typeface="+mj-lt"/>
-                <a:ea typeface="+mj-ea"/>
-                <a:cs typeface="+mj-cs"/>
-              </a:defRPr>
-            </a:lvl1pPr>
-          </a:lstStyle>
-          <a:p>
-            <a:pPr algn="l"/>
-            <a:endParaRPr lang="en-US" sz="3100" dirty="0"/>
-          </a:p>
-          <a:p>
-            <a:pPr algn="l"/>
-            <a:endParaRPr lang="en-US" sz="3100" dirty="0"/>
-          </a:p>
-          <a:p>
-            <a:pPr algn="l"/>
-            <a:endParaRPr lang="en-US" sz="3100" dirty="0"/>
-          </a:p>
-          <a:p>
-            <a:pPr algn="l"/>
-            <a:endParaRPr lang="en-US" sz="3100" dirty="0"/>
-          </a:p>
-          <a:p>
-            <a:pPr algn="l"/>
-            <a:endParaRPr lang="en-US" sz="3000" dirty="0"/>
-          </a:p>
-          <a:p>
-            <a:pPr algn="l"/>
-            <a:endParaRPr lang="en-US" sz="3000" dirty="0"/>
-          </a:p>
-        </p:txBody>
-      </p:sp>
-      <p:sp>
-        <p:nvSpPr>
-          <p:cNvPr id="38" name="Title 1">
-            <a:extLst>
-              <a:ext uri="{FF2B5EF4-FFF2-40B4-BE49-F238E27FC236}">
-                <a16:creationId xmlns:a16="http://schemas.microsoft.com/office/drawing/2014/main" id="{85194D96-4E26-6A5A-5AB5-02AFD53E7543}"/>
-              </a:ext>
-            </a:extLst>
-          </p:cNvPr>
-          <p:cNvSpPr>
-            <a:spLocks noGrp="1"/>
-          </p:cNvSpPr>
-          <p:nvPr>
-            <p:ph type="ctrTitle"/>
-          </p:nvPr>
-        </p:nvSpPr>
-        <p:spPr>
-          <a:xfrm>
-            <a:off x="1128386" y="415731"/>
-            <a:ext cx="9935227" cy="718459"/>
-          </a:xfrm>
-        </p:spPr>
-        <p:txBody>
-          <a:bodyPr>
-            <a:noAutofit/>
-          </a:bodyPr>
-          <a:lstStyle/>
-          <a:p>
-            <a:r>
-              <a:rPr lang="en-US" sz="4500" b="1" dirty="0"/>
-              <a:t>W</a:t>
-            </a:r>
-            <a:r>
-              <a:rPr lang="en-PH" sz="4500" b="1" dirty="0"/>
-              <a:t>hat is Descriptive Statistics?</a:t>
-            </a:r>
-          </a:p>
-        </p:txBody>
-      </p:sp>
-      <p:sp>
-        <p:nvSpPr>
-          <p:cNvPr id="39" name="Footer Placeholder 3">
-            <a:extLst>
-              <a:ext uri="{FF2B5EF4-FFF2-40B4-BE49-F238E27FC236}">
-                <a16:creationId xmlns:a16="http://schemas.microsoft.com/office/drawing/2014/main" id="{77EF4DA7-E5CF-896F-45E0-B1D58FD59B96}"/>
-              </a:ext>
-            </a:extLst>
-          </p:cNvPr>
-          <p:cNvSpPr>
-            <a:spLocks noGrp="1"/>
-          </p:cNvSpPr>
-          <p:nvPr>
-            <p:ph type="ftr" sz="quarter" idx="11"/>
-          </p:nvPr>
-        </p:nvSpPr>
-        <p:spPr>
-          <a:xfrm>
-            <a:off x="0" y="6139541"/>
-            <a:ext cx="12192000" cy="718459"/>
-          </a:xfrm>
-          <a:ln w="28575">
-            <a:solidFill>
-              <a:schemeClr val="accent5">
-                <a:lumMod val="50000"/>
-              </a:schemeClr>
-            </a:solidFill>
-          </a:ln>
-        </p:spPr>
-        <p:txBody>
-          <a:bodyPr/>
-          <a:lstStyle/>
-          <a:p>
-            <a:pPr lvl="1" algn="r"/>
-            <a:r>
-              <a:rPr lang="en-US" sz="1200" b="1" dirty="0"/>
-              <a:t>CCDATS1L</a:t>
-            </a:r>
-            <a:endParaRPr lang="en-PH" sz="1200" b="1" dirty="0"/>
-          </a:p>
-        </p:txBody>
-      </p:sp>
-      <p:sp>
-        <p:nvSpPr>
-          <p:cNvPr id="4" name="TextBox 3">
-            <a:extLst>
-              <a:ext uri="{FF2B5EF4-FFF2-40B4-BE49-F238E27FC236}">
-                <a16:creationId xmlns:a16="http://schemas.microsoft.com/office/drawing/2014/main" id="{4203C0C4-7C82-D208-A8B3-1AE6E9099A3C}"/>
-              </a:ext>
-            </a:extLst>
-          </p:cNvPr>
-          <p:cNvSpPr txBox="1"/>
-          <p:nvPr/>
-        </p:nvSpPr>
-        <p:spPr>
-          <a:xfrm>
-            <a:off x="639918" y="1354768"/>
-            <a:ext cx="10912162" cy="3785652"/>
-          </a:xfrm>
-          <a:prstGeom prst="rect">
-            <a:avLst/>
-          </a:prstGeom>
-          <a:noFill/>
-        </p:spPr>
-        <p:txBody>
-          <a:bodyPr wrap="square" rtlCol="0">
-            <a:spAutoFit/>
-          </a:bodyPr>
-          <a:lstStyle/>
-          <a:p>
-            <a:r>
-              <a:rPr lang="en-PH" sz="3000" dirty="0"/>
-              <a:t>This summary typically includes measures such as:</a:t>
-            </a:r>
-          </a:p>
-          <a:p>
-            <a:endParaRPr lang="en-PH" sz="3000" dirty="0"/>
-          </a:p>
-          <a:p>
-            <a:pPr marL="514350" indent="-514350">
-              <a:buFont typeface="+mj-lt"/>
-              <a:buAutoNum type="arabicPeriod"/>
-            </a:pPr>
-            <a:r>
-              <a:rPr lang="en-PH" sz="3000" b="1" dirty="0"/>
-              <a:t>Central tendency </a:t>
-            </a:r>
-            <a:r>
-              <a:rPr lang="en-PH" sz="3000" dirty="0"/>
-              <a:t>(e.g., mean, median, mode)</a:t>
-            </a:r>
-          </a:p>
-          <a:p>
-            <a:pPr marL="514350" indent="-514350">
-              <a:buFont typeface="+mj-lt"/>
-              <a:buAutoNum type="arabicPeriod"/>
-            </a:pPr>
-            <a:endParaRPr lang="en-PH" sz="3000" dirty="0"/>
-          </a:p>
-          <a:p>
-            <a:pPr marL="514350" indent="-514350">
-              <a:buFont typeface="+mj-lt"/>
-              <a:buAutoNum type="arabicPeriod"/>
-            </a:pPr>
-            <a:r>
-              <a:rPr lang="en-PH" sz="3000" b="1" dirty="0"/>
-              <a:t>Dispersion</a:t>
-            </a:r>
-            <a:r>
-              <a:rPr lang="en-PH" sz="3000" dirty="0"/>
-              <a:t> (e.g., range, variance, standard deviation)</a:t>
-            </a:r>
-          </a:p>
-          <a:p>
-            <a:pPr marL="514350" indent="-514350">
-              <a:buFont typeface="+mj-lt"/>
-              <a:buAutoNum type="arabicPeriod"/>
-            </a:pPr>
-            <a:endParaRPr lang="en-PH" sz="3000" dirty="0">
-              <a:solidFill>
-                <a:srgbClr val="00B0F0"/>
-              </a:solidFill>
-            </a:endParaRPr>
-          </a:p>
-          <a:p>
-            <a:pPr marL="514350" indent="-514350">
-              <a:buFont typeface="+mj-lt"/>
-              <a:buAutoNum type="arabicPeriod"/>
-            </a:pPr>
-            <a:r>
-              <a:rPr lang="en-PH" sz="3000" b="1" dirty="0"/>
-              <a:t>Shape of the distribution </a:t>
-            </a:r>
-            <a:r>
-              <a:rPr lang="en-PH" sz="3000" dirty="0"/>
-              <a:t>(e.g., skewness, kurtosis)</a:t>
-            </a:r>
-          </a:p>
-          <a:p>
-            <a:pPr eaLnBrk="1" hangingPunct="1"/>
-            <a:endParaRPr lang="en-PH" sz="3000" dirty="0"/>
-          </a:p>
-        </p:txBody>
-      </p:sp>
-    </p:spTree>
-    <p:extLst>
-      <p:ext uri="{BB962C8B-B14F-4D97-AF65-F5344CB8AC3E}">
-        <p14:creationId xmlns:p14="http://schemas.microsoft.com/office/powerpoint/2010/main" val="1513619466"/>
-      </p:ext>
-    </p:extLst>
-  </p:cSld>
-  <p:clrMapOvr>
-    <a:masterClrMapping/>
-  </p:clrMapOvr>
-</p:sld>
-</file>
-
-<file path=ppt/slides/slide7.xml><?xml version="1.0" encoding="utf-8"?>
-<p:sld xmlns:a="http://schemas.openxmlformats.org/drawingml/2006/main" xmlns:r="http://schemas.openxmlformats.org/officeDocument/2006/relationships" xmlns:p="http://schemas.openxmlformats.org/presentationml/2006/main">
-  <p:cSld>
-    <p:bg>
-      <p:bgPr>
-        <a:blipFill dpi="0" rotWithShape="1">
-          <a:blip r:embed="rId3">
-            <a:alphaModFix amt="99000"/>
-            <a:lum/>
-          </a:blip>
-          <a:srcRect/>
-          <a:stretch>
-            <a:fillRect t="89000" r="85000" b="-1000"/>
-          </a:stretch>
-        </a:blipFill>
-        <a:effectLst/>
-      </p:bgPr>
-    </p:bg>
-    <p:spTree>
-      <p:nvGrpSpPr>
-        <p:cNvPr id="1" name=""/>
-        <p:cNvGrpSpPr/>
-        <p:nvPr/>
-      </p:nvGrpSpPr>
-      <p:grpSpPr>
-        <a:xfrm>
-          <a:off x="0" y="0"/>
-          <a:ext cx="0" cy="0"/>
-          <a:chOff x="0" y="0"/>
-          <a:chExt cx="0" cy="0"/>
-        </a:xfrm>
-      </p:grpSpPr>
-      <p:sp>
-        <p:nvSpPr>
-          <p:cNvPr id="5" name="Title 1">
-            <a:extLst>
-              <a:ext uri="{FF2B5EF4-FFF2-40B4-BE49-F238E27FC236}">
-                <a16:creationId xmlns:a16="http://schemas.microsoft.com/office/drawing/2014/main" id="{3444037F-B658-D82C-5DCA-53E8AA1493D7}"/>
-              </a:ext>
-            </a:extLst>
-          </p:cNvPr>
-          <p:cNvSpPr txBox="1">
-            <a:spLocks/>
-          </p:cNvSpPr>
-          <p:nvPr/>
-        </p:nvSpPr>
-        <p:spPr>
-          <a:xfrm>
-            <a:off x="1524000" y="1516449"/>
-            <a:ext cx="9144000" cy="4290585"/>
-          </a:xfrm>
-          <a:prstGeom prst="rect">
-            <a:avLst/>
-          </a:prstGeom>
-        </p:spPr>
-        <p:txBody>
-          <a:bodyPr vert="horz" lIns="91440" tIns="45720" rIns="91440" bIns="45720" rtlCol="0" anchor="b">
-            <a:normAutofit fontScale="97500"/>
-          </a:bodyPr>
-          <a:lstStyle>
-            <a:lvl1pPr algn="ctr" defTabSz="914400" rtl="0" eaLnBrk="1" latinLnBrk="0" hangingPunct="1">
-              <a:lnSpc>
-                <a:spcPct val="90000"/>
-              </a:lnSpc>
-              <a:spcBef>
-                <a:spcPct val="0"/>
-              </a:spcBef>
-              <a:buNone/>
-              <a:defRPr sz="6000" kern="1200">
-                <a:solidFill>
-                  <a:schemeClr val="tx1"/>
-                </a:solidFill>
-                <a:latin typeface="+mj-lt"/>
-                <a:ea typeface="+mj-ea"/>
-                <a:cs typeface="+mj-cs"/>
-              </a:defRPr>
-            </a:lvl1pPr>
-          </a:lstStyle>
-          <a:p>
-            <a:pPr algn="l"/>
-            <a:endParaRPr lang="en-US" sz="3100" dirty="0"/>
-          </a:p>
-          <a:p>
-            <a:pPr algn="l"/>
-            <a:endParaRPr lang="en-US" sz="3100" dirty="0"/>
-          </a:p>
-          <a:p>
-            <a:pPr algn="l"/>
-            <a:endParaRPr lang="en-US" sz="3100" dirty="0"/>
-          </a:p>
-          <a:p>
-            <a:pPr algn="l"/>
-            <a:endParaRPr lang="en-US" sz="3100" dirty="0"/>
-          </a:p>
-          <a:p>
-            <a:pPr algn="l"/>
-            <a:endParaRPr lang="en-US" sz="3000" dirty="0"/>
-          </a:p>
-          <a:p>
-            <a:pPr algn="l"/>
-            <a:endParaRPr lang="en-US" sz="3000" dirty="0"/>
-          </a:p>
-        </p:txBody>
-      </p:sp>
-      <p:sp>
-        <p:nvSpPr>
-          <p:cNvPr id="38" name="Title 1">
-            <a:extLst>
-              <a:ext uri="{FF2B5EF4-FFF2-40B4-BE49-F238E27FC236}">
-                <a16:creationId xmlns:a16="http://schemas.microsoft.com/office/drawing/2014/main" id="{85194D96-4E26-6A5A-5AB5-02AFD53E7543}"/>
-              </a:ext>
-            </a:extLst>
-          </p:cNvPr>
-          <p:cNvSpPr>
-            <a:spLocks noGrp="1"/>
-          </p:cNvSpPr>
-          <p:nvPr>
-            <p:ph type="ctrTitle"/>
-          </p:nvPr>
-        </p:nvSpPr>
-        <p:spPr>
-          <a:xfrm>
-            <a:off x="1128386" y="415731"/>
-            <a:ext cx="9935227" cy="718459"/>
-          </a:xfrm>
-        </p:spPr>
-        <p:txBody>
-          <a:bodyPr>
-            <a:noAutofit/>
-          </a:bodyPr>
-          <a:lstStyle/>
-          <a:p>
-            <a:r>
-              <a:rPr lang="en-US" sz="4500" b="1" dirty="0"/>
-              <a:t>Types of </a:t>
-            </a:r>
-            <a:r>
-              <a:rPr lang="en-PH" sz="4500" b="1" dirty="0"/>
-              <a:t>Descriptive Statistics</a:t>
-            </a:r>
-          </a:p>
-        </p:txBody>
-      </p:sp>
-      <p:sp>
-        <p:nvSpPr>
-          <p:cNvPr id="39" name="Footer Placeholder 3">
-            <a:extLst>
-              <a:ext uri="{FF2B5EF4-FFF2-40B4-BE49-F238E27FC236}">
-                <a16:creationId xmlns:a16="http://schemas.microsoft.com/office/drawing/2014/main" id="{77EF4DA7-E5CF-896F-45E0-B1D58FD59B96}"/>
-              </a:ext>
-            </a:extLst>
-          </p:cNvPr>
-          <p:cNvSpPr>
-            <a:spLocks noGrp="1"/>
-          </p:cNvSpPr>
-          <p:nvPr>
-            <p:ph type="ftr" sz="quarter" idx="11"/>
-          </p:nvPr>
-        </p:nvSpPr>
-        <p:spPr>
-          <a:xfrm>
-            <a:off x="0" y="6139541"/>
-            <a:ext cx="12192000" cy="718459"/>
-          </a:xfrm>
-          <a:ln w="28575">
-            <a:solidFill>
-              <a:schemeClr val="accent5">
-                <a:lumMod val="50000"/>
-              </a:schemeClr>
-            </a:solidFill>
-          </a:ln>
-        </p:spPr>
-        <p:txBody>
-          <a:bodyPr/>
-          <a:lstStyle/>
-          <a:p>
-            <a:pPr lvl="1" algn="r"/>
-            <a:r>
-              <a:rPr lang="en-US" sz="1200" b="1" dirty="0"/>
-              <a:t>CCDATS1L</a:t>
-            </a:r>
-            <a:endParaRPr lang="en-PH" sz="1200" b="1" dirty="0"/>
-          </a:p>
-        </p:txBody>
-      </p:sp>
-      <p:sp>
-        <p:nvSpPr>
-          <p:cNvPr id="4" name="TextBox 3">
-            <a:extLst>
-              <a:ext uri="{FF2B5EF4-FFF2-40B4-BE49-F238E27FC236}">
-                <a16:creationId xmlns:a16="http://schemas.microsoft.com/office/drawing/2014/main" id="{4203C0C4-7C82-D208-A8B3-1AE6E9099A3C}"/>
-              </a:ext>
-            </a:extLst>
-          </p:cNvPr>
-          <p:cNvSpPr txBox="1"/>
-          <p:nvPr/>
-        </p:nvSpPr>
-        <p:spPr>
-          <a:xfrm>
-            <a:off x="639918" y="1354768"/>
-            <a:ext cx="10912162" cy="2862322"/>
-          </a:xfrm>
-          <a:prstGeom prst="rect">
-            <a:avLst/>
-          </a:prstGeom>
-          <a:noFill/>
-        </p:spPr>
-        <p:txBody>
-          <a:bodyPr wrap="square" rtlCol="0">
-            <a:spAutoFit/>
-          </a:bodyPr>
-          <a:lstStyle/>
-          <a:p>
-            <a:endParaRPr lang="en-PH" sz="3000" dirty="0"/>
-          </a:p>
-          <a:p>
-            <a:pPr marL="514350" indent="-514350">
-              <a:buFont typeface="+mj-lt"/>
-              <a:buAutoNum type="arabicPeriod"/>
-            </a:pPr>
-            <a:r>
-              <a:rPr lang="en-PH" sz="3000" b="1" dirty="0"/>
-              <a:t>Frequency Distribution</a:t>
-            </a:r>
-          </a:p>
-          <a:p>
-            <a:pPr marL="514350" indent="-514350">
-              <a:buFont typeface="+mj-lt"/>
-              <a:buAutoNum type="arabicPeriod"/>
-            </a:pPr>
-            <a:endParaRPr lang="en-PH" sz="3000" dirty="0"/>
-          </a:p>
-          <a:p>
-            <a:pPr marL="514350" indent="-514350">
-              <a:buFont typeface="+mj-lt"/>
-              <a:buAutoNum type="arabicPeriod"/>
-            </a:pPr>
-            <a:r>
-              <a:rPr lang="en-PH" sz="3000" b="1" dirty="0"/>
-              <a:t>Central Tendency </a:t>
-            </a:r>
-          </a:p>
-          <a:p>
-            <a:pPr marL="514350" indent="-514350">
-              <a:buFont typeface="+mj-lt"/>
-              <a:buAutoNum type="arabicPeriod"/>
-            </a:pPr>
-            <a:endParaRPr lang="en-PH" sz="3000" b="1" dirty="0"/>
-          </a:p>
-          <a:p>
-            <a:pPr marL="514350" indent="-514350">
-              <a:buFont typeface="+mj-lt"/>
-              <a:buAutoNum type="arabicPeriod"/>
-            </a:pPr>
-            <a:r>
-              <a:rPr lang="en-PH" sz="3000" b="1" dirty="0"/>
-              <a:t>Dispersion</a:t>
-            </a:r>
-            <a:endParaRPr lang="en-PH" sz="3000" dirty="0"/>
-          </a:p>
-        </p:txBody>
-      </p:sp>
-    </p:spTree>
-    <p:extLst>
-      <p:ext uri="{BB962C8B-B14F-4D97-AF65-F5344CB8AC3E}">
-        <p14:creationId xmlns:p14="http://schemas.microsoft.com/office/powerpoint/2010/main" val="2584827246"/>
-      </p:ext>
-    </p:extLst>
-  </p:cSld>
-  <p:clrMapOvr>
-    <a:masterClrMapping/>
-  </p:clrMapOvr>
-</p:sld>
-</file>
-
-<file path=ppt/slides/slide8.xml><?xml version="1.0" encoding="utf-8"?>
-<p:sld xmlns:a="http://schemas.openxmlformats.org/drawingml/2006/main" xmlns:r="http://schemas.openxmlformats.org/officeDocument/2006/relationships" xmlns:p="http://schemas.openxmlformats.org/presentationml/2006/main">
-  <p:cSld>
-    <p:bg>
-      <p:bgPr>
-        <a:blipFill dpi="0" rotWithShape="1">
-          <a:blip r:embed="rId3">
-            <a:alphaModFix amt="99000"/>
-            <a:lum/>
-          </a:blip>
-          <a:srcRect/>
-          <a:stretch>
-            <a:fillRect t="89000" r="85000" b="-1000"/>
-          </a:stretch>
-        </a:blipFill>
-        <a:effectLst/>
-      </p:bgPr>
-    </p:bg>
-    <p:spTree>
-      <p:nvGrpSpPr>
-        <p:cNvPr id="1" name=""/>
-        <p:cNvGrpSpPr/>
-        <p:nvPr/>
-      </p:nvGrpSpPr>
-      <p:grpSpPr>
-        <a:xfrm>
-          <a:off x="0" y="0"/>
-          <a:ext cx="0" cy="0"/>
-          <a:chOff x="0" y="0"/>
-          <a:chExt cx="0" cy="0"/>
-        </a:xfrm>
-      </p:grpSpPr>
-      <p:sp>
-        <p:nvSpPr>
-          <p:cNvPr id="5" name="Title 1">
-            <a:extLst>
-              <a:ext uri="{FF2B5EF4-FFF2-40B4-BE49-F238E27FC236}">
-                <a16:creationId xmlns:a16="http://schemas.microsoft.com/office/drawing/2014/main" id="{3444037F-B658-D82C-5DCA-53E8AA1493D7}"/>
-              </a:ext>
-            </a:extLst>
-          </p:cNvPr>
-          <p:cNvSpPr txBox="1">
-            <a:spLocks/>
-          </p:cNvSpPr>
-          <p:nvPr/>
-        </p:nvSpPr>
-        <p:spPr>
-          <a:xfrm>
-            <a:off x="1524000" y="1516449"/>
-            <a:ext cx="9144000" cy="4290585"/>
-          </a:xfrm>
-          <a:prstGeom prst="rect">
-            <a:avLst/>
-          </a:prstGeom>
-        </p:spPr>
-        <p:txBody>
-          <a:bodyPr vert="horz" lIns="91440" tIns="45720" rIns="91440" bIns="45720" rtlCol="0" anchor="b">
-            <a:normAutofit fontScale="97500"/>
-          </a:bodyPr>
-          <a:lstStyle>
-            <a:lvl1pPr algn="ctr" defTabSz="914400" rtl="0" eaLnBrk="1" latinLnBrk="0" hangingPunct="1">
-              <a:lnSpc>
-                <a:spcPct val="90000"/>
-              </a:lnSpc>
-              <a:spcBef>
-                <a:spcPct val="0"/>
-              </a:spcBef>
-              <a:buNone/>
-              <a:defRPr sz="6000" kern="1200">
-                <a:solidFill>
-                  <a:schemeClr val="tx1"/>
-                </a:solidFill>
-                <a:latin typeface="+mj-lt"/>
-                <a:ea typeface="+mj-ea"/>
-                <a:cs typeface="+mj-cs"/>
-              </a:defRPr>
-            </a:lvl1pPr>
-          </a:lstStyle>
-          <a:p>
-            <a:pPr algn="l"/>
-            <a:endParaRPr lang="en-US" sz="3100" dirty="0"/>
-          </a:p>
-          <a:p>
-            <a:pPr algn="l"/>
-            <a:endParaRPr lang="en-US" sz="3100" dirty="0"/>
-          </a:p>
-          <a:p>
-            <a:pPr algn="l"/>
-            <a:endParaRPr lang="en-US" sz="3100" dirty="0"/>
-          </a:p>
-          <a:p>
-            <a:pPr algn="l"/>
-            <a:endParaRPr lang="en-US" sz="3100" dirty="0"/>
-          </a:p>
-          <a:p>
-            <a:pPr algn="l"/>
-            <a:endParaRPr lang="en-US" sz="3000" dirty="0"/>
-          </a:p>
-          <a:p>
-            <a:pPr algn="l"/>
-            <a:endParaRPr lang="en-US" sz="3000" dirty="0"/>
-          </a:p>
-        </p:txBody>
-      </p:sp>
-      <p:sp>
-        <p:nvSpPr>
-          <p:cNvPr id="38" name="Title 1">
-            <a:extLst>
-              <a:ext uri="{FF2B5EF4-FFF2-40B4-BE49-F238E27FC236}">
-                <a16:creationId xmlns:a16="http://schemas.microsoft.com/office/drawing/2014/main" id="{85194D96-4E26-6A5A-5AB5-02AFD53E7543}"/>
-              </a:ext>
-            </a:extLst>
-          </p:cNvPr>
-          <p:cNvSpPr>
-            <a:spLocks noGrp="1"/>
-          </p:cNvSpPr>
-          <p:nvPr>
-            <p:ph type="ctrTitle"/>
-          </p:nvPr>
-        </p:nvSpPr>
-        <p:spPr>
-          <a:xfrm>
-            <a:off x="1128386" y="415731"/>
-            <a:ext cx="9935227" cy="718459"/>
-          </a:xfrm>
-        </p:spPr>
-        <p:txBody>
-          <a:bodyPr>
-            <a:noAutofit/>
-          </a:bodyPr>
-          <a:lstStyle/>
-          <a:p>
-            <a:r>
-              <a:rPr lang="en-US" sz="4500" b="1" dirty="0"/>
-              <a:t>Frequency Distribution</a:t>
-            </a:r>
-            <a:endParaRPr lang="en-PH" sz="4500" b="1" dirty="0"/>
-          </a:p>
-        </p:txBody>
-      </p:sp>
-      <p:sp>
-        <p:nvSpPr>
-          <p:cNvPr id="39" name="Footer Placeholder 3">
-            <a:extLst>
-              <a:ext uri="{FF2B5EF4-FFF2-40B4-BE49-F238E27FC236}">
-                <a16:creationId xmlns:a16="http://schemas.microsoft.com/office/drawing/2014/main" id="{77EF4DA7-E5CF-896F-45E0-B1D58FD59B96}"/>
-              </a:ext>
-            </a:extLst>
-          </p:cNvPr>
-          <p:cNvSpPr>
-            <a:spLocks noGrp="1"/>
-          </p:cNvSpPr>
-          <p:nvPr>
-            <p:ph type="ftr" sz="quarter" idx="11"/>
-          </p:nvPr>
-        </p:nvSpPr>
-        <p:spPr>
-          <a:xfrm>
-            <a:off x="0" y="6139541"/>
-            <a:ext cx="12192000" cy="718459"/>
-          </a:xfrm>
-          <a:ln w="28575">
-            <a:solidFill>
-              <a:schemeClr val="accent5">
-                <a:lumMod val="50000"/>
-              </a:schemeClr>
-            </a:solidFill>
-          </a:ln>
-        </p:spPr>
-        <p:txBody>
-          <a:bodyPr/>
-          <a:lstStyle/>
-          <a:p>
-            <a:pPr lvl="1" algn="r"/>
-            <a:r>
-              <a:rPr lang="en-US" sz="1200" b="1" dirty="0"/>
-              <a:t>CCDATS1L</a:t>
-            </a:r>
-            <a:endParaRPr lang="en-PH" sz="1200" b="1" dirty="0"/>
-          </a:p>
-        </p:txBody>
-      </p:sp>
-      <p:graphicFrame>
-        <p:nvGraphicFramePr>
-          <p:cNvPr id="2" name="Table 1">
-            <a:extLst>
-              <a:ext uri="{FF2B5EF4-FFF2-40B4-BE49-F238E27FC236}">
-                <a16:creationId xmlns:a16="http://schemas.microsoft.com/office/drawing/2014/main" id="{BB2146AC-17BE-11FB-B5B4-84595A9EDA8D}"/>
-              </a:ext>
-            </a:extLst>
-          </p:cNvPr>
-          <p:cNvGraphicFramePr>
-            <a:graphicFrameLocks noGrp="1"/>
-          </p:cNvGraphicFramePr>
-          <p:nvPr>
-            <p:extLst>
-              <p:ext uri="{D42A27DB-BD31-4B8C-83A1-F6EECF244321}">
-                <p14:modId xmlns:p14="http://schemas.microsoft.com/office/powerpoint/2010/main" val="3232587740"/>
-              </p:ext>
-            </p:extLst>
-          </p:nvPr>
-        </p:nvGraphicFramePr>
-        <p:xfrm>
-          <a:off x="2031998" y="3038855"/>
-          <a:ext cx="8128000" cy="2471717"/>
-        </p:xfrm>
-        <a:graphic>
-          <a:graphicData uri="http://schemas.openxmlformats.org/drawingml/2006/table">
-            <a:tbl>
-              <a:tblPr firstRow="1" bandRow="1">
-                <a:tableStyleId>{7E9639D4-E3E2-4D34-9284-5A2195B3D0D7}</a:tableStyleId>
-              </a:tblPr>
-              <a:tblGrid>
-                <a:gridCol w="4064000">
-                  <a:extLst>
-                    <a:ext uri="{9D8B030D-6E8A-4147-A177-3AD203B41FA5}">
-                      <a16:colId xmlns:a16="http://schemas.microsoft.com/office/drawing/2014/main" val="2736763892"/>
-                    </a:ext>
-                  </a:extLst>
-                </a:gridCol>
-                <a:gridCol w="4064000">
-                  <a:extLst>
-                    <a:ext uri="{9D8B030D-6E8A-4147-A177-3AD203B41FA5}">
-                      <a16:colId xmlns:a16="http://schemas.microsoft.com/office/drawing/2014/main" val="3162122417"/>
-                    </a:ext>
-                  </a:extLst>
-                </a:gridCol>
-              </a:tblGrid>
-              <a:tr h="424653">
-                <a:tc>
-                  <a:txBody>
-                    <a:bodyPr/>
-                    <a:lstStyle/>
-                    <a:p>
-                      <a:pPr algn="ctr"/>
-                      <a:r>
-                        <a:rPr lang="en-US" sz="2300" dirty="0">
-                          <a:solidFill>
-                            <a:srgbClr val="00B0F0"/>
-                          </a:solidFill>
-                        </a:rPr>
-                        <a:t>Value</a:t>
-                      </a:r>
-                    </a:p>
-                  </a:txBody>
-                  <a:tcPr/>
-                </a:tc>
-                <a:tc>
-                  <a:txBody>
-                    <a:bodyPr/>
-                    <a:lstStyle/>
-                    <a:p>
-                      <a:pPr algn="ctr"/>
-                      <a:r>
-                        <a:rPr lang="en-US" sz="2300" dirty="0">
-                          <a:solidFill>
-                            <a:srgbClr val="00B0F0"/>
-                          </a:solidFill>
-                        </a:rPr>
-                        <a:t>Frequency</a:t>
-                      </a:r>
-                    </a:p>
-                  </a:txBody>
-                  <a:tcPr/>
-                </a:tc>
-                <a:extLst>
-                  <a:ext uri="{0D108BD9-81ED-4DB2-BD59-A6C34878D82A}">
-                    <a16:rowId xmlns:a16="http://schemas.microsoft.com/office/drawing/2014/main" val="447069008"/>
-                  </a:ext>
-                </a:extLst>
-              </a:tr>
-              <a:tr h="884766">
-                <a:tc>
-                  <a:txBody>
-                    <a:bodyPr/>
-                    <a:lstStyle/>
-                    <a:p>
-                      <a:pPr algn="ctr"/>
-                      <a:r>
-                        <a:rPr lang="en-US" sz="2300" b="1" dirty="0"/>
-                        <a:t>1</a:t>
-                      </a:r>
-                    </a:p>
-                  </a:txBody>
-                  <a:tcPr/>
-                </a:tc>
-                <a:tc>
-                  <a:txBody>
-                    <a:bodyPr/>
-                    <a:lstStyle/>
-                    <a:p>
-                      <a:pPr algn="ctr"/>
-                      <a:r>
-                        <a:rPr lang="en-US" sz="2300" dirty="0"/>
-                        <a:t>2</a:t>
-                      </a:r>
-                    </a:p>
-                  </a:txBody>
-                  <a:tcPr/>
-                </a:tc>
-                <a:extLst>
-                  <a:ext uri="{0D108BD9-81ED-4DB2-BD59-A6C34878D82A}">
-                    <a16:rowId xmlns:a16="http://schemas.microsoft.com/office/drawing/2014/main" val="572981369"/>
-                  </a:ext>
-                </a:extLst>
-              </a:tr>
-              <a:tr h="676586">
-                <a:tc>
-                  <a:txBody>
-                    <a:bodyPr/>
-                    <a:lstStyle/>
-                    <a:p>
-                      <a:pPr algn="ctr"/>
-                      <a:r>
-                        <a:rPr lang="en-US" sz="2300" b="1" dirty="0"/>
-                        <a:t>2</a:t>
-                      </a:r>
-                    </a:p>
-                  </a:txBody>
-                  <a:tcPr/>
-                </a:tc>
-                <a:tc>
-                  <a:txBody>
-                    <a:bodyPr/>
-                    <a:lstStyle/>
-                    <a:p>
-                      <a:pPr algn="ctr"/>
-                      <a:r>
-                        <a:rPr lang="en-US" sz="2300" dirty="0"/>
-                        <a:t>2</a:t>
-                      </a:r>
-                    </a:p>
-                  </a:txBody>
-                  <a:tcPr/>
-                </a:tc>
-                <a:extLst>
-                  <a:ext uri="{0D108BD9-81ED-4DB2-BD59-A6C34878D82A}">
-                    <a16:rowId xmlns:a16="http://schemas.microsoft.com/office/drawing/2014/main" val="3154944886"/>
-                  </a:ext>
-                </a:extLst>
-              </a:tr>
-              <a:tr h="468405">
-                <a:tc>
-                  <a:txBody>
-                    <a:bodyPr/>
-                    <a:lstStyle/>
-                    <a:p>
-                      <a:pPr algn="ctr"/>
-                      <a:r>
-                        <a:rPr lang="en-US" sz="2300" b="1" dirty="0"/>
-                        <a:t>3</a:t>
-                      </a:r>
-                    </a:p>
-                  </a:txBody>
-                  <a:tcPr/>
-                </a:tc>
-                <a:tc>
-                  <a:txBody>
-                    <a:bodyPr/>
-                    <a:lstStyle/>
-                    <a:p>
-                      <a:pPr algn="ctr"/>
-                      <a:r>
-                        <a:rPr lang="en-US" sz="2300" dirty="0"/>
-                        <a:t>1</a:t>
-                      </a:r>
-                    </a:p>
-                  </a:txBody>
-                  <a:tcPr/>
-                </a:tc>
-                <a:extLst>
-                  <a:ext uri="{0D108BD9-81ED-4DB2-BD59-A6C34878D82A}">
-                    <a16:rowId xmlns:a16="http://schemas.microsoft.com/office/drawing/2014/main" val="2121773901"/>
-                  </a:ext>
-                </a:extLst>
-              </a:tr>
-            </a:tbl>
-          </a:graphicData>
-        </a:graphic>
-      </p:graphicFrame>
-      <p:sp>
-        <p:nvSpPr>
-          <p:cNvPr id="6" name="TextBox 5">
-            <a:extLst>
-              <a:ext uri="{FF2B5EF4-FFF2-40B4-BE49-F238E27FC236}">
-                <a16:creationId xmlns:a16="http://schemas.microsoft.com/office/drawing/2014/main" id="{3A08806D-D1FF-FDB0-F93A-EC273319F5BB}"/>
-              </a:ext>
-            </a:extLst>
-          </p:cNvPr>
-          <p:cNvSpPr txBox="1"/>
-          <p:nvPr/>
-        </p:nvSpPr>
-        <p:spPr>
-          <a:xfrm>
-            <a:off x="1128384" y="1496578"/>
-            <a:ext cx="9935227" cy="553998"/>
-          </a:xfrm>
-          <a:prstGeom prst="rect">
-            <a:avLst/>
-          </a:prstGeom>
-          <a:noFill/>
-        </p:spPr>
-        <p:txBody>
-          <a:bodyPr wrap="square">
-            <a:spAutoFit/>
-          </a:bodyPr>
-          <a:lstStyle/>
-          <a:p>
-            <a:r>
-              <a:rPr lang="en-PH" sz="3000" dirty="0"/>
-              <a:t>Shows the number of times a value appears in the dataset. </a:t>
-            </a:r>
-            <a:endParaRPr lang="en-US" sz="3000" dirty="0"/>
-          </a:p>
-        </p:txBody>
-      </p:sp>
-      <p:sp>
-        <p:nvSpPr>
-          <p:cNvPr id="7" name="TextBox 6">
-            <a:extLst>
-              <a:ext uri="{FF2B5EF4-FFF2-40B4-BE49-F238E27FC236}">
-                <a16:creationId xmlns:a16="http://schemas.microsoft.com/office/drawing/2014/main" id="{7DB778D6-BCAA-95D9-0030-35EB93E92294}"/>
-              </a:ext>
-            </a:extLst>
-          </p:cNvPr>
-          <p:cNvSpPr txBox="1"/>
-          <p:nvPr/>
-        </p:nvSpPr>
-        <p:spPr>
-          <a:xfrm>
-            <a:off x="4357249" y="2240833"/>
-            <a:ext cx="3477498" cy="553998"/>
-          </a:xfrm>
-          <a:prstGeom prst="rect">
-            <a:avLst/>
-          </a:prstGeom>
-          <a:noFill/>
-        </p:spPr>
-        <p:txBody>
-          <a:bodyPr wrap="square">
-            <a:spAutoFit/>
-          </a:bodyPr>
-          <a:lstStyle/>
-          <a:p>
-            <a:r>
-              <a:rPr lang="en-PH" sz="3000" b="1" dirty="0"/>
-              <a:t>Example: </a:t>
-            </a:r>
-            <a:r>
-              <a:rPr lang="en-PH" sz="3000" dirty="0"/>
-              <a:t>1, 1, 2, 2, 3</a:t>
-            </a:r>
-            <a:endParaRPr lang="en-US" sz="3000" dirty="0"/>
-          </a:p>
-        </p:txBody>
-      </p:sp>
-    </p:spTree>
-    <p:extLst>
-      <p:ext uri="{BB962C8B-B14F-4D97-AF65-F5344CB8AC3E}">
-        <p14:creationId xmlns:p14="http://schemas.microsoft.com/office/powerpoint/2010/main" val="3179164373"/>
-      </p:ext>
-    </p:extLst>
-  </p:cSld>
-  <p:clrMapOvr>
-    <a:masterClrMapping/>
-  </p:clrMapOvr>
-</p:sld>
-</file>
-
-<file path=ppt/slides/slide9.xml><?xml version="1.0" encoding="utf-8"?>
 <p:sld xmlns:a="http://schemas.openxmlformats.org/drawingml/2006/main" xmlns:r="http://schemas.openxmlformats.org/officeDocument/2006/relationships" xmlns:p="http://schemas.openxmlformats.org/presentationml/2006/main">
   <p:cSld>
     <p:bg>
@@ -8416,7 +5657,3460 @@
     </p:spTree>
     <p:extLst>
       <p:ext uri="{BB962C8B-B14F-4D97-AF65-F5344CB8AC3E}">
-        <p14:creationId xmlns:p14="http://schemas.microsoft.com/office/powerpoint/2010/main" val="3005482867"/>
+        <p14:creationId xmlns:p14="http://schemas.microsoft.com/office/powerpoint/2010/main" val="4108731010"/>
+      </p:ext>
+    </p:extLst>
+  </p:cSld>
+  <p:clrMapOvr>
+    <a:masterClrMapping/>
+  </p:clrMapOvr>
+</p:sld>
+</file>
+
+<file path=ppt/slides/slide12.xml><?xml version="1.0" encoding="utf-8"?>
+<p:sld xmlns:a="http://schemas.openxmlformats.org/drawingml/2006/main" xmlns:r="http://schemas.openxmlformats.org/officeDocument/2006/relationships" xmlns:p="http://schemas.openxmlformats.org/presentationml/2006/main">
+  <p:cSld>
+    <p:bg>
+      <p:bgPr>
+        <a:blipFill dpi="0" rotWithShape="1">
+          <a:blip r:embed="rId3">
+            <a:alphaModFix amt="99000"/>
+            <a:lum/>
+          </a:blip>
+          <a:srcRect/>
+          <a:stretch>
+            <a:fillRect t="89000" r="85000" b="-1000"/>
+          </a:stretch>
+        </a:blipFill>
+        <a:effectLst/>
+      </p:bgPr>
+    </p:bg>
+    <p:spTree>
+      <p:nvGrpSpPr>
+        <p:cNvPr id="1" name=""/>
+        <p:cNvGrpSpPr/>
+        <p:nvPr/>
+      </p:nvGrpSpPr>
+      <p:grpSpPr>
+        <a:xfrm>
+          <a:off x="0" y="0"/>
+          <a:ext cx="0" cy="0"/>
+          <a:chOff x="0" y="0"/>
+          <a:chExt cx="0" cy="0"/>
+        </a:xfrm>
+      </p:grpSpPr>
+      <p:sp>
+        <p:nvSpPr>
+          <p:cNvPr id="5" name="Title 1">
+            <a:extLst>
+              <a:ext uri="{FF2B5EF4-FFF2-40B4-BE49-F238E27FC236}">
+                <a16:creationId xmlns:a16="http://schemas.microsoft.com/office/drawing/2014/main" id="{3444037F-B658-D82C-5DCA-53E8AA1493D7}"/>
+              </a:ext>
+            </a:extLst>
+          </p:cNvPr>
+          <p:cNvSpPr txBox="1">
+            <a:spLocks/>
+          </p:cNvSpPr>
+          <p:nvPr/>
+        </p:nvSpPr>
+        <p:spPr>
+          <a:xfrm>
+            <a:off x="1524000" y="1516449"/>
+            <a:ext cx="9144000" cy="4290585"/>
+          </a:xfrm>
+          <a:prstGeom prst="rect">
+            <a:avLst/>
+          </a:prstGeom>
+        </p:spPr>
+        <p:txBody>
+          <a:bodyPr vert="horz" lIns="91440" tIns="45720" rIns="91440" bIns="45720" rtlCol="0" anchor="b">
+            <a:normAutofit fontScale="97500"/>
+          </a:bodyPr>
+          <a:lstStyle>
+            <a:lvl1pPr algn="ctr" defTabSz="914400" rtl="0" eaLnBrk="1" latinLnBrk="0" hangingPunct="1">
+              <a:lnSpc>
+                <a:spcPct val="90000"/>
+              </a:lnSpc>
+              <a:spcBef>
+                <a:spcPct val="0"/>
+              </a:spcBef>
+              <a:buNone/>
+              <a:defRPr sz="6000" kern="1200">
+                <a:solidFill>
+                  <a:schemeClr val="tx1"/>
+                </a:solidFill>
+                <a:latin typeface="+mj-lt"/>
+                <a:ea typeface="+mj-ea"/>
+                <a:cs typeface="+mj-cs"/>
+              </a:defRPr>
+            </a:lvl1pPr>
+          </a:lstStyle>
+          <a:p>
+            <a:pPr algn="l"/>
+            <a:endParaRPr lang="en-US" sz="3100" dirty="0"/>
+          </a:p>
+          <a:p>
+            <a:pPr algn="l"/>
+            <a:endParaRPr lang="en-US" sz="3100" dirty="0"/>
+          </a:p>
+          <a:p>
+            <a:pPr algn="l"/>
+            <a:endParaRPr lang="en-US" sz="3100" dirty="0"/>
+          </a:p>
+          <a:p>
+            <a:pPr algn="l"/>
+            <a:endParaRPr lang="en-US" sz="3100" dirty="0"/>
+          </a:p>
+          <a:p>
+            <a:pPr algn="l"/>
+            <a:endParaRPr lang="en-US" sz="3000" dirty="0"/>
+          </a:p>
+          <a:p>
+            <a:pPr algn="l"/>
+            <a:endParaRPr lang="en-US" sz="3000" dirty="0"/>
+          </a:p>
+        </p:txBody>
+      </p:sp>
+      <p:sp>
+        <p:nvSpPr>
+          <p:cNvPr id="38" name="Title 1">
+            <a:extLst>
+              <a:ext uri="{FF2B5EF4-FFF2-40B4-BE49-F238E27FC236}">
+                <a16:creationId xmlns:a16="http://schemas.microsoft.com/office/drawing/2014/main" id="{85194D96-4E26-6A5A-5AB5-02AFD53E7543}"/>
+              </a:ext>
+            </a:extLst>
+          </p:cNvPr>
+          <p:cNvSpPr>
+            <a:spLocks noGrp="1"/>
+          </p:cNvSpPr>
+          <p:nvPr>
+            <p:ph type="ctrTitle"/>
+          </p:nvPr>
+        </p:nvSpPr>
+        <p:spPr>
+          <a:xfrm>
+            <a:off x="1128386" y="415731"/>
+            <a:ext cx="9935227" cy="718459"/>
+          </a:xfrm>
+        </p:spPr>
+        <p:txBody>
+          <a:bodyPr>
+            <a:noAutofit/>
+          </a:bodyPr>
+          <a:lstStyle/>
+          <a:p>
+            <a:r>
+              <a:rPr lang="en-US" sz="4500" b="1" dirty="0"/>
+              <a:t>Dispersion</a:t>
+            </a:r>
+            <a:endParaRPr lang="en-PH" sz="4500" b="1" dirty="0"/>
+          </a:p>
+        </p:txBody>
+      </p:sp>
+      <p:sp>
+        <p:nvSpPr>
+          <p:cNvPr id="39" name="Footer Placeholder 3">
+            <a:extLst>
+              <a:ext uri="{FF2B5EF4-FFF2-40B4-BE49-F238E27FC236}">
+                <a16:creationId xmlns:a16="http://schemas.microsoft.com/office/drawing/2014/main" id="{77EF4DA7-E5CF-896F-45E0-B1D58FD59B96}"/>
+              </a:ext>
+            </a:extLst>
+          </p:cNvPr>
+          <p:cNvSpPr>
+            <a:spLocks noGrp="1"/>
+          </p:cNvSpPr>
+          <p:nvPr>
+            <p:ph type="ftr" sz="quarter" idx="11"/>
+          </p:nvPr>
+        </p:nvSpPr>
+        <p:spPr>
+          <a:xfrm>
+            <a:off x="0" y="6139541"/>
+            <a:ext cx="12192000" cy="718459"/>
+          </a:xfrm>
+          <a:ln w="28575">
+            <a:solidFill>
+              <a:schemeClr val="accent5">
+                <a:lumMod val="50000"/>
+              </a:schemeClr>
+            </a:solidFill>
+          </a:ln>
+        </p:spPr>
+        <p:txBody>
+          <a:bodyPr/>
+          <a:lstStyle/>
+          <a:p>
+            <a:pPr lvl="1" algn="r"/>
+            <a:r>
+              <a:rPr lang="en-US" sz="1200" b="1" dirty="0"/>
+              <a:t>CCDATS1L</a:t>
+            </a:r>
+            <a:endParaRPr lang="en-PH" sz="1200" b="1" dirty="0"/>
+          </a:p>
+        </p:txBody>
+      </p:sp>
+      <p:graphicFrame>
+        <p:nvGraphicFramePr>
+          <p:cNvPr id="2" name="Table 1">
+            <a:extLst>
+              <a:ext uri="{FF2B5EF4-FFF2-40B4-BE49-F238E27FC236}">
+                <a16:creationId xmlns:a16="http://schemas.microsoft.com/office/drawing/2014/main" id="{BB2146AC-17BE-11FB-B5B4-84595A9EDA8D}"/>
+              </a:ext>
+            </a:extLst>
+          </p:cNvPr>
+          <p:cNvGraphicFramePr>
+            <a:graphicFrameLocks noGrp="1"/>
+          </p:cNvGraphicFramePr>
+          <p:nvPr>
+            <p:extLst>
+              <p:ext uri="{D42A27DB-BD31-4B8C-83A1-F6EECF244321}">
+                <p14:modId xmlns:p14="http://schemas.microsoft.com/office/powerpoint/2010/main" val="3126804442"/>
+              </p:ext>
+            </p:extLst>
+          </p:nvPr>
+        </p:nvGraphicFramePr>
+        <p:xfrm>
+          <a:off x="2031999" y="2548054"/>
+          <a:ext cx="8128000" cy="3398520"/>
+        </p:xfrm>
+        <a:graphic>
+          <a:graphicData uri="http://schemas.openxmlformats.org/drawingml/2006/table">
+            <a:tbl>
+              <a:tblPr firstRow="1" bandRow="1">
+                <a:tableStyleId>{7E9639D4-E3E2-4D34-9284-5A2195B3D0D7}</a:tableStyleId>
+              </a:tblPr>
+              <a:tblGrid>
+                <a:gridCol w="4064000">
+                  <a:extLst>
+                    <a:ext uri="{9D8B030D-6E8A-4147-A177-3AD203B41FA5}">
+                      <a16:colId xmlns:a16="http://schemas.microsoft.com/office/drawing/2014/main" val="2736763892"/>
+                    </a:ext>
+                  </a:extLst>
+                </a:gridCol>
+                <a:gridCol w="4064000">
+                  <a:extLst>
+                    <a:ext uri="{9D8B030D-6E8A-4147-A177-3AD203B41FA5}">
+                      <a16:colId xmlns:a16="http://schemas.microsoft.com/office/drawing/2014/main" val="3162122417"/>
+                    </a:ext>
+                  </a:extLst>
+                </a:gridCol>
+              </a:tblGrid>
+              <a:tr h="260225">
+                <a:tc>
+                  <a:txBody>
+                    <a:bodyPr/>
+                    <a:lstStyle/>
+                    <a:p>
+                      <a:pPr algn="ctr"/>
+                      <a:r>
+                        <a:rPr lang="en-US" sz="2300" dirty="0">
+                          <a:solidFill>
+                            <a:srgbClr val="00B0F0"/>
+                          </a:solidFill>
+                        </a:rPr>
+                        <a:t>Measure</a:t>
+                      </a:r>
+                    </a:p>
+                  </a:txBody>
+                  <a:tcPr/>
+                </a:tc>
+                <a:tc>
+                  <a:txBody>
+                    <a:bodyPr/>
+                    <a:lstStyle/>
+                    <a:p>
+                      <a:pPr algn="ctr"/>
+                      <a:r>
+                        <a:rPr lang="en-US" sz="2300" dirty="0">
+                          <a:solidFill>
+                            <a:srgbClr val="00B0F0"/>
+                          </a:solidFill>
+                        </a:rPr>
+                        <a:t>Definition</a:t>
+                      </a:r>
+                    </a:p>
+                  </a:txBody>
+                  <a:tcPr/>
+                </a:tc>
+                <a:extLst>
+                  <a:ext uri="{0D108BD9-81ED-4DB2-BD59-A6C34878D82A}">
+                    <a16:rowId xmlns:a16="http://schemas.microsoft.com/office/drawing/2014/main" val="447069008"/>
+                  </a:ext>
+                </a:extLst>
+              </a:tr>
+              <a:tr h="884766">
+                <a:tc>
+                  <a:txBody>
+                    <a:bodyPr/>
+                    <a:lstStyle/>
+                    <a:p>
+                      <a:pPr algn="ctr"/>
+                      <a:r>
+                        <a:rPr lang="en-US" sz="2200" b="1" dirty="0"/>
+                        <a:t>RANGE</a:t>
+                      </a:r>
+                    </a:p>
+                  </a:txBody>
+                  <a:tcPr/>
+                </a:tc>
+                <a:tc>
+                  <a:txBody>
+                    <a:bodyPr/>
+                    <a:lstStyle/>
+                    <a:p>
+                      <a:pPr algn="ctr"/>
+                      <a:r>
+                        <a:rPr lang="en-PH" sz="2200" dirty="0"/>
+                        <a:t>Calculate the difference between the highest and lowest scores</a:t>
+                      </a:r>
+                      <a:endParaRPr lang="en-US" sz="2200" dirty="0"/>
+                    </a:p>
+                    <a:p>
+                      <a:pPr algn="ctr"/>
+                      <a:endParaRPr lang="en-US" sz="2200" dirty="0"/>
+                    </a:p>
+                  </a:txBody>
+                  <a:tcPr/>
+                </a:tc>
+                <a:extLst>
+                  <a:ext uri="{0D108BD9-81ED-4DB2-BD59-A6C34878D82A}">
+                    <a16:rowId xmlns:a16="http://schemas.microsoft.com/office/drawing/2014/main" val="572981369"/>
+                  </a:ext>
+                </a:extLst>
+              </a:tr>
+              <a:tr h="676586">
+                <a:tc>
+                  <a:txBody>
+                    <a:bodyPr/>
+                    <a:lstStyle/>
+                    <a:p>
+                      <a:pPr algn="ctr"/>
+                      <a:r>
+                        <a:rPr lang="en-US" sz="2200" b="1" dirty="0"/>
+                        <a:t>VARIANCE </a:t>
+                      </a:r>
+                    </a:p>
+                  </a:txBody>
+                  <a:tcPr/>
+                </a:tc>
+                <a:tc>
+                  <a:txBody>
+                    <a:bodyPr/>
+                    <a:lstStyle/>
+                    <a:p>
+                      <a:pPr algn="ctr"/>
+                      <a:r>
+                        <a:rPr lang="en-PH" sz="2200" dirty="0"/>
+                        <a:t>Calculate the average of the squared differences from the mean</a:t>
+                      </a:r>
+                      <a:endParaRPr lang="en-US" sz="2200" dirty="0"/>
+                    </a:p>
+                  </a:txBody>
+                  <a:tcPr/>
+                </a:tc>
+                <a:extLst>
+                  <a:ext uri="{0D108BD9-81ED-4DB2-BD59-A6C34878D82A}">
+                    <a16:rowId xmlns:a16="http://schemas.microsoft.com/office/drawing/2014/main" val="3154944886"/>
+                  </a:ext>
+                </a:extLst>
+              </a:tr>
+              <a:tr h="468405">
+                <a:tc>
+                  <a:txBody>
+                    <a:bodyPr/>
+                    <a:lstStyle/>
+                    <a:p>
+                      <a:pPr algn="ctr"/>
+                      <a:r>
+                        <a:rPr lang="en-US" sz="2200" b="1" dirty="0"/>
+                        <a:t>STANDARD DEVIATION</a:t>
+                      </a:r>
+                    </a:p>
+                  </a:txBody>
+                  <a:tcPr/>
+                </a:tc>
+                <a:tc>
+                  <a:txBody>
+                    <a:bodyPr/>
+                    <a:lstStyle/>
+                    <a:p>
+                      <a:pPr algn="ctr"/>
+                      <a:r>
+                        <a:rPr lang="en-PH" sz="2200" dirty="0"/>
+                        <a:t>Take the square root of the variance</a:t>
+                      </a:r>
+                      <a:endParaRPr lang="en-US" sz="2200" dirty="0"/>
+                    </a:p>
+                  </a:txBody>
+                  <a:tcPr/>
+                </a:tc>
+                <a:extLst>
+                  <a:ext uri="{0D108BD9-81ED-4DB2-BD59-A6C34878D82A}">
+                    <a16:rowId xmlns:a16="http://schemas.microsoft.com/office/drawing/2014/main" val="2121773901"/>
+                  </a:ext>
+                </a:extLst>
+              </a:tr>
+            </a:tbl>
+          </a:graphicData>
+        </a:graphic>
+      </p:graphicFrame>
+      <p:sp>
+        <p:nvSpPr>
+          <p:cNvPr id="6" name="TextBox 5">
+            <a:extLst>
+              <a:ext uri="{FF2B5EF4-FFF2-40B4-BE49-F238E27FC236}">
+                <a16:creationId xmlns:a16="http://schemas.microsoft.com/office/drawing/2014/main" id="{3A08806D-D1FF-FDB0-F93A-EC273319F5BB}"/>
+              </a:ext>
+            </a:extLst>
+          </p:cNvPr>
+          <p:cNvSpPr txBox="1"/>
+          <p:nvPr/>
+        </p:nvSpPr>
+        <p:spPr>
+          <a:xfrm>
+            <a:off x="3365902" y="1478254"/>
+            <a:ext cx="5460193" cy="553998"/>
+          </a:xfrm>
+          <a:prstGeom prst="rect">
+            <a:avLst/>
+          </a:prstGeom>
+          <a:noFill/>
+        </p:spPr>
+        <p:txBody>
+          <a:bodyPr wrap="square">
+            <a:spAutoFit/>
+          </a:bodyPr>
+          <a:lstStyle/>
+          <a:p>
+            <a:r>
+              <a:rPr lang="en-PH" sz="3000" dirty="0"/>
+              <a:t>Measures the spread of the data.</a:t>
+            </a:r>
+            <a:endParaRPr lang="en-US" sz="3000" dirty="0"/>
+          </a:p>
+        </p:txBody>
+      </p:sp>
+    </p:spTree>
+    <p:extLst>
+      <p:ext uri="{BB962C8B-B14F-4D97-AF65-F5344CB8AC3E}">
+        <p14:creationId xmlns:p14="http://schemas.microsoft.com/office/powerpoint/2010/main" val="27590061"/>
+      </p:ext>
+    </p:extLst>
+  </p:cSld>
+  <p:clrMapOvr>
+    <a:masterClrMapping/>
+  </p:clrMapOvr>
+</p:sld>
+</file>
+
+<file path=ppt/slides/slide13.xml><?xml version="1.0" encoding="utf-8"?>
+<p:sld xmlns:a="http://schemas.openxmlformats.org/drawingml/2006/main" xmlns:r="http://schemas.openxmlformats.org/officeDocument/2006/relationships" xmlns:p="http://schemas.openxmlformats.org/presentationml/2006/main">
+  <p:cSld>
+    <p:bg>
+      <p:bgPr>
+        <a:blipFill dpi="0" rotWithShape="1">
+          <a:blip r:embed="rId3">
+            <a:alphaModFix amt="99000"/>
+            <a:lum/>
+          </a:blip>
+          <a:srcRect/>
+          <a:stretch>
+            <a:fillRect t="89000" r="85000" b="-1000"/>
+          </a:stretch>
+        </a:blipFill>
+        <a:effectLst/>
+      </p:bgPr>
+    </p:bg>
+    <p:spTree>
+      <p:nvGrpSpPr>
+        <p:cNvPr id="1" name=""/>
+        <p:cNvGrpSpPr/>
+        <p:nvPr/>
+      </p:nvGrpSpPr>
+      <p:grpSpPr>
+        <a:xfrm>
+          <a:off x="0" y="0"/>
+          <a:ext cx="0" cy="0"/>
+          <a:chOff x="0" y="0"/>
+          <a:chExt cx="0" cy="0"/>
+        </a:xfrm>
+      </p:grpSpPr>
+      <p:sp>
+        <p:nvSpPr>
+          <p:cNvPr id="5" name="Title 1">
+            <a:extLst>
+              <a:ext uri="{FF2B5EF4-FFF2-40B4-BE49-F238E27FC236}">
+                <a16:creationId xmlns:a16="http://schemas.microsoft.com/office/drawing/2014/main" id="{3444037F-B658-D82C-5DCA-53E8AA1493D7}"/>
+              </a:ext>
+            </a:extLst>
+          </p:cNvPr>
+          <p:cNvSpPr txBox="1">
+            <a:spLocks/>
+          </p:cNvSpPr>
+          <p:nvPr/>
+        </p:nvSpPr>
+        <p:spPr>
+          <a:xfrm>
+            <a:off x="1524000" y="1516449"/>
+            <a:ext cx="9144000" cy="4290585"/>
+          </a:xfrm>
+          <a:prstGeom prst="rect">
+            <a:avLst/>
+          </a:prstGeom>
+        </p:spPr>
+        <p:txBody>
+          <a:bodyPr vert="horz" lIns="91440" tIns="45720" rIns="91440" bIns="45720" rtlCol="0" anchor="b">
+            <a:normAutofit fontScale="97500"/>
+          </a:bodyPr>
+          <a:lstStyle>
+            <a:lvl1pPr algn="ctr" defTabSz="914400" rtl="0" eaLnBrk="1" latinLnBrk="0" hangingPunct="1">
+              <a:lnSpc>
+                <a:spcPct val="90000"/>
+              </a:lnSpc>
+              <a:spcBef>
+                <a:spcPct val="0"/>
+              </a:spcBef>
+              <a:buNone/>
+              <a:defRPr sz="6000" kern="1200">
+                <a:solidFill>
+                  <a:schemeClr val="tx1"/>
+                </a:solidFill>
+                <a:latin typeface="+mj-lt"/>
+                <a:ea typeface="+mj-ea"/>
+                <a:cs typeface="+mj-cs"/>
+              </a:defRPr>
+            </a:lvl1pPr>
+          </a:lstStyle>
+          <a:p>
+            <a:pPr algn="l"/>
+            <a:endParaRPr lang="en-US" sz="3100" dirty="0"/>
+          </a:p>
+          <a:p>
+            <a:pPr algn="l"/>
+            <a:endParaRPr lang="en-US" sz="3100" dirty="0"/>
+          </a:p>
+          <a:p>
+            <a:pPr algn="l"/>
+            <a:endParaRPr lang="en-US" sz="3100" dirty="0"/>
+          </a:p>
+          <a:p>
+            <a:pPr algn="l"/>
+            <a:endParaRPr lang="en-US" sz="3100" dirty="0"/>
+          </a:p>
+          <a:p>
+            <a:pPr algn="l"/>
+            <a:endParaRPr lang="en-US" sz="3000" dirty="0"/>
+          </a:p>
+          <a:p>
+            <a:pPr algn="l"/>
+            <a:endParaRPr lang="en-US" sz="3000" dirty="0"/>
+          </a:p>
+        </p:txBody>
+      </p:sp>
+      <p:sp>
+        <p:nvSpPr>
+          <p:cNvPr id="38" name="Title 1">
+            <a:extLst>
+              <a:ext uri="{FF2B5EF4-FFF2-40B4-BE49-F238E27FC236}">
+                <a16:creationId xmlns:a16="http://schemas.microsoft.com/office/drawing/2014/main" id="{85194D96-4E26-6A5A-5AB5-02AFD53E7543}"/>
+              </a:ext>
+            </a:extLst>
+          </p:cNvPr>
+          <p:cNvSpPr>
+            <a:spLocks noGrp="1"/>
+          </p:cNvSpPr>
+          <p:nvPr>
+            <p:ph type="ctrTitle"/>
+          </p:nvPr>
+        </p:nvSpPr>
+        <p:spPr>
+          <a:xfrm>
+            <a:off x="1128386" y="415731"/>
+            <a:ext cx="9935227" cy="718459"/>
+          </a:xfrm>
+        </p:spPr>
+        <p:txBody>
+          <a:bodyPr>
+            <a:noAutofit/>
+          </a:bodyPr>
+          <a:lstStyle/>
+          <a:p>
+            <a:r>
+              <a:rPr lang="en-US" sz="4500" b="1" dirty="0"/>
+              <a:t>Example</a:t>
+            </a:r>
+            <a:endParaRPr lang="en-PH" sz="4500" b="1" dirty="0"/>
+          </a:p>
+        </p:txBody>
+      </p:sp>
+      <p:sp>
+        <p:nvSpPr>
+          <p:cNvPr id="39" name="Footer Placeholder 3">
+            <a:extLst>
+              <a:ext uri="{FF2B5EF4-FFF2-40B4-BE49-F238E27FC236}">
+                <a16:creationId xmlns:a16="http://schemas.microsoft.com/office/drawing/2014/main" id="{77EF4DA7-E5CF-896F-45E0-B1D58FD59B96}"/>
+              </a:ext>
+            </a:extLst>
+          </p:cNvPr>
+          <p:cNvSpPr>
+            <a:spLocks noGrp="1"/>
+          </p:cNvSpPr>
+          <p:nvPr>
+            <p:ph type="ftr" sz="quarter" idx="11"/>
+          </p:nvPr>
+        </p:nvSpPr>
+        <p:spPr>
+          <a:xfrm>
+            <a:off x="0" y="6139541"/>
+            <a:ext cx="12192000" cy="718459"/>
+          </a:xfrm>
+          <a:ln w="28575">
+            <a:solidFill>
+              <a:schemeClr val="accent5">
+                <a:lumMod val="50000"/>
+              </a:schemeClr>
+            </a:solidFill>
+          </a:ln>
+        </p:spPr>
+        <p:txBody>
+          <a:bodyPr/>
+          <a:lstStyle/>
+          <a:p>
+            <a:pPr lvl="1" algn="r"/>
+            <a:r>
+              <a:rPr lang="en-US" sz="1200" b="1" dirty="0"/>
+              <a:t>CCDATS1L</a:t>
+            </a:r>
+            <a:endParaRPr lang="en-PH" sz="1200" b="1" dirty="0"/>
+          </a:p>
+        </p:txBody>
+      </p:sp>
+      <p:sp>
+        <p:nvSpPr>
+          <p:cNvPr id="4" name="TextBox 3">
+            <a:extLst>
+              <a:ext uri="{FF2B5EF4-FFF2-40B4-BE49-F238E27FC236}">
+                <a16:creationId xmlns:a16="http://schemas.microsoft.com/office/drawing/2014/main" id="{4203C0C4-7C82-D208-A8B3-1AE6E9099A3C}"/>
+              </a:ext>
+            </a:extLst>
+          </p:cNvPr>
+          <p:cNvSpPr txBox="1"/>
+          <p:nvPr/>
+        </p:nvSpPr>
+        <p:spPr>
+          <a:xfrm>
+            <a:off x="333632" y="1354768"/>
+            <a:ext cx="11541211" cy="1477328"/>
+          </a:xfrm>
+          <a:prstGeom prst="rect">
+            <a:avLst/>
+          </a:prstGeom>
+          <a:noFill/>
+        </p:spPr>
+        <p:txBody>
+          <a:bodyPr wrap="square" rtlCol="0">
+            <a:spAutoFit/>
+          </a:bodyPr>
+          <a:lstStyle/>
+          <a:p>
+            <a:pPr algn="l"/>
+            <a:r>
+              <a:rPr lang="en-PH" sz="3000" dirty="0"/>
+              <a:t>Suppose you have the following scores of 20 students on an exam:</a:t>
+            </a:r>
+          </a:p>
+          <a:p>
+            <a:pPr algn="l"/>
+            <a:endParaRPr lang="en-PH" sz="3000" dirty="0"/>
+          </a:p>
+          <a:p>
+            <a:pPr algn="l"/>
+            <a:r>
+              <a:rPr lang="en-PH" sz="3000" dirty="0"/>
+              <a:t>85, 90, 75, 92, 88, 79, 83, 95, 87, 91, 78, 86, 89, 94, 82, 80, 84, 93, 88, 81</a:t>
+            </a:r>
+          </a:p>
+        </p:txBody>
+      </p:sp>
+      <p:graphicFrame>
+        <p:nvGraphicFramePr>
+          <p:cNvPr id="2" name="Table 1">
+            <a:extLst>
+              <a:ext uri="{FF2B5EF4-FFF2-40B4-BE49-F238E27FC236}">
+                <a16:creationId xmlns:a16="http://schemas.microsoft.com/office/drawing/2014/main" id="{BB2146AC-17BE-11FB-B5B4-84595A9EDA8D}"/>
+              </a:ext>
+            </a:extLst>
+          </p:cNvPr>
+          <p:cNvGraphicFramePr>
+            <a:graphicFrameLocks noGrp="1"/>
+          </p:cNvGraphicFramePr>
+          <p:nvPr>
+            <p:extLst>
+              <p:ext uri="{D42A27DB-BD31-4B8C-83A1-F6EECF244321}">
+                <p14:modId xmlns:p14="http://schemas.microsoft.com/office/powerpoint/2010/main" val="4287759819"/>
+              </p:ext>
+            </p:extLst>
+          </p:nvPr>
+        </p:nvGraphicFramePr>
+        <p:xfrm>
+          <a:off x="2040237" y="3222587"/>
+          <a:ext cx="8128000" cy="2560320"/>
+        </p:xfrm>
+        <a:graphic>
+          <a:graphicData uri="http://schemas.openxmlformats.org/drawingml/2006/table">
+            <a:tbl>
+              <a:tblPr firstRow="1" bandRow="1">
+                <a:tableStyleId>{5940675A-B579-460E-94D1-54222C63F5DA}</a:tableStyleId>
+              </a:tblPr>
+              <a:tblGrid>
+                <a:gridCol w="4064000">
+                  <a:extLst>
+                    <a:ext uri="{9D8B030D-6E8A-4147-A177-3AD203B41FA5}">
+                      <a16:colId xmlns:a16="http://schemas.microsoft.com/office/drawing/2014/main" val="2736763892"/>
+                    </a:ext>
+                  </a:extLst>
+                </a:gridCol>
+                <a:gridCol w="4064000">
+                  <a:extLst>
+                    <a:ext uri="{9D8B030D-6E8A-4147-A177-3AD203B41FA5}">
+                      <a16:colId xmlns:a16="http://schemas.microsoft.com/office/drawing/2014/main" val="3162122417"/>
+                    </a:ext>
+                  </a:extLst>
+                </a:gridCol>
+              </a:tblGrid>
+              <a:tr h="370840">
+                <a:tc>
+                  <a:txBody>
+                    <a:bodyPr/>
+                    <a:lstStyle/>
+                    <a:p>
+                      <a:pPr algn="ctr"/>
+                      <a:r>
+                        <a:rPr lang="en-US" b="1" dirty="0"/>
+                        <a:t>MEAN</a:t>
+                      </a:r>
+                    </a:p>
+                  </a:txBody>
+                  <a:tcPr/>
+                </a:tc>
+                <a:tc>
+                  <a:txBody>
+                    <a:bodyPr/>
+                    <a:lstStyle/>
+                    <a:p>
+                      <a:pPr algn="ctr"/>
+                      <a:r>
+                        <a:rPr lang="en-US" sz="2200" dirty="0"/>
+                        <a:t>86</a:t>
+                      </a:r>
+                    </a:p>
+                  </a:txBody>
+                  <a:tcPr/>
+                </a:tc>
+                <a:extLst>
+                  <a:ext uri="{0D108BD9-81ED-4DB2-BD59-A6C34878D82A}">
+                    <a16:rowId xmlns:a16="http://schemas.microsoft.com/office/drawing/2014/main" val="572981369"/>
+                  </a:ext>
+                </a:extLst>
+              </a:tr>
+              <a:tr h="370840">
+                <a:tc>
+                  <a:txBody>
+                    <a:bodyPr/>
+                    <a:lstStyle/>
+                    <a:p>
+                      <a:pPr algn="ctr"/>
+                      <a:r>
+                        <a:rPr lang="en-US" b="1" dirty="0"/>
+                        <a:t>MEDIAN</a:t>
+                      </a:r>
+                    </a:p>
+                  </a:txBody>
+                  <a:tcPr/>
+                </a:tc>
+                <a:tc>
+                  <a:txBody>
+                    <a:bodyPr/>
+                    <a:lstStyle/>
+                    <a:p>
+                      <a:pPr algn="ctr"/>
+                      <a:r>
+                        <a:rPr lang="en-US" sz="2200" dirty="0"/>
+                        <a:t>86.5</a:t>
+                      </a:r>
+                    </a:p>
+                  </a:txBody>
+                  <a:tcPr/>
+                </a:tc>
+                <a:extLst>
+                  <a:ext uri="{0D108BD9-81ED-4DB2-BD59-A6C34878D82A}">
+                    <a16:rowId xmlns:a16="http://schemas.microsoft.com/office/drawing/2014/main" val="3154944886"/>
+                  </a:ext>
+                </a:extLst>
+              </a:tr>
+              <a:tr h="370840">
+                <a:tc>
+                  <a:txBody>
+                    <a:bodyPr/>
+                    <a:lstStyle/>
+                    <a:p>
+                      <a:pPr algn="ctr"/>
+                      <a:r>
+                        <a:rPr lang="en-US" b="1" dirty="0"/>
+                        <a:t>MODE</a:t>
+                      </a:r>
+                    </a:p>
+                  </a:txBody>
+                  <a:tcPr/>
+                </a:tc>
+                <a:tc>
+                  <a:txBody>
+                    <a:bodyPr/>
+                    <a:lstStyle/>
+                    <a:p>
+                      <a:pPr algn="ctr"/>
+                      <a:r>
+                        <a:rPr lang="en-US" sz="2200" dirty="0"/>
+                        <a:t>88</a:t>
+                      </a:r>
+                    </a:p>
+                  </a:txBody>
+                  <a:tcPr/>
+                </a:tc>
+                <a:extLst>
+                  <a:ext uri="{0D108BD9-81ED-4DB2-BD59-A6C34878D82A}">
+                    <a16:rowId xmlns:a16="http://schemas.microsoft.com/office/drawing/2014/main" val="2121773901"/>
+                  </a:ext>
+                </a:extLst>
+              </a:tr>
+              <a:tr h="370840">
+                <a:tc>
+                  <a:txBody>
+                    <a:bodyPr/>
+                    <a:lstStyle/>
+                    <a:p>
+                      <a:pPr algn="ctr"/>
+                      <a:r>
+                        <a:rPr lang="en-US" b="1" dirty="0"/>
+                        <a:t>RANGE </a:t>
+                      </a:r>
+                    </a:p>
+                  </a:txBody>
+                  <a:tcPr/>
+                </a:tc>
+                <a:tc>
+                  <a:txBody>
+                    <a:bodyPr/>
+                    <a:lstStyle/>
+                    <a:p>
+                      <a:pPr algn="ctr"/>
+                      <a:r>
+                        <a:rPr lang="en-US" sz="2200" dirty="0"/>
+                        <a:t>20</a:t>
+                      </a:r>
+                    </a:p>
+                  </a:txBody>
+                  <a:tcPr/>
+                </a:tc>
+                <a:extLst>
+                  <a:ext uri="{0D108BD9-81ED-4DB2-BD59-A6C34878D82A}">
+                    <a16:rowId xmlns:a16="http://schemas.microsoft.com/office/drawing/2014/main" val="520903593"/>
+                  </a:ext>
+                </a:extLst>
+              </a:tr>
+              <a:tr h="0">
+                <a:tc>
+                  <a:txBody>
+                    <a:bodyPr/>
+                    <a:lstStyle/>
+                    <a:p>
+                      <a:pPr algn="ctr"/>
+                      <a:r>
+                        <a:rPr lang="en-US" b="1" dirty="0"/>
+                        <a:t>VARIANCE </a:t>
+                      </a:r>
+                    </a:p>
+                  </a:txBody>
+                  <a:tcPr/>
+                </a:tc>
+                <a:tc>
+                  <a:txBody>
+                    <a:bodyPr/>
+                    <a:lstStyle/>
+                    <a:p>
+                      <a:pPr algn="ctr"/>
+                      <a:r>
+                        <a:rPr lang="en-US" sz="2200" dirty="0"/>
+                        <a:t>33.25</a:t>
+                      </a:r>
+                    </a:p>
+                  </a:txBody>
+                  <a:tcPr/>
+                </a:tc>
+                <a:extLst>
+                  <a:ext uri="{0D108BD9-81ED-4DB2-BD59-A6C34878D82A}">
+                    <a16:rowId xmlns:a16="http://schemas.microsoft.com/office/drawing/2014/main" val="3872717658"/>
+                  </a:ext>
+                </a:extLst>
+              </a:tr>
+              <a:tr h="370840">
+                <a:tc>
+                  <a:txBody>
+                    <a:bodyPr/>
+                    <a:lstStyle/>
+                    <a:p>
+                      <a:pPr algn="ctr"/>
+                      <a:r>
+                        <a:rPr lang="en-US" b="1" dirty="0"/>
+                        <a:t>STANDARD DEVIATION</a:t>
+                      </a:r>
+                    </a:p>
+                  </a:txBody>
+                  <a:tcPr/>
+                </a:tc>
+                <a:tc>
+                  <a:txBody>
+                    <a:bodyPr/>
+                    <a:lstStyle/>
+                    <a:p>
+                      <a:pPr algn="ctr"/>
+                      <a:r>
+                        <a:rPr lang="en-US" sz="2200" dirty="0"/>
+                        <a:t>5.77</a:t>
+                      </a:r>
+                    </a:p>
+                  </a:txBody>
+                  <a:tcPr/>
+                </a:tc>
+                <a:extLst>
+                  <a:ext uri="{0D108BD9-81ED-4DB2-BD59-A6C34878D82A}">
+                    <a16:rowId xmlns:a16="http://schemas.microsoft.com/office/drawing/2014/main" val="2867706687"/>
+                  </a:ext>
+                </a:extLst>
+              </a:tr>
+            </a:tbl>
+          </a:graphicData>
+        </a:graphic>
+      </p:graphicFrame>
+    </p:spTree>
+    <p:extLst>
+      <p:ext uri="{BB962C8B-B14F-4D97-AF65-F5344CB8AC3E}">
+        <p14:creationId xmlns:p14="http://schemas.microsoft.com/office/powerpoint/2010/main" val="229225158"/>
+      </p:ext>
+    </p:extLst>
+  </p:cSld>
+  <p:clrMapOvr>
+    <a:masterClrMapping/>
+  </p:clrMapOvr>
+</p:sld>
+</file>
+
+<file path=ppt/slides/slide2.xml><?xml version="1.0" encoding="utf-8"?>
+<p:sld xmlns:a="http://schemas.openxmlformats.org/drawingml/2006/main" xmlns:r="http://schemas.openxmlformats.org/officeDocument/2006/relationships" xmlns:p="http://schemas.openxmlformats.org/presentationml/2006/main">
+  <p:cSld>
+    <p:bg>
+      <p:bgPr>
+        <a:blipFill dpi="0" rotWithShape="1">
+          <a:blip r:embed="rId3">
+            <a:alphaModFix amt="99000"/>
+            <a:lum/>
+          </a:blip>
+          <a:srcRect/>
+          <a:stretch>
+            <a:fillRect t="89000" r="85000" b="-1000"/>
+          </a:stretch>
+        </a:blipFill>
+        <a:effectLst/>
+      </p:bgPr>
+    </p:bg>
+    <p:spTree>
+      <p:nvGrpSpPr>
+        <p:cNvPr id="1" name=""/>
+        <p:cNvGrpSpPr/>
+        <p:nvPr/>
+      </p:nvGrpSpPr>
+      <p:grpSpPr>
+        <a:xfrm>
+          <a:off x="0" y="0"/>
+          <a:ext cx="0" cy="0"/>
+          <a:chOff x="0" y="0"/>
+          <a:chExt cx="0" cy="0"/>
+        </a:xfrm>
+      </p:grpSpPr>
+      <p:sp>
+        <p:nvSpPr>
+          <p:cNvPr id="5" name="Title 1">
+            <a:extLst>
+              <a:ext uri="{FF2B5EF4-FFF2-40B4-BE49-F238E27FC236}">
+                <a16:creationId xmlns:a16="http://schemas.microsoft.com/office/drawing/2014/main" id="{3444037F-B658-D82C-5DCA-53E8AA1493D7}"/>
+              </a:ext>
+            </a:extLst>
+          </p:cNvPr>
+          <p:cNvSpPr txBox="1">
+            <a:spLocks/>
+          </p:cNvSpPr>
+          <p:nvPr/>
+        </p:nvSpPr>
+        <p:spPr>
+          <a:xfrm>
+            <a:off x="1524000" y="1516449"/>
+            <a:ext cx="9144000" cy="4290585"/>
+          </a:xfrm>
+          <a:prstGeom prst="rect">
+            <a:avLst/>
+          </a:prstGeom>
+        </p:spPr>
+        <p:txBody>
+          <a:bodyPr vert="horz" lIns="91440" tIns="45720" rIns="91440" bIns="45720" rtlCol="0" anchor="b">
+            <a:normAutofit fontScale="97500"/>
+          </a:bodyPr>
+          <a:lstStyle>
+            <a:lvl1pPr algn="ctr" defTabSz="914400" rtl="0" eaLnBrk="1" latinLnBrk="0" hangingPunct="1">
+              <a:lnSpc>
+                <a:spcPct val="90000"/>
+              </a:lnSpc>
+              <a:spcBef>
+                <a:spcPct val="0"/>
+              </a:spcBef>
+              <a:buNone/>
+              <a:defRPr sz="6000" kern="1200">
+                <a:solidFill>
+                  <a:schemeClr val="tx1"/>
+                </a:solidFill>
+                <a:latin typeface="+mj-lt"/>
+                <a:ea typeface="+mj-ea"/>
+                <a:cs typeface="+mj-cs"/>
+              </a:defRPr>
+            </a:lvl1pPr>
+          </a:lstStyle>
+          <a:p>
+            <a:pPr algn="l"/>
+            <a:endParaRPr lang="en-US" sz="3100" dirty="0"/>
+          </a:p>
+          <a:p>
+            <a:pPr algn="l"/>
+            <a:endParaRPr lang="en-US" sz="3100" dirty="0"/>
+          </a:p>
+          <a:p>
+            <a:pPr algn="l"/>
+            <a:endParaRPr lang="en-US" sz="3100" dirty="0"/>
+          </a:p>
+          <a:p>
+            <a:pPr algn="l"/>
+            <a:endParaRPr lang="en-US" sz="3100" dirty="0"/>
+          </a:p>
+          <a:p>
+            <a:pPr algn="l"/>
+            <a:endParaRPr lang="en-US" sz="3000" dirty="0"/>
+          </a:p>
+          <a:p>
+            <a:pPr algn="l"/>
+            <a:endParaRPr lang="en-US" sz="3000" dirty="0"/>
+          </a:p>
+        </p:txBody>
+      </p:sp>
+      <p:sp>
+        <p:nvSpPr>
+          <p:cNvPr id="39" name="Footer Placeholder 3">
+            <a:extLst>
+              <a:ext uri="{FF2B5EF4-FFF2-40B4-BE49-F238E27FC236}">
+                <a16:creationId xmlns:a16="http://schemas.microsoft.com/office/drawing/2014/main" id="{77EF4DA7-E5CF-896F-45E0-B1D58FD59B96}"/>
+              </a:ext>
+            </a:extLst>
+          </p:cNvPr>
+          <p:cNvSpPr>
+            <a:spLocks noGrp="1"/>
+          </p:cNvSpPr>
+          <p:nvPr>
+            <p:ph type="ftr" sz="quarter" idx="11"/>
+          </p:nvPr>
+        </p:nvSpPr>
+        <p:spPr>
+          <a:xfrm>
+            <a:off x="0" y="6139541"/>
+            <a:ext cx="12192000" cy="718459"/>
+          </a:xfrm>
+          <a:ln w="28575">
+            <a:solidFill>
+              <a:schemeClr val="accent5">
+                <a:lumMod val="50000"/>
+              </a:schemeClr>
+            </a:solidFill>
+          </a:ln>
+        </p:spPr>
+        <p:txBody>
+          <a:bodyPr/>
+          <a:lstStyle/>
+          <a:p>
+            <a:pPr lvl="1" algn="r"/>
+            <a:r>
+              <a:rPr lang="en-US" sz="1200" b="1" dirty="0"/>
+              <a:t>CCDATS1L</a:t>
+            </a:r>
+            <a:endParaRPr lang="en-PH" sz="1200" b="1" dirty="0"/>
+          </a:p>
+        </p:txBody>
+      </p:sp>
+      <p:sp>
+        <p:nvSpPr>
+          <p:cNvPr id="2" name="Title 1">
+            <a:extLst>
+              <a:ext uri="{FF2B5EF4-FFF2-40B4-BE49-F238E27FC236}">
+                <a16:creationId xmlns:a16="http://schemas.microsoft.com/office/drawing/2014/main" id="{79EF1114-32BB-A28C-0B44-90073AA32F6C}"/>
+              </a:ext>
+            </a:extLst>
+          </p:cNvPr>
+          <p:cNvSpPr txBox="1">
+            <a:spLocks/>
+          </p:cNvSpPr>
+          <p:nvPr/>
+        </p:nvSpPr>
+        <p:spPr>
+          <a:xfrm>
+            <a:off x="459205" y="1283707"/>
+            <a:ext cx="11273589" cy="4290585"/>
+          </a:xfrm>
+          <a:prstGeom prst="rect">
+            <a:avLst/>
+          </a:prstGeom>
+        </p:spPr>
+        <p:txBody>
+          <a:bodyPr vert="horz" lIns="91440" tIns="45720" rIns="91440" bIns="45720" rtlCol="0" anchor="b">
+            <a:normAutofit fontScale="97500"/>
+          </a:bodyPr>
+          <a:lstStyle>
+            <a:lvl1pPr algn="ctr" defTabSz="914400" rtl="0" eaLnBrk="1" latinLnBrk="0" hangingPunct="1">
+              <a:lnSpc>
+                <a:spcPct val="90000"/>
+              </a:lnSpc>
+              <a:spcBef>
+                <a:spcPct val="0"/>
+              </a:spcBef>
+              <a:buNone/>
+              <a:defRPr sz="6000" kern="1200">
+                <a:solidFill>
+                  <a:schemeClr val="tx1"/>
+                </a:solidFill>
+                <a:latin typeface="+mj-lt"/>
+                <a:ea typeface="+mj-ea"/>
+                <a:cs typeface="+mj-cs"/>
+              </a:defRPr>
+            </a:lvl1pPr>
+          </a:lstStyle>
+          <a:p>
+            <a:pPr algn="l"/>
+            <a:endParaRPr lang="en-US" sz="2900" b="1" i="0" dirty="0">
+              <a:solidFill>
+                <a:srgbClr val="252C33"/>
+              </a:solidFill>
+              <a:effectLst/>
+              <a:latin typeface="Calibri Light (Headings)"/>
+            </a:endParaRPr>
+          </a:p>
+          <a:p>
+            <a:pPr marL="457200" indent="-457200" algn="l">
+              <a:buFont typeface="Wingdings" pitchFamily="2" charset="2"/>
+              <a:buChar char="Ø"/>
+            </a:pPr>
+            <a:r>
+              <a:rPr lang="en-US" sz="2900" b="1" dirty="0">
+                <a:latin typeface="Calibri Light (Headings)"/>
+              </a:rPr>
+              <a:t>What is Descriptive Statistics?</a:t>
+            </a:r>
+          </a:p>
+          <a:p>
+            <a:pPr marL="457200" indent="-457200" algn="l">
+              <a:buFont typeface="Wingdings" pitchFamily="2" charset="2"/>
+              <a:buChar char="Ø"/>
+            </a:pPr>
+            <a:endParaRPr lang="en-US" sz="2900" b="1" dirty="0">
+              <a:solidFill>
+                <a:schemeClr val="tx1">
+                  <a:lumMod val="50000"/>
+                  <a:lumOff val="50000"/>
+                </a:schemeClr>
+              </a:solidFill>
+              <a:latin typeface="Calibri Light (Headings)"/>
+            </a:endParaRPr>
+          </a:p>
+          <a:p>
+            <a:pPr marL="457200" indent="-457200" algn="l">
+              <a:buFont typeface="Wingdings" pitchFamily="2" charset="2"/>
+              <a:buChar char="Ø"/>
+            </a:pPr>
+            <a:r>
+              <a:rPr lang="en-US" sz="2900" b="1" dirty="0">
+                <a:solidFill>
+                  <a:schemeClr val="tx1">
+                    <a:lumMod val="50000"/>
+                    <a:lumOff val="50000"/>
+                  </a:schemeClr>
+                </a:solidFill>
+                <a:latin typeface="Calibri Light (Headings)"/>
+              </a:rPr>
+              <a:t>Types of Descriptive Statistics</a:t>
+            </a:r>
+            <a:endParaRPr lang="en-US" sz="2900" b="1" i="0" dirty="0">
+              <a:solidFill>
+                <a:schemeClr val="tx1">
+                  <a:lumMod val="50000"/>
+                  <a:lumOff val="50000"/>
+                </a:schemeClr>
+              </a:solidFill>
+              <a:effectLst/>
+              <a:latin typeface="Calibri Light (Headings)"/>
+            </a:endParaRPr>
+          </a:p>
+          <a:p>
+            <a:pPr algn="l"/>
+            <a:endParaRPr lang="en-US" sz="2900" b="1" dirty="0">
+              <a:solidFill>
+                <a:schemeClr val="tx1">
+                  <a:lumMod val="50000"/>
+                  <a:lumOff val="50000"/>
+                </a:schemeClr>
+              </a:solidFill>
+              <a:latin typeface="Calibri Light (Headings)"/>
+            </a:endParaRPr>
+          </a:p>
+          <a:p>
+            <a:pPr marL="457200" indent="-457200" algn="l">
+              <a:buFont typeface="Wingdings" pitchFamily="2" charset="2"/>
+              <a:buChar char="Ø"/>
+            </a:pPr>
+            <a:endParaRPr lang="en-US" sz="2900" b="1" dirty="0">
+              <a:solidFill>
+                <a:schemeClr val="tx1">
+                  <a:lumMod val="50000"/>
+                  <a:lumOff val="50000"/>
+                </a:schemeClr>
+              </a:solidFill>
+              <a:latin typeface="Calibri Light (Headings)"/>
+            </a:endParaRPr>
+          </a:p>
+          <a:p>
+            <a:pPr marL="457200" indent="-457200" algn="l">
+              <a:buFont typeface="Wingdings" pitchFamily="2" charset="2"/>
+              <a:buChar char="Ø"/>
+            </a:pPr>
+            <a:endParaRPr lang="en-US" sz="2900" b="1" dirty="0">
+              <a:solidFill>
+                <a:schemeClr val="tx1">
+                  <a:lumMod val="50000"/>
+                  <a:lumOff val="50000"/>
+                </a:schemeClr>
+              </a:solidFill>
+              <a:latin typeface="Calibri Light (Headings)"/>
+            </a:endParaRPr>
+          </a:p>
+          <a:p>
+            <a:pPr marL="457200" indent="-457200" algn="l">
+              <a:buFont typeface="Wingdings" pitchFamily="2" charset="2"/>
+              <a:buChar char="Ø"/>
+            </a:pPr>
+            <a:endParaRPr lang="en-US" sz="2900" b="1" dirty="0">
+              <a:solidFill>
+                <a:schemeClr val="tx1">
+                  <a:lumMod val="50000"/>
+                  <a:lumOff val="50000"/>
+                </a:schemeClr>
+              </a:solidFill>
+              <a:latin typeface="Calibri Light (Headings)"/>
+            </a:endParaRPr>
+          </a:p>
+          <a:p>
+            <a:pPr marL="457200" indent="-457200" algn="l">
+              <a:buFont typeface="Wingdings" pitchFamily="2" charset="2"/>
+              <a:buChar char="Ø"/>
+            </a:pPr>
+            <a:endParaRPr lang="en-US" sz="2900" b="1" dirty="0">
+              <a:solidFill>
+                <a:schemeClr val="tx1">
+                  <a:lumMod val="50000"/>
+                  <a:lumOff val="50000"/>
+                </a:schemeClr>
+              </a:solidFill>
+              <a:latin typeface="Calibri Light (Headings)"/>
+            </a:endParaRPr>
+          </a:p>
+          <a:p>
+            <a:pPr marL="457200" indent="-457200" algn="l">
+              <a:buFont typeface="Wingdings" pitchFamily="2" charset="2"/>
+              <a:buChar char="Ø"/>
+            </a:pPr>
+            <a:endParaRPr lang="en-US" sz="2900" b="1" dirty="0">
+              <a:solidFill>
+                <a:schemeClr val="tx1">
+                  <a:lumMod val="50000"/>
+                  <a:lumOff val="50000"/>
+                </a:schemeClr>
+              </a:solidFill>
+              <a:latin typeface="Calibri Light (Headings)"/>
+            </a:endParaRPr>
+          </a:p>
+          <a:p>
+            <a:pPr algn="l"/>
+            <a:endParaRPr lang="en-US" sz="2900" b="1" dirty="0">
+              <a:solidFill>
+                <a:schemeClr val="tx1">
+                  <a:lumMod val="50000"/>
+                  <a:lumOff val="50000"/>
+                </a:schemeClr>
+              </a:solidFill>
+              <a:latin typeface="Calibri Light (Headings)"/>
+            </a:endParaRPr>
+          </a:p>
+        </p:txBody>
+      </p:sp>
+      <p:sp>
+        <p:nvSpPr>
+          <p:cNvPr id="7" name="Title 1">
+            <a:extLst>
+              <a:ext uri="{FF2B5EF4-FFF2-40B4-BE49-F238E27FC236}">
+                <a16:creationId xmlns:a16="http://schemas.microsoft.com/office/drawing/2014/main" id="{F9F68FD0-4734-F88A-26AE-8BD1D795B778}"/>
+              </a:ext>
+            </a:extLst>
+          </p:cNvPr>
+          <p:cNvSpPr>
+            <a:spLocks noGrp="1"/>
+          </p:cNvSpPr>
+          <p:nvPr>
+            <p:ph type="ctrTitle"/>
+          </p:nvPr>
+        </p:nvSpPr>
+        <p:spPr>
+          <a:xfrm>
+            <a:off x="1128385" y="359228"/>
+            <a:ext cx="9935227" cy="718459"/>
+          </a:xfrm>
+        </p:spPr>
+        <p:txBody>
+          <a:bodyPr>
+            <a:noAutofit/>
+          </a:bodyPr>
+          <a:lstStyle/>
+          <a:p>
+            <a:pPr algn="l"/>
+            <a:r>
+              <a:rPr lang="en-US" sz="4500" b="1" dirty="0"/>
+              <a:t>Outline</a:t>
+            </a:r>
+            <a:endParaRPr lang="en-PH" sz="4500" b="1" dirty="0"/>
+          </a:p>
+        </p:txBody>
+      </p:sp>
+    </p:spTree>
+    <p:extLst>
+      <p:ext uri="{BB962C8B-B14F-4D97-AF65-F5344CB8AC3E}">
+        <p14:creationId xmlns:p14="http://schemas.microsoft.com/office/powerpoint/2010/main" val="1181416942"/>
+      </p:ext>
+    </p:extLst>
+  </p:cSld>
+  <p:clrMapOvr>
+    <a:masterClrMapping/>
+  </p:clrMapOvr>
+</p:sld>
+</file>
+
+<file path=ppt/slides/slide3.xml><?xml version="1.0" encoding="utf-8"?>
+<p:sld xmlns:a="http://schemas.openxmlformats.org/drawingml/2006/main" xmlns:r="http://schemas.openxmlformats.org/officeDocument/2006/relationships" xmlns:p="http://schemas.openxmlformats.org/presentationml/2006/main">
+  <p:cSld>
+    <p:bg>
+      <p:bgPr>
+        <a:blipFill dpi="0" rotWithShape="1">
+          <a:blip r:embed="rId3">
+            <a:alphaModFix amt="99000"/>
+            <a:lum/>
+          </a:blip>
+          <a:srcRect/>
+          <a:stretch>
+            <a:fillRect t="89000" r="85000" b="-1000"/>
+          </a:stretch>
+        </a:blipFill>
+        <a:effectLst/>
+      </p:bgPr>
+    </p:bg>
+    <p:spTree>
+      <p:nvGrpSpPr>
+        <p:cNvPr id="1" name=""/>
+        <p:cNvGrpSpPr/>
+        <p:nvPr/>
+      </p:nvGrpSpPr>
+      <p:grpSpPr>
+        <a:xfrm>
+          <a:off x="0" y="0"/>
+          <a:ext cx="0" cy="0"/>
+          <a:chOff x="0" y="0"/>
+          <a:chExt cx="0" cy="0"/>
+        </a:xfrm>
+      </p:grpSpPr>
+      <p:sp>
+        <p:nvSpPr>
+          <p:cNvPr id="5" name="Title 1">
+            <a:extLst>
+              <a:ext uri="{FF2B5EF4-FFF2-40B4-BE49-F238E27FC236}">
+                <a16:creationId xmlns:a16="http://schemas.microsoft.com/office/drawing/2014/main" id="{3444037F-B658-D82C-5DCA-53E8AA1493D7}"/>
+              </a:ext>
+            </a:extLst>
+          </p:cNvPr>
+          <p:cNvSpPr txBox="1">
+            <a:spLocks/>
+          </p:cNvSpPr>
+          <p:nvPr/>
+        </p:nvSpPr>
+        <p:spPr>
+          <a:xfrm>
+            <a:off x="1524000" y="1516449"/>
+            <a:ext cx="9144000" cy="4290585"/>
+          </a:xfrm>
+          <a:prstGeom prst="rect">
+            <a:avLst/>
+          </a:prstGeom>
+        </p:spPr>
+        <p:txBody>
+          <a:bodyPr vert="horz" lIns="91440" tIns="45720" rIns="91440" bIns="45720" rtlCol="0" anchor="b">
+            <a:normAutofit fontScale="97500"/>
+          </a:bodyPr>
+          <a:lstStyle>
+            <a:lvl1pPr algn="ctr" defTabSz="914400" rtl="0" eaLnBrk="1" latinLnBrk="0" hangingPunct="1">
+              <a:lnSpc>
+                <a:spcPct val="90000"/>
+              </a:lnSpc>
+              <a:spcBef>
+                <a:spcPct val="0"/>
+              </a:spcBef>
+              <a:buNone/>
+              <a:defRPr sz="6000" kern="1200">
+                <a:solidFill>
+                  <a:schemeClr val="tx1"/>
+                </a:solidFill>
+                <a:latin typeface="+mj-lt"/>
+                <a:ea typeface="+mj-ea"/>
+                <a:cs typeface="+mj-cs"/>
+              </a:defRPr>
+            </a:lvl1pPr>
+          </a:lstStyle>
+          <a:p>
+            <a:pPr algn="l"/>
+            <a:endParaRPr lang="en-US" sz="3100" dirty="0"/>
+          </a:p>
+          <a:p>
+            <a:pPr algn="l"/>
+            <a:endParaRPr lang="en-US" sz="3100" dirty="0"/>
+          </a:p>
+          <a:p>
+            <a:pPr algn="l"/>
+            <a:endParaRPr lang="en-US" sz="3100" dirty="0"/>
+          </a:p>
+          <a:p>
+            <a:pPr algn="l"/>
+            <a:endParaRPr lang="en-US" sz="3100" dirty="0"/>
+          </a:p>
+          <a:p>
+            <a:pPr algn="l"/>
+            <a:endParaRPr lang="en-US" sz="3000" dirty="0"/>
+          </a:p>
+          <a:p>
+            <a:pPr algn="l"/>
+            <a:endParaRPr lang="en-US" sz="3000" dirty="0"/>
+          </a:p>
+        </p:txBody>
+      </p:sp>
+      <p:sp>
+        <p:nvSpPr>
+          <p:cNvPr id="38" name="Title 1">
+            <a:extLst>
+              <a:ext uri="{FF2B5EF4-FFF2-40B4-BE49-F238E27FC236}">
+                <a16:creationId xmlns:a16="http://schemas.microsoft.com/office/drawing/2014/main" id="{85194D96-4E26-6A5A-5AB5-02AFD53E7543}"/>
+              </a:ext>
+            </a:extLst>
+          </p:cNvPr>
+          <p:cNvSpPr>
+            <a:spLocks noGrp="1"/>
+          </p:cNvSpPr>
+          <p:nvPr>
+            <p:ph type="ctrTitle"/>
+          </p:nvPr>
+        </p:nvSpPr>
+        <p:spPr>
+          <a:xfrm>
+            <a:off x="1128386" y="415731"/>
+            <a:ext cx="9935227" cy="718459"/>
+          </a:xfrm>
+        </p:spPr>
+        <p:txBody>
+          <a:bodyPr>
+            <a:noAutofit/>
+          </a:bodyPr>
+          <a:lstStyle/>
+          <a:p>
+            <a:r>
+              <a:rPr lang="en-US" sz="4500" b="1" dirty="0"/>
+              <a:t>W</a:t>
+            </a:r>
+            <a:r>
+              <a:rPr lang="en-PH" sz="4500" b="1" dirty="0"/>
+              <a:t>hat is Descriptive Statistics?</a:t>
+            </a:r>
+          </a:p>
+        </p:txBody>
+      </p:sp>
+      <p:sp>
+        <p:nvSpPr>
+          <p:cNvPr id="39" name="Footer Placeholder 3">
+            <a:extLst>
+              <a:ext uri="{FF2B5EF4-FFF2-40B4-BE49-F238E27FC236}">
+                <a16:creationId xmlns:a16="http://schemas.microsoft.com/office/drawing/2014/main" id="{77EF4DA7-E5CF-896F-45E0-B1D58FD59B96}"/>
+              </a:ext>
+            </a:extLst>
+          </p:cNvPr>
+          <p:cNvSpPr>
+            <a:spLocks noGrp="1"/>
+          </p:cNvSpPr>
+          <p:nvPr>
+            <p:ph type="ftr" sz="quarter" idx="11"/>
+          </p:nvPr>
+        </p:nvSpPr>
+        <p:spPr>
+          <a:xfrm>
+            <a:off x="0" y="6139541"/>
+            <a:ext cx="12192000" cy="718459"/>
+          </a:xfrm>
+          <a:ln w="28575">
+            <a:solidFill>
+              <a:schemeClr val="accent5">
+                <a:lumMod val="50000"/>
+              </a:schemeClr>
+            </a:solidFill>
+          </a:ln>
+        </p:spPr>
+        <p:txBody>
+          <a:bodyPr/>
+          <a:lstStyle/>
+          <a:p>
+            <a:pPr lvl="1" algn="r"/>
+            <a:r>
+              <a:rPr lang="en-US" sz="1200" b="1" dirty="0"/>
+              <a:t>CCDATS1L</a:t>
+            </a:r>
+            <a:endParaRPr lang="en-PH" sz="1200" b="1" dirty="0"/>
+          </a:p>
+        </p:txBody>
+      </p:sp>
+      <p:sp>
+        <p:nvSpPr>
+          <p:cNvPr id="4" name="TextBox 3">
+            <a:extLst>
+              <a:ext uri="{FF2B5EF4-FFF2-40B4-BE49-F238E27FC236}">
+                <a16:creationId xmlns:a16="http://schemas.microsoft.com/office/drawing/2014/main" id="{4203C0C4-7C82-D208-A8B3-1AE6E9099A3C}"/>
+              </a:ext>
+            </a:extLst>
+          </p:cNvPr>
+          <p:cNvSpPr txBox="1"/>
+          <p:nvPr/>
+        </p:nvSpPr>
+        <p:spPr>
+          <a:xfrm>
+            <a:off x="639918" y="1354768"/>
+            <a:ext cx="10912162" cy="2862322"/>
+          </a:xfrm>
+          <a:prstGeom prst="rect">
+            <a:avLst/>
+          </a:prstGeom>
+          <a:noFill/>
+        </p:spPr>
+        <p:txBody>
+          <a:bodyPr wrap="square" rtlCol="0">
+            <a:spAutoFit/>
+          </a:bodyPr>
+          <a:lstStyle/>
+          <a:p>
+            <a:pPr eaLnBrk="1" hangingPunct="1"/>
+            <a:r>
+              <a:rPr lang="en-PH" sz="3000" dirty="0"/>
+              <a:t>Statistics is the science, or a branch of mathematics that involves collecting, classifying, analyzing, interpreting, and presenting numerical facts and data.</a:t>
+            </a:r>
+          </a:p>
+          <a:p>
+            <a:pPr eaLnBrk="1" hangingPunct="1"/>
+            <a:endParaRPr lang="en-PH" sz="3000" dirty="0"/>
+          </a:p>
+          <a:p>
+            <a:pPr eaLnBrk="1" hangingPunct="1"/>
+            <a:r>
+              <a:rPr lang="en-PH" sz="3000" dirty="0"/>
+              <a:t>Statistics further breaks down into two types: </a:t>
+            </a:r>
+            <a:r>
+              <a:rPr lang="en-PH" sz="3000" b="1" dirty="0">
+                <a:solidFill>
+                  <a:srgbClr val="00B050"/>
+                </a:solidFill>
+              </a:rPr>
+              <a:t>descriptive statistics</a:t>
+            </a:r>
+            <a:r>
+              <a:rPr lang="en-PH" sz="3000" dirty="0"/>
+              <a:t> and </a:t>
+            </a:r>
+            <a:r>
+              <a:rPr lang="en-PH" sz="3000" b="1" dirty="0">
+                <a:solidFill>
+                  <a:srgbClr val="FF0000"/>
+                </a:solidFill>
+              </a:rPr>
+              <a:t>inferential statistics</a:t>
+            </a:r>
+          </a:p>
+        </p:txBody>
+      </p:sp>
+    </p:spTree>
+    <p:extLst>
+      <p:ext uri="{BB962C8B-B14F-4D97-AF65-F5344CB8AC3E}">
+        <p14:creationId xmlns:p14="http://schemas.microsoft.com/office/powerpoint/2010/main" val="2405133159"/>
+      </p:ext>
+    </p:extLst>
+  </p:cSld>
+  <p:clrMapOvr>
+    <a:masterClrMapping/>
+  </p:clrMapOvr>
+</p:sld>
+</file>
+
+<file path=ppt/slides/slide4.xml><?xml version="1.0" encoding="utf-8"?>
+<p:sld xmlns:a="http://schemas.openxmlformats.org/drawingml/2006/main" xmlns:r="http://schemas.openxmlformats.org/officeDocument/2006/relationships" xmlns:p="http://schemas.openxmlformats.org/presentationml/2006/main">
+  <p:cSld>
+    <p:bg>
+      <p:bgPr>
+        <a:blipFill dpi="0" rotWithShape="1">
+          <a:blip r:embed="rId3">
+            <a:alphaModFix amt="99000"/>
+            <a:lum/>
+          </a:blip>
+          <a:srcRect/>
+          <a:stretch>
+            <a:fillRect t="89000" r="85000" b="-1000"/>
+          </a:stretch>
+        </a:blipFill>
+        <a:effectLst/>
+      </p:bgPr>
+    </p:bg>
+    <p:spTree>
+      <p:nvGrpSpPr>
+        <p:cNvPr id="1" name=""/>
+        <p:cNvGrpSpPr/>
+        <p:nvPr/>
+      </p:nvGrpSpPr>
+      <p:grpSpPr>
+        <a:xfrm>
+          <a:off x="0" y="0"/>
+          <a:ext cx="0" cy="0"/>
+          <a:chOff x="0" y="0"/>
+          <a:chExt cx="0" cy="0"/>
+        </a:xfrm>
+      </p:grpSpPr>
+      <p:sp>
+        <p:nvSpPr>
+          <p:cNvPr id="5" name="Title 1">
+            <a:extLst>
+              <a:ext uri="{FF2B5EF4-FFF2-40B4-BE49-F238E27FC236}">
+                <a16:creationId xmlns:a16="http://schemas.microsoft.com/office/drawing/2014/main" id="{3444037F-B658-D82C-5DCA-53E8AA1493D7}"/>
+              </a:ext>
+            </a:extLst>
+          </p:cNvPr>
+          <p:cNvSpPr txBox="1">
+            <a:spLocks/>
+          </p:cNvSpPr>
+          <p:nvPr/>
+        </p:nvSpPr>
+        <p:spPr>
+          <a:xfrm>
+            <a:off x="1524000" y="1516449"/>
+            <a:ext cx="9144000" cy="4290585"/>
+          </a:xfrm>
+          <a:prstGeom prst="rect">
+            <a:avLst/>
+          </a:prstGeom>
+        </p:spPr>
+        <p:txBody>
+          <a:bodyPr vert="horz" lIns="91440" tIns="45720" rIns="91440" bIns="45720" rtlCol="0" anchor="b">
+            <a:normAutofit fontScale="97500"/>
+          </a:bodyPr>
+          <a:lstStyle>
+            <a:lvl1pPr algn="ctr" defTabSz="914400" rtl="0" eaLnBrk="1" latinLnBrk="0" hangingPunct="1">
+              <a:lnSpc>
+                <a:spcPct val="90000"/>
+              </a:lnSpc>
+              <a:spcBef>
+                <a:spcPct val="0"/>
+              </a:spcBef>
+              <a:buNone/>
+              <a:defRPr sz="6000" kern="1200">
+                <a:solidFill>
+                  <a:schemeClr val="tx1"/>
+                </a:solidFill>
+                <a:latin typeface="+mj-lt"/>
+                <a:ea typeface="+mj-ea"/>
+                <a:cs typeface="+mj-cs"/>
+              </a:defRPr>
+            </a:lvl1pPr>
+          </a:lstStyle>
+          <a:p>
+            <a:pPr algn="l"/>
+            <a:endParaRPr lang="en-US" sz="3100" dirty="0"/>
+          </a:p>
+          <a:p>
+            <a:pPr algn="l"/>
+            <a:endParaRPr lang="en-US" sz="3100" dirty="0"/>
+          </a:p>
+          <a:p>
+            <a:pPr algn="l"/>
+            <a:endParaRPr lang="en-US" sz="3100" dirty="0"/>
+          </a:p>
+          <a:p>
+            <a:pPr algn="l"/>
+            <a:endParaRPr lang="en-US" sz="3100" dirty="0"/>
+          </a:p>
+          <a:p>
+            <a:pPr algn="l"/>
+            <a:endParaRPr lang="en-US" sz="3000" dirty="0"/>
+          </a:p>
+          <a:p>
+            <a:pPr algn="l"/>
+            <a:endParaRPr lang="en-US" sz="3000" dirty="0"/>
+          </a:p>
+        </p:txBody>
+      </p:sp>
+      <p:sp>
+        <p:nvSpPr>
+          <p:cNvPr id="38" name="Title 1">
+            <a:extLst>
+              <a:ext uri="{FF2B5EF4-FFF2-40B4-BE49-F238E27FC236}">
+                <a16:creationId xmlns:a16="http://schemas.microsoft.com/office/drawing/2014/main" id="{85194D96-4E26-6A5A-5AB5-02AFD53E7543}"/>
+              </a:ext>
+            </a:extLst>
+          </p:cNvPr>
+          <p:cNvSpPr>
+            <a:spLocks noGrp="1"/>
+          </p:cNvSpPr>
+          <p:nvPr>
+            <p:ph type="ctrTitle"/>
+          </p:nvPr>
+        </p:nvSpPr>
+        <p:spPr>
+          <a:xfrm>
+            <a:off x="1128386" y="415731"/>
+            <a:ext cx="9935227" cy="718459"/>
+          </a:xfrm>
+        </p:spPr>
+        <p:txBody>
+          <a:bodyPr>
+            <a:noAutofit/>
+          </a:bodyPr>
+          <a:lstStyle/>
+          <a:p>
+            <a:r>
+              <a:rPr lang="en-US" sz="4500" b="1" dirty="0"/>
+              <a:t>W</a:t>
+            </a:r>
+            <a:r>
+              <a:rPr lang="en-PH" sz="4500" b="1" dirty="0"/>
+              <a:t>hat is Descriptive Statistics?</a:t>
+            </a:r>
+          </a:p>
+        </p:txBody>
+      </p:sp>
+      <p:sp>
+        <p:nvSpPr>
+          <p:cNvPr id="39" name="Footer Placeholder 3">
+            <a:extLst>
+              <a:ext uri="{FF2B5EF4-FFF2-40B4-BE49-F238E27FC236}">
+                <a16:creationId xmlns:a16="http://schemas.microsoft.com/office/drawing/2014/main" id="{77EF4DA7-E5CF-896F-45E0-B1D58FD59B96}"/>
+              </a:ext>
+            </a:extLst>
+          </p:cNvPr>
+          <p:cNvSpPr>
+            <a:spLocks noGrp="1"/>
+          </p:cNvSpPr>
+          <p:nvPr>
+            <p:ph type="ftr" sz="quarter" idx="11"/>
+          </p:nvPr>
+        </p:nvSpPr>
+        <p:spPr>
+          <a:xfrm>
+            <a:off x="0" y="6139541"/>
+            <a:ext cx="12192000" cy="718459"/>
+          </a:xfrm>
+          <a:ln w="28575">
+            <a:solidFill>
+              <a:schemeClr val="accent5">
+                <a:lumMod val="50000"/>
+              </a:schemeClr>
+            </a:solidFill>
+          </a:ln>
+        </p:spPr>
+        <p:txBody>
+          <a:bodyPr/>
+          <a:lstStyle/>
+          <a:p>
+            <a:pPr lvl="1" algn="r"/>
+            <a:r>
+              <a:rPr lang="en-US" sz="1200" b="1" dirty="0"/>
+              <a:t>CCDATS1L</a:t>
+            </a:r>
+            <a:endParaRPr lang="en-PH" sz="1200" b="1" dirty="0"/>
+          </a:p>
+        </p:txBody>
+      </p:sp>
+      <p:sp>
+        <p:nvSpPr>
+          <p:cNvPr id="4" name="TextBox 3">
+            <a:extLst>
+              <a:ext uri="{FF2B5EF4-FFF2-40B4-BE49-F238E27FC236}">
+                <a16:creationId xmlns:a16="http://schemas.microsoft.com/office/drawing/2014/main" id="{4203C0C4-7C82-D208-A8B3-1AE6E9099A3C}"/>
+              </a:ext>
+            </a:extLst>
+          </p:cNvPr>
+          <p:cNvSpPr txBox="1"/>
+          <p:nvPr/>
+        </p:nvSpPr>
+        <p:spPr>
+          <a:xfrm>
+            <a:off x="639918" y="1354768"/>
+            <a:ext cx="10912162" cy="3323987"/>
+          </a:xfrm>
+          <a:prstGeom prst="rect">
+            <a:avLst/>
+          </a:prstGeom>
+          <a:noFill/>
+        </p:spPr>
+        <p:txBody>
+          <a:bodyPr wrap="square" rtlCol="0">
+            <a:spAutoFit/>
+          </a:bodyPr>
+          <a:lstStyle/>
+          <a:p>
+            <a:pPr eaLnBrk="1" hangingPunct="1"/>
+            <a:r>
+              <a:rPr lang="en-PH" sz="3000" b="1" dirty="0">
+                <a:solidFill>
+                  <a:srgbClr val="00B050"/>
+                </a:solidFill>
+              </a:rPr>
+              <a:t>Descriptive statistics </a:t>
+            </a:r>
+            <a:r>
+              <a:rPr lang="en-PH" sz="3000" dirty="0"/>
+              <a:t>refers to a branch of statistics that involves </a:t>
+            </a:r>
+            <a:r>
+              <a:rPr lang="en-PH" sz="3000" b="1" dirty="0">
+                <a:solidFill>
+                  <a:srgbClr val="00B0F0"/>
+                </a:solidFill>
+              </a:rPr>
+              <a:t>summarizing, organizing, and presenting data meaningfully and concisely.</a:t>
+            </a:r>
+          </a:p>
+          <a:p>
+            <a:pPr eaLnBrk="1" hangingPunct="1"/>
+            <a:endParaRPr lang="en-PH" sz="3000" dirty="0"/>
+          </a:p>
+          <a:p>
+            <a:pPr eaLnBrk="1" hangingPunct="1"/>
+            <a:r>
+              <a:rPr lang="en-PH" sz="3000" dirty="0"/>
+              <a:t>It focuses on describing and analyzing a dataset's main features and characteristics </a:t>
+            </a:r>
+            <a:r>
+              <a:rPr lang="en-PH" sz="3000" b="1" dirty="0">
+                <a:solidFill>
+                  <a:srgbClr val="00B0F0"/>
+                </a:solidFill>
+              </a:rPr>
+              <a:t>without making any generalizations or inferences to a larger population</a:t>
+            </a:r>
+            <a:r>
+              <a:rPr lang="en-PH" sz="3000" dirty="0"/>
+              <a:t>.</a:t>
+            </a:r>
+          </a:p>
+        </p:txBody>
+      </p:sp>
+    </p:spTree>
+    <p:extLst>
+      <p:ext uri="{BB962C8B-B14F-4D97-AF65-F5344CB8AC3E}">
+        <p14:creationId xmlns:p14="http://schemas.microsoft.com/office/powerpoint/2010/main" val="3851344534"/>
+      </p:ext>
+    </p:extLst>
+  </p:cSld>
+  <p:clrMapOvr>
+    <a:masterClrMapping/>
+  </p:clrMapOvr>
+</p:sld>
+</file>
+
+<file path=ppt/slides/slide5.xml><?xml version="1.0" encoding="utf-8"?>
+<p:sld xmlns:a="http://schemas.openxmlformats.org/drawingml/2006/main" xmlns:r="http://schemas.openxmlformats.org/officeDocument/2006/relationships" xmlns:p="http://schemas.openxmlformats.org/presentationml/2006/main">
+  <p:cSld>
+    <p:bg>
+      <p:bgPr>
+        <a:blipFill dpi="0" rotWithShape="1">
+          <a:blip r:embed="rId3">
+            <a:alphaModFix amt="99000"/>
+            <a:lum/>
+          </a:blip>
+          <a:srcRect/>
+          <a:stretch>
+            <a:fillRect t="89000" r="85000" b="-1000"/>
+          </a:stretch>
+        </a:blipFill>
+        <a:effectLst/>
+      </p:bgPr>
+    </p:bg>
+    <p:spTree>
+      <p:nvGrpSpPr>
+        <p:cNvPr id="1" name=""/>
+        <p:cNvGrpSpPr/>
+        <p:nvPr/>
+      </p:nvGrpSpPr>
+      <p:grpSpPr>
+        <a:xfrm>
+          <a:off x="0" y="0"/>
+          <a:ext cx="0" cy="0"/>
+          <a:chOff x="0" y="0"/>
+          <a:chExt cx="0" cy="0"/>
+        </a:xfrm>
+      </p:grpSpPr>
+      <p:sp>
+        <p:nvSpPr>
+          <p:cNvPr id="5" name="Title 1">
+            <a:extLst>
+              <a:ext uri="{FF2B5EF4-FFF2-40B4-BE49-F238E27FC236}">
+                <a16:creationId xmlns:a16="http://schemas.microsoft.com/office/drawing/2014/main" id="{3444037F-B658-D82C-5DCA-53E8AA1493D7}"/>
+              </a:ext>
+            </a:extLst>
+          </p:cNvPr>
+          <p:cNvSpPr txBox="1">
+            <a:spLocks/>
+          </p:cNvSpPr>
+          <p:nvPr/>
+        </p:nvSpPr>
+        <p:spPr>
+          <a:xfrm>
+            <a:off x="1524000" y="1516449"/>
+            <a:ext cx="9144000" cy="4290585"/>
+          </a:xfrm>
+          <a:prstGeom prst="rect">
+            <a:avLst/>
+          </a:prstGeom>
+        </p:spPr>
+        <p:txBody>
+          <a:bodyPr vert="horz" lIns="91440" tIns="45720" rIns="91440" bIns="45720" rtlCol="0" anchor="b">
+            <a:normAutofit fontScale="97500"/>
+          </a:bodyPr>
+          <a:lstStyle>
+            <a:lvl1pPr algn="ctr" defTabSz="914400" rtl="0" eaLnBrk="1" latinLnBrk="0" hangingPunct="1">
+              <a:lnSpc>
+                <a:spcPct val="90000"/>
+              </a:lnSpc>
+              <a:spcBef>
+                <a:spcPct val="0"/>
+              </a:spcBef>
+              <a:buNone/>
+              <a:defRPr sz="6000" kern="1200">
+                <a:solidFill>
+                  <a:schemeClr val="tx1"/>
+                </a:solidFill>
+                <a:latin typeface="+mj-lt"/>
+                <a:ea typeface="+mj-ea"/>
+                <a:cs typeface="+mj-cs"/>
+              </a:defRPr>
+            </a:lvl1pPr>
+          </a:lstStyle>
+          <a:p>
+            <a:pPr algn="l"/>
+            <a:endParaRPr lang="en-US" sz="3100" dirty="0"/>
+          </a:p>
+          <a:p>
+            <a:pPr algn="l"/>
+            <a:endParaRPr lang="en-US" sz="3100" dirty="0"/>
+          </a:p>
+          <a:p>
+            <a:pPr algn="l"/>
+            <a:endParaRPr lang="en-US" sz="3100" dirty="0"/>
+          </a:p>
+          <a:p>
+            <a:pPr algn="l"/>
+            <a:endParaRPr lang="en-US" sz="3100" dirty="0"/>
+          </a:p>
+          <a:p>
+            <a:pPr algn="l"/>
+            <a:endParaRPr lang="en-US" sz="3000" dirty="0"/>
+          </a:p>
+          <a:p>
+            <a:pPr algn="l"/>
+            <a:endParaRPr lang="en-US" sz="3000" dirty="0"/>
+          </a:p>
+        </p:txBody>
+      </p:sp>
+      <p:sp>
+        <p:nvSpPr>
+          <p:cNvPr id="38" name="Title 1">
+            <a:extLst>
+              <a:ext uri="{FF2B5EF4-FFF2-40B4-BE49-F238E27FC236}">
+                <a16:creationId xmlns:a16="http://schemas.microsoft.com/office/drawing/2014/main" id="{85194D96-4E26-6A5A-5AB5-02AFD53E7543}"/>
+              </a:ext>
+            </a:extLst>
+          </p:cNvPr>
+          <p:cNvSpPr>
+            <a:spLocks noGrp="1"/>
+          </p:cNvSpPr>
+          <p:nvPr>
+            <p:ph type="ctrTitle"/>
+          </p:nvPr>
+        </p:nvSpPr>
+        <p:spPr>
+          <a:xfrm>
+            <a:off x="1128386" y="415731"/>
+            <a:ext cx="9935227" cy="718459"/>
+          </a:xfrm>
+        </p:spPr>
+        <p:txBody>
+          <a:bodyPr>
+            <a:noAutofit/>
+          </a:bodyPr>
+          <a:lstStyle/>
+          <a:p>
+            <a:r>
+              <a:rPr lang="en-US" sz="4500" b="1" dirty="0"/>
+              <a:t>W</a:t>
+            </a:r>
+            <a:r>
+              <a:rPr lang="en-PH" sz="4500" b="1" dirty="0"/>
+              <a:t>hat is Descriptive Statistics?</a:t>
+            </a:r>
+          </a:p>
+        </p:txBody>
+      </p:sp>
+      <p:sp>
+        <p:nvSpPr>
+          <p:cNvPr id="39" name="Footer Placeholder 3">
+            <a:extLst>
+              <a:ext uri="{FF2B5EF4-FFF2-40B4-BE49-F238E27FC236}">
+                <a16:creationId xmlns:a16="http://schemas.microsoft.com/office/drawing/2014/main" id="{77EF4DA7-E5CF-896F-45E0-B1D58FD59B96}"/>
+              </a:ext>
+            </a:extLst>
+          </p:cNvPr>
+          <p:cNvSpPr>
+            <a:spLocks noGrp="1"/>
+          </p:cNvSpPr>
+          <p:nvPr>
+            <p:ph type="ftr" sz="quarter" idx="11"/>
+          </p:nvPr>
+        </p:nvSpPr>
+        <p:spPr>
+          <a:xfrm>
+            <a:off x="0" y="6139541"/>
+            <a:ext cx="12192000" cy="718459"/>
+          </a:xfrm>
+          <a:ln w="28575">
+            <a:solidFill>
+              <a:schemeClr val="accent5">
+                <a:lumMod val="50000"/>
+              </a:schemeClr>
+            </a:solidFill>
+          </a:ln>
+        </p:spPr>
+        <p:txBody>
+          <a:bodyPr/>
+          <a:lstStyle/>
+          <a:p>
+            <a:pPr lvl="1" algn="r"/>
+            <a:r>
+              <a:rPr lang="en-US" sz="1200" b="1" dirty="0"/>
+              <a:t>CCDATS1L</a:t>
+            </a:r>
+            <a:endParaRPr lang="en-PH" sz="1200" b="1" dirty="0"/>
+          </a:p>
+        </p:txBody>
+      </p:sp>
+      <p:sp>
+        <p:nvSpPr>
+          <p:cNvPr id="4" name="TextBox 3">
+            <a:extLst>
+              <a:ext uri="{FF2B5EF4-FFF2-40B4-BE49-F238E27FC236}">
+                <a16:creationId xmlns:a16="http://schemas.microsoft.com/office/drawing/2014/main" id="{4203C0C4-7C82-D208-A8B3-1AE6E9099A3C}"/>
+              </a:ext>
+            </a:extLst>
+          </p:cNvPr>
+          <p:cNvSpPr txBox="1"/>
+          <p:nvPr/>
+        </p:nvSpPr>
+        <p:spPr>
+          <a:xfrm>
+            <a:off x="639918" y="1354768"/>
+            <a:ext cx="10912162" cy="2400657"/>
+          </a:xfrm>
+          <a:prstGeom prst="rect">
+            <a:avLst/>
+          </a:prstGeom>
+          <a:noFill/>
+        </p:spPr>
+        <p:txBody>
+          <a:bodyPr wrap="square" rtlCol="0">
+            <a:spAutoFit/>
+          </a:bodyPr>
+          <a:lstStyle/>
+          <a:p>
+            <a:pPr eaLnBrk="1" hangingPunct="1"/>
+            <a:r>
+              <a:rPr lang="en-PH" sz="3000" dirty="0"/>
+              <a:t>The primary goal of descriptive statistics is to provide a </a:t>
+            </a:r>
+            <a:r>
+              <a:rPr lang="en-PH" sz="3000" b="1" dirty="0">
+                <a:solidFill>
+                  <a:srgbClr val="00B0F0"/>
+                </a:solidFill>
+              </a:rPr>
+              <a:t>clear and concise summary of the data</a:t>
+            </a:r>
+            <a:r>
+              <a:rPr lang="en-PH" sz="3000" dirty="0"/>
+              <a:t>, enabling researchers or analysts to gain insights and understand patterns, trends, and distributions within the dataset. </a:t>
+            </a:r>
+          </a:p>
+          <a:p>
+            <a:pPr eaLnBrk="1" hangingPunct="1"/>
+            <a:endParaRPr lang="en-PH" sz="3000" dirty="0"/>
+          </a:p>
+        </p:txBody>
+      </p:sp>
+    </p:spTree>
+    <p:extLst>
+      <p:ext uri="{BB962C8B-B14F-4D97-AF65-F5344CB8AC3E}">
+        <p14:creationId xmlns:p14="http://schemas.microsoft.com/office/powerpoint/2010/main" val="4053291644"/>
+      </p:ext>
+    </p:extLst>
+  </p:cSld>
+  <p:clrMapOvr>
+    <a:masterClrMapping/>
+  </p:clrMapOvr>
+</p:sld>
+</file>
+
+<file path=ppt/slides/slide6.xml><?xml version="1.0" encoding="utf-8"?>
+<p:sld xmlns:a="http://schemas.openxmlformats.org/drawingml/2006/main" xmlns:r="http://schemas.openxmlformats.org/officeDocument/2006/relationships" xmlns:p="http://schemas.openxmlformats.org/presentationml/2006/main">
+  <p:cSld>
+    <p:bg>
+      <p:bgPr>
+        <a:blipFill dpi="0" rotWithShape="1">
+          <a:blip r:embed="rId3">
+            <a:alphaModFix amt="99000"/>
+            <a:lum/>
+          </a:blip>
+          <a:srcRect/>
+          <a:stretch>
+            <a:fillRect t="89000" r="85000" b="-1000"/>
+          </a:stretch>
+        </a:blipFill>
+        <a:effectLst/>
+      </p:bgPr>
+    </p:bg>
+    <p:spTree>
+      <p:nvGrpSpPr>
+        <p:cNvPr id="1" name=""/>
+        <p:cNvGrpSpPr/>
+        <p:nvPr/>
+      </p:nvGrpSpPr>
+      <p:grpSpPr>
+        <a:xfrm>
+          <a:off x="0" y="0"/>
+          <a:ext cx="0" cy="0"/>
+          <a:chOff x="0" y="0"/>
+          <a:chExt cx="0" cy="0"/>
+        </a:xfrm>
+      </p:grpSpPr>
+      <p:sp>
+        <p:nvSpPr>
+          <p:cNvPr id="5" name="Title 1">
+            <a:extLst>
+              <a:ext uri="{FF2B5EF4-FFF2-40B4-BE49-F238E27FC236}">
+                <a16:creationId xmlns:a16="http://schemas.microsoft.com/office/drawing/2014/main" id="{3444037F-B658-D82C-5DCA-53E8AA1493D7}"/>
+              </a:ext>
+            </a:extLst>
+          </p:cNvPr>
+          <p:cNvSpPr txBox="1">
+            <a:spLocks/>
+          </p:cNvSpPr>
+          <p:nvPr/>
+        </p:nvSpPr>
+        <p:spPr>
+          <a:xfrm>
+            <a:off x="1524000" y="1516449"/>
+            <a:ext cx="9144000" cy="4290585"/>
+          </a:xfrm>
+          <a:prstGeom prst="rect">
+            <a:avLst/>
+          </a:prstGeom>
+        </p:spPr>
+        <p:txBody>
+          <a:bodyPr vert="horz" lIns="91440" tIns="45720" rIns="91440" bIns="45720" rtlCol="0" anchor="b">
+            <a:normAutofit fontScale="97500"/>
+          </a:bodyPr>
+          <a:lstStyle>
+            <a:lvl1pPr algn="ctr" defTabSz="914400" rtl="0" eaLnBrk="1" latinLnBrk="0" hangingPunct="1">
+              <a:lnSpc>
+                <a:spcPct val="90000"/>
+              </a:lnSpc>
+              <a:spcBef>
+                <a:spcPct val="0"/>
+              </a:spcBef>
+              <a:buNone/>
+              <a:defRPr sz="6000" kern="1200">
+                <a:solidFill>
+                  <a:schemeClr val="tx1"/>
+                </a:solidFill>
+                <a:latin typeface="+mj-lt"/>
+                <a:ea typeface="+mj-ea"/>
+                <a:cs typeface="+mj-cs"/>
+              </a:defRPr>
+            </a:lvl1pPr>
+          </a:lstStyle>
+          <a:p>
+            <a:pPr algn="l"/>
+            <a:endParaRPr lang="en-US" sz="3100" dirty="0"/>
+          </a:p>
+          <a:p>
+            <a:pPr algn="l"/>
+            <a:endParaRPr lang="en-US" sz="3100" dirty="0"/>
+          </a:p>
+          <a:p>
+            <a:pPr algn="l"/>
+            <a:endParaRPr lang="en-US" sz="3100" dirty="0"/>
+          </a:p>
+          <a:p>
+            <a:pPr algn="l"/>
+            <a:endParaRPr lang="en-US" sz="3100" dirty="0"/>
+          </a:p>
+          <a:p>
+            <a:pPr algn="l"/>
+            <a:endParaRPr lang="en-US" sz="3000" dirty="0"/>
+          </a:p>
+          <a:p>
+            <a:pPr algn="l"/>
+            <a:endParaRPr lang="en-US" sz="3000" dirty="0"/>
+          </a:p>
+        </p:txBody>
+      </p:sp>
+      <p:sp>
+        <p:nvSpPr>
+          <p:cNvPr id="38" name="Title 1">
+            <a:extLst>
+              <a:ext uri="{FF2B5EF4-FFF2-40B4-BE49-F238E27FC236}">
+                <a16:creationId xmlns:a16="http://schemas.microsoft.com/office/drawing/2014/main" id="{85194D96-4E26-6A5A-5AB5-02AFD53E7543}"/>
+              </a:ext>
+            </a:extLst>
+          </p:cNvPr>
+          <p:cNvSpPr>
+            <a:spLocks noGrp="1"/>
+          </p:cNvSpPr>
+          <p:nvPr>
+            <p:ph type="ctrTitle"/>
+          </p:nvPr>
+        </p:nvSpPr>
+        <p:spPr>
+          <a:xfrm>
+            <a:off x="1128386" y="415731"/>
+            <a:ext cx="9935227" cy="718459"/>
+          </a:xfrm>
+        </p:spPr>
+        <p:txBody>
+          <a:bodyPr>
+            <a:noAutofit/>
+          </a:bodyPr>
+          <a:lstStyle/>
+          <a:p>
+            <a:r>
+              <a:rPr lang="en-PH" sz="4500" b="1" dirty="0"/>
+              <a:t>Descriptive and Inferential Statistics</a:t>
+            </a:r>
+          </a:p>
+        </p:txBody>
+      </p:sp>
+      <p:sp>
+        <p:nvSpPr>
+          <p:cNvPr id="39" name="Footer Placeholder 3">
+            <a:extLst>
+              <a:ext uri="{FF2B5EF4-FFF2-40B4-BE49-F238E27FC236}">
+                <a16:creationId xmlns:a16="http://schemas.microsoft.com/office/drawing/2014/main" id="{77EF4DA7-E5CF-896F-45E0-B1D58FD59B96}"/>
+              </a:ext>
+            </a:extLst>
+          </p:cNvPr>
+          <p:cNvSpPr>
+            <a:spLocks noGrp="1"/>
+          </p:cNvSpPr>
+          <p:nvPr>
+            <p:ph type="ftr" sz="quarter" idx="11"/>
+          </p:nvPr>
+        </p:nvSpPr>
+        <p:spPr>
+          <a:xfrm>
+            <a:off x="0" y="6139541"/>
+            <a:ext cx="12192000" cy="718459"/>
+          </a:xfrm>
+          <a:ln w="28575">
+            <a:solidFill>
+              <a:schemeClr val="accent5">
+                <a:lumMod val="50000"/>
+              </a:schemeClr>
+            </a:solidFill>
+          </a:ln>
+        </p:spPr>
+        <p:txBody>
+          <a:bodyPr/>
+          <a:lstStyle/>
+          <a:p>
+            <a:pPr lvl="1" algn="r"/>
+            <a:r>
+              <a:rPr lang="en-US" sz="1200" b="1" dirty="0"/>
+              <a:t>CCDATS1L</a:t>
+            </a:r>
+            <a:endParaRPr lang="en-PH" sz="1200" b="1" dirty="0"/>
+          </a:p>
+        </p:txBody>
+      </p:sp>
+      <p:sp>
+        <p:nvSpPr>
+          <p:cNvPr id="4" name="TextBox 3">
+            <a:extLst>
+              <a:ext uri="{FF2B5EF4-FFF2-40B4-BE49-F238E27FC236}">
+                <a16:creationId xmlns:a16="http://schemas.microsoft.com/office/drawing/2014/main" id="{4203C0C4-7C82-D208-A8B3-1AE6E9099A3C}"/>
+              </a:ext>
+            </a:extLst>
+          </p:cNvPr>
+          <p:cNvSpPr txBox="1"/>
+          <p:nvPr/>
+        </p:nvSpPr>
+        <p:spPr>
+          <a:xfrm>
+            <a:off x="639918" y="1354768"/>
+            <a:ext cx="10912162" cy="4708981"/>
+          </a:xfrm>
+          <a:prstGeom prst="rect">
+            <a:avLst/>
+          </a:prstGeom>
+          <a:noFill/>
+        </p:spPr>
+        <p:txBody>
+          <a:bodyPr wrap="square" rtlCol="0">
+            <a:spAutoFit/>
+          </a:bodyPr>
+          <a:lstStyle/>
+          <a:p>
+            <a:pPr eaLnBrk="1" hangingPunct="1"/>
+            <a:r>
+              <a:rPr lang="en-PH" sz="3000" b="0" i="0" u="none" strike="noStrike" dirty="0">
+                <a:effectLst/>
+              </a:rPr>
+              <a:t>Descriptive statistics give you a clear picture of what your current data shows. </a:t>
+            </a:r>
+          </a:p>
+          <a:p>
+            <a:pPr eaLnBrk="1" hangingPunct="1"/>
+            <a:endParaRPr lang="en-PH" sz="3000" dirty="0"/>
+          </a:p>
+          <a:p>
+            <a:pPr eaLnBrk="1" hangingPunct="1"/>
+            <a:r>
+              <a:rPr lang="en-PH" sz="3000" b="0" i="0" u="none" strike="noStrike" dirty="0">
+                <a:effectLst/>
+              </a:rPr>
+              <a:t>Inferential statistics makes projections based on that data.</a:t>
+            </a:r>
+          </a:p>
+          <a:p>
+            <a:pPr eaLnBrk="1" hangingPunct="1"/>
+            <a:endParaRPr lang="en-PH" sz="3000" dirty="0"/>
+          </a:p>
+          <a:p>
+            <a:pPr eaLnBrk="1" hangingPunct="1"/>
+            <a:r>
+              <a:rPr lang="en-PH" sz="3000" dirty="0"/>
+              <a:t>Inferential statistics takes a random sample of data from a portion of the population and describes and makes inferences about the entire population.</a:t>
+            </a:r>
+          </a:p>
+          <a:p>
+            <a:pPr eaLnBrk="1" hangingPunct="1"/>
+            <a:endParaRPr lang="en-PH" sz="3000" dirty="0"/>
+          </a:p>
+          <a:p>
+            <a:pPr eaLnBrk="1" hangingPunct="1"/>
+            <a:r>
+              <a:rPr lang="en-PH" sz="3000" b="1" dirty="0">
+                <a:solidFill>
+                  <a:srgbClr val="00B0F0"/>
+                </a:solidFill>
+              </a:rPr>
+              <a:t>Inference </a:t>
+            </a:r>
+            <a:r>
+              <a:rPr lang="en-PH" sz="3000" dirty="0"/>
+              <a:t>– a conclusion reached on the basis of evidence.</a:t>
+            </a:r>
+          </a:p>
+        </p:txBody>
+      </p:sp>
+    </p:spTree>
+    <p:extLst>
+      <p:ext uri="{BB962C8B-B14F-4D97-AF65-F5344CB8AC3E}">
+        <p14:creationId xmlns:p14="http://schemas.microsoft.com/office/powerpoint/2010/main" val="1043246519"/>
+      </p:ext>
+    </p:extLst>
+  </p:cSld>
+  <p:clrMapOvr>
+    <a:masterClrMapping/>
+  </p:clrMapOvr>
+</p:sld>
+</file>
+
+<file path=ppt/slides/slide7.xml><?xml version="1.0" encoding="utf-8"?>
+<p:sld xmlns:a="http://schemas.openxmlformats.org/drawingml/2006/main" xmlns:r="http://schemas.openxmlformats.org/officeDocument/2006/relationships" xmlns:p="http://schemas.openxmlformats.org/presentationml/2006/main">
+  <p:cSld>
+    <p:bg>
+      <p:bgPr>
+        <a:blipFill dpi="0" rotWithShape="1">
+          <a:blip r:embed="rId3">
+            <a:alphaModFix amt="99000"/>
+            <a:lum/>
+          </a:blip>
+          <a:srcRect/>
+          <a:stretch>
+            <a:fillRect t="89000" r="85000" b="-1000"/>
+          </a:stretch>
+        </a:blipFill>
+        <a:effectLst/>
+      </p:bgPr>
+    </p:bg>
+    <p:spTree>
+      <p:nvGrpSpPr>
+        <p:cNvPr id="1" name=""/>
+        <p:cNvGrpSpPr/>
+        <p:nvPr/>
+      </p:nvGrpSpPr>
+      <p:grpSpPr>
+        <a:xfrm>
+          <a:off x="0" y="0"/>
+          <a:ext cx="0" cy="0"/>
+          <a:chOff x="0" y="0"/>
+          <a:chExt cx="0" cy="0"/>
+        </a:xfrm>
+      </p:grpSpPr>
+      <p:sp>
+        <p:nvSpPr>
+          <p:cNvPr id="5" name="Title 1">
+            <a:extLst>
+              <a:ext uri="{FF2B5EF4-FFF2-40B4-BE49-F238E27FC236}">
+                <a16:creationId xmlns:a16="http://schemas.microsoft.com/office/drawing/2014/main" id="{3444037F-B658-D82C-5DCA-53E8AA1493D7}"/>
+              </a:ext>
+            </a:extLst>
+          </p:cNvPr>
+          <p:cNvSpPr txBox="1">
+            <a:spLocks/>
+          </p:cNvSpPr>
+          <p:nvPr/>
+        </p:nvSpPr>
+        <p:spPr>
+          <a:xfrm>
+            <a:off x="1524000" y="1516449"/>
+            <a:ext cx="9144000" cy="4290585"/>
+          </a:xfrm>
+          <a:prstGeom prst="rect">
+            <a:avLst/>
+          </a:prstGeom>
+        </p:spPr>
+        <p:txBody>
+          <a:bodyPr vert="horz" lIns="91440" tIns="45720" rIns="91440" bIns="45720" rtlCol="0" anchor="b">
+            <a:normAutofit fontScale="97500"/>
+          </a:bodyPr>
+          <a:lstStyle>
+            <a:lvl1pPr algn="ctr" defTabSz="914400" rtl="0" eaLnBrk="1" latinLnBrk="0" hangingPunct="1">
+              <a:lnSpc>
+                <a:spcPct val="90000"/>
+              </a:lnSpc>
+              <a:spcBef>
+                <a:spcPct val="0"/>
+              </a:spcBef>
+              <a:buNone/>
+              <a:defRPr sz="6000" kern="1200">
+                <a:solidFill>
+                  <a:schemeClr val="tx1"/>
+                </a:solidFill>
+                <a:latin typeface="+mj-lt"/>
+                <a:ea typeface="+mj-ea"/>
+                <a:cs typeface="+mj-cs"/>
+              </a:defRPr>
+            </a:lvl1pPr>
+          </a:lstStyle>
+          <a:p>
+            <a:pPr algn="l"/>
+            <a:endParaRPr lang="en-US" sz="3100" dirty="0"/>
+          </a:p>
+          <a:p>
+            <a:pPr algn="l"/>
+            <a:endParaRPr lang="en-US" sz="3100" dirty="0"/>
+          </a:p>
+          <a:p>
+            <a:pPr algn="l"/>
+            <a:endParaRPr lang="en-US" sz="3100" dirty="0"/>
+          </a:p>
+          <a:p>
+            <a:pPr algn="l"/>
+            <a:endParaRPr lang="en-US" sz="3100" dirty="0"/>
+          </a:p>
+          <a:p>
+            <a:pPr algn="l"/>
+            <a:endParaRPr lang="en-US" sz="3000" dirty="0"/>
+          </a:p>
+          <a:p>
+            <a:pPr algn="l"/>
+            <a:endParaRPr lang="en-US" sz="3000" dirty="0"/>
+          </a:p>
+        </p:txBody>
+      </p:sp>
+      <p:sp>
+        <p:nvSpPr>
+          <p:cNvPr id="38" name="Title 1">
+            <a:extLst>
+              <a:ext uri="{FF2B5EF4-FFF2-40B4-BE49-F238E27FC236}">
+                <a16:creationId xmlns:a16="http://schemas.microsoft.com/office/drawing/2014/main" id="{85194D96-4E26-6A5A-5AB5-02AFD53E7543}"/>
+              </a:ext>
+            </a:extLst>
+          </p:cNvPr>
+          <p:cNvSpPr>
+            <a:spLocks noGrp="1"/>
+          </p:cNvSpPr>
+          <p:nvPr>
+            <p:ph type="ctrTitle"/>
+          </p:nvPr>
+        </p:nvSpPr>
+        <p:spPr>
+          <a:xfrm>
+            <a:off x="1128386" y="415731"/>
+            <a:ext cx="9935227" cy="718459"/>
+          </a:xfrm>
+        </p:spPr>
+        <p:txBody>
+          <a:bodyPr>
+            <a:noAutofit/>
+          </a:bodyPr>
+          <a:lstStyle/>
+          <a:p>
+            <a:r>
+              <a:rPr lang="en-US" sz="4500" b="1" dirty="0"/>
+              <a:t>W</a:t>
+            </a:r>
+            <a:r>
+              <a:rPr lang="en-PH" sz="4500" b="1" dirty="0"/>
+              <a:t>hat is Descriptive Statistics?</a:t>
+            </a:r>
+          </a:p>
+        </p:txBody>
+      </p:sp>
+      <p:sp>
+        <p:nvSpPr>
+          <p:cNvPr id="39" name="Footer Placeholder 3">
+            <a:extLst>
+              <a:ext uri="{FF2B5EF4-FFF2-40B4-BE49-F238E27FC236}">
+                <a16:creationId xmlns:a16="http://schemas.microsoft.com/office/drawing/2014/main" id="{77EF4DA7-E5CF-896F-45E0-B1D58FD59B96}"/>
+              </a:ext>
+            </a:extLst>
+          </p:cNvPr>
+          <p:cNvSpPr>
+            <a:spLocks noGrp="1"/>
+          </p:cNvSpPr>
+          <p:nvPr>
+            <p:ph type="ftr" sz="quarter" idx="11"/>
+          </p:nvPr>
+        </p:nvSpPr>
+        <p:spPr>
+          <a:xfrm>
+            <a:off x="0" y="6139541"/>
+            <a:ext cx="12192000" cy="718459"/>
+          </a:xfrm>
+          <a:ln w="28575">
+            <a:solidFill>
+              <a:schemeClr val="accent5">
+                <a:lumMod val="50000"/>
+              </a:schemeClr>
+            </a:solidFill>
+          </a:ln>
+        </p:spPr>
+        <p:txBody>
+          <a:bodyPr/>
+          <a:lstStyle/>
+          <a:p>
+            <a:pPr lvl="1" algn="r"/>
+            <a:r>
+              <a:rPr lang="en-US" sz="1200" b="1" dirty="0"/>
+              <a:t>CCDATS1L</a:t>
+            </a:r>
+            <a:endParaRPr lang="en-PH" sz="1200" b="1" dirty="0"/>
+          </a:p>
+        </p:txBody>
+      </p:sp>
+      <p:sp>
+        <p:nvSpPr>
+          <p:cNvPr id="4" name="TextBox 3">
+            <a:extLst>
+              <a:ext uri="{FF2B5EF4-FFF2-40B4-BE49-F238E27FC236}">
+                <a16:creationId xmlns:a16="http://schemas.microsoft.com/office/drawing/2014/main" id="{4203C0C4-7C82-D208-A8B3-1AE6E9099A3C}"/>
+              </a:ext>
+            </a:extLst>
+          </p:cNvPr>
+          <p:cNvSpPr txBox="1"/>
+          <p:nvPr/>
+        </p:nvSpPr>
+        <p:spPr>
+          <a:xfrm>
+            <a:off x="639918" y="1354768"/>
+            <a:ext cx="10912162" cy="3785652"/>
+          </a:xfrm>
+          <a:prstGeom prst="rect">
+            <a:avLst/>
+          </a:prstGeom>
+          <a:noFill/>
+        </p:spPr>
+        <p:txBody>
+          <a:bodyPr wrap="square" rtlCol="0">
+            <a:spAutoFit/>
+          </a:bodyPr>
+          <a:lstStyle/>
+          <a:p>
+            <a:r>
+              <a:rPr lang="en-PH" sz="3000" dirty="0"/>
+              <a:t>This summary typically includes measures such as:</a:t>
+            </a:r>
+          </a:p>
+          <a:p>
+            <a:endParaRPr lang="en-PH" sz="3000" dirty="0"/>
+          </a:p>
+          <a:p>
+            <a:pPr marL="514350" indent="-514350">
+              <a:buFont typeface="+mj-lt"/>
+              <a:buAutoNum type="arabicPeriod"/>
+            </a:pPr>
+            <a:r>
+              <a:rPr lang="en-PH" sz="3000" b="1" dirty="0"/>
+              <a:t>Central tendency </a:t>
+            </a:r>
+            <a:r>
+              <a:rPr lang="en-PH" sz="3000" dirty="0"/>
+              <a:t>(e.g., mean, median, mode)</a:t>
+            </a:r>
+          </a:p>
+          <a:p>
+            <a:pPr marL="514350" indent="-514350">
+              <a:buFont typeface="+mj-lt"/>
+              <a:buAutoNum type="arabicPeriod"/>
+            </a:pPr>
+            <a:endParaRPr lang="en-PH" sz="3000" dirty="0"/>
+          </a:p>
+          <a:p>
+            <a:pPr marL="514350" indent="-514350">
+              <a:buFont typeface="+mj-lt"/>
+              <a:buAutoNum type="arabicPeriod"/>
+            </a:pPr>
+            <a:r>
+              <a:rPr lang="en-PH" sz="3000" b="1" dirty="0"/>
+              <a:t>Dispersion</a:t>
+            </a:r>
+            <a:r>
+              <a:rPr lang="en-PH" sz="3000" dirty="0"/>
+              <a:t> (e.g., range, variance, standard deviation)</a:t>
+            </a:r>
+          </a:p>
+          <a:p>
+            <a:pPr marL="514350" indent="-514350">
+              <a:buFont typeface="+mj-lt"/>
+              <a:buAutoNum type="arabicPeriod"/>
+            </a:pPr>
+            <a:endParaRPr lang="en-PH" sz="3000" dirty="0">
+              <a:solidFill>
+                <a:srgbClr val="00B0F0"/>
+              </a:solidFill>
+            </a:endParaRPr>
+          </a:p>
+          <a:p>
+            <a:pPr marL="514350" indent="-514350">
+              <a:buFont typeface="+mj-lt"/>
+              <a:buAutoNum type="arabicPeriod"/>
+            </a:pPr>
+            <a:r>
+              <a:rPr lang="en-PH" sz="3000" b="1" dirty="0"/>
+              <a:t>Shape of the distribution </a:t>
+            </a:r>
+            <a:r>
+              <a:rPr lang="en-PH" sz="3000" dirty="0"/>
+              <a:t>(e.g., skewness, kurtosis)</a:t>
+            </a:r>
+          </a:p>
+          <a:p>
+            <a:pPr eaLnBrk="1" hangingPunct="1"/>
+            <a:endParaRPr lang="en-PH" sz="3000" dirty="0"/>
+          </a:p>
+        </p:txBody>
+      </p:sp>
+    </p:spTree>
+    <p:extLst>
+      <p:ext uri="{BB962C8B-B14F-4D97-AF65-F5344CB8AC3E}">
+        <p14:creationId xmlns:p14="http://schemas.microsoft.com/office/powerpoint/2010/main" val="1513619466"/>
+      </p:ext>
+    </p:extLst>
+  </p:cSld>
+  <p:clrMapOvr>
+    <a:masterClrMapping/>
+  </p:clrMapOvr>
+</p:sld>
+</file>
+
+<file path=ppt/slides/slide8.xml><?xml version="1.0" encoding="utf-8"?>
+<p:sld xmlns:a="http://schemas.openxmlformats.org/drawingml/2006/main" xmlns:r="http://schemas.openxmlformats.org/officeDocument/2006/relationships" xmlns:p="http://schemas.openxmlformats.org/presentationml/2006/main">
+  <p:cSld>
+    <p:bg>
+      <p:bgPr>
+        <a:blipFill dpi="0" rotWithShape="1">
+          <a:blip r:embed="rId3">
+            <a:alphaModFix amt="99000"/>
+            <a:lum/>
+          </a:blip>
+          <a:srcRect/>
+          <a:stretch>
+            <a:fillRect t="89000" r="85000" b="-1000"/>
+          </a:stretch>
+        </a:blipFill>
+        <a:effectLst/>
+      </p:bgPr>
+    </p:bg>
+    <p:spTree>
+      <p:nvGrpSpPr>
+        <p:cNvPr id="1" name=""/>
+        <p:cNvGrpSpPr/>
+        <p:nvPr/>
+      </p:nvGrpSpPr>
+      <p:grpSpPr>
+        <a:xfrm>
+          <a:off x="0" y="0"/>
+          <a:ext cx="0" cy="0"/>
+          <a:chOff x="0" y="0"/>
+          <a:chExt cx="0" cy="0"/>
+        </a:xfrm>
+      </p:grpSpPr>
+      <p:sp>
+        <p:nvSpPr>
+          <p:cNvPr id="5" name="Title 1">
+            <a:extLst>
+              <a:ext uri="{FF2B5EF4-FFF2-40B4-BE49-F238E27FC236}">
+                <a16:creationId xmlns:a16="http://schemas.microsoft.com/office/drawing/2014/main" id="{3444037F-B658-D82C-5DCA-53E8AA1493D7}"/>
+              </a:ext>
+            </a:extLst>
+          </p:cNvPr>
+          <p:cNvSpPr txBox="1">
+            <a:spLocks/>
+          </p:cNvSpPr>
+          <p:nvPr/>
+        </p:nvSpPr>
+        <p:spPr>
+          <a:xfrm>
+            <a:off x="1524000" y="1516449"/>
+            <a:ext cx="9144000" cy="4290585"/>
+          </a:xfrm>
+          <a:prstGeom prst="rect">
+            <a:avLst/>
+          </a:prstGeom>
+        </p:spPr>
+        <p:txBody>
+          <a:bodyPr vert="horz" lIns="91440" tIns="45720" rIns="91440" bIns="45720" rtlCol="0" anchor="b">
+            <a:normAutofit fontScale="97500"/>
+          </a:bodyPr>
+          <a:lstStyle>
+            <a:lvl1pPr algn="ctr" defTabSz="914400" rtl="0" eaLnBrk="1" latinLnBrk="0" hangingPunct="1">
+              <a:lnSpc>
+                <a:spcPct val="90000"/>
+              </a:lnSpc>
+              <a:spcBef>
+                <a:spcPct val="0"/>
+              </a:spcBef>
+              <a:buNone/>
+              <a:defRPr sz="6000" kern="1200">
+                <a:solidFill>
+                  <a:schemeClr val="tx1"/>
+                </a:solidFill>
+                <a:latin typeface="+mj-lt"/>
+                <a:ea typeface="+mj-ea"/>
+                <a:cs typeface="+mj-cs"/>
+              </a:defRPr>
+            </a:lvl1pPr>
+          </a:lstStyle>
+          <a:p>
+            <a:pPr algn="l"/>
+            <a:endParaRPr lang="en-US" sz="3100" dirty="0"/>
+          </a:p>
+          <a:p>
+            <a:pPr algn="l"/>
+            <a:endParaRPr lang="en-US" sz="3100" dirty="0"/>
+          </a:p>
+          <a:p>
+            <a:pPr algn="l"/>
+            <a:endParaRPr lang="en-US" sz="3100" dirty="0"/>
+          </a:p>
+          <a:p>
+            <a:pPr algn="l"/>
+            <a:endParaRPr lang="en-US" sz="3100" dirty="0"/>
+          </a:p>
+          <a:p>
+            <a:pPr algn="l"/>
+            <a:endParaRPr lang="en-US" sz="3000" dirty="0"/>
+          </a:p>
+          <a:p>
+            <a:pPr algn="l"/>
+            <a:endParaRPr lang="en-US" sz="3000" dirty="0"/>
+          </a:p>
+        </p:txBody>
+      </p:sp>
+      <p:sp>
+        <p:nvSpPr>
+          <p:cNvPr id="38" name="Title 1">
+            <a:extLst>
+              <a:ext uri="{FF2B5EF4-FFF2-40B4-BE49-F238E27FC236}">
+                <a16:creationId xmlns:a16="http://schemas.microsoft.com/office/drawing/2014/main" id="{85194D96-4E26-6A5A-5AB5-02AFD53E7543}"/>
+              </a:ext>
+            </a:extLst>
+          </p:cNvPr>
+          <p:cNvSpPr>
+            <a:spLocks noGrp="1"/>
+          </p:cNvSpPr>
+          <p:nvPr>
+            <p:ph type="ctrTitle"/>
+          </p:nvPr>
+        </p:nvSpPr>
+        <p:spPr>
+          <a:xfrm>
+            <a:off x="1128386" y="415731"/>
+            <a:ext cx="9935227" cy="718459"/>
+          </a:xfrm>
+        </p:spPr>
+        <p:txBody>
+          <a:bodyPr>
+            <a:noAutofit/>
+          </a:bodyPr>
+          <a:lstStyle/>
+          <a:p>
+            <a:r>
+              <a:rPr lang="en-US" sz="4500" b="1" dirty="0"/>
+              <a:t>Types of </a:t>
+            </a:r>
+            <a:r>
+              <a:rPr lang="en-PH" sz="4500" b="1" dirty="0"/>
+              <a:t>Descriptive Statistics</a:t>
+            </a:r>
+          </a:p>
+        </p:txBody>
+      </p:sp>
+      <p:sp>
+        <p:nvSpPr>
+          <p:cNvPr id="39" name="Footer Placeholder 3">
+            <a:extLst>
+              <a:ext uri="{FF2B5EF4-FFF2-40B4-BE49-F238E27FC236}">
+                <a16:creationId xmlns:a16="http://schemas.microsoft.com/office/drawing/2014/main" id="{77EF4DA7-E5CF-896F-45E0-B1D58FD59B96}"/>
+              </a:ext>
+            </a:extLst>
+          </p:cNvPr>
+          <p:cNvSpPr>
+            <a:spLocks noGrp="1"/>
+          </p:cNvSpPr>
+          <p:nvPr>
+            <p:ph type="ftr" sz="quarter" idx="11"/>
+          </p:nvPr>
+        </p:nvSpPr>
+        <p:spPr>
+          <a:xfrm>
+            <a:off x="0" y="6139541"/>
+            <a:ext cx="12192000" cy="718459"/>
+          </a:xfrm>
+          <a:ln w="28575">
+            <a:solidFill>
+              <a:schemeClr val="accent5">
+                <a:lumMod val="50000"/>
+              </a:schemeClr>
+            </a:solidFill>
+          </a:ln>
+        </p:spPr>
+        <p:txBody>
+          <a:bodyPr/>
+          <a:lstStyle/>
+          <a:p>
+            <a:pPr lvl="1" algn="r"/>
+            <a:r>
+              <a:rPr lang="en-US" sz="1200" b="1" dirty="0"/>
+              <a:t>CCDATS1L</a:t>
+            </a:r>
+            <a:endParaRPr lang="en-PH" sz="1200" b="1" dirty="0"/>
+          </a:p>
+        </p:txBody>
+      </p:sp>
+      <p:sp>
+        <p:nvSpPr>
+          <p:cNvPr id="4" name="TextBox 3">
+            <a:extLst>
+              <a:ext uri="{FF2B5EF4-FFF2-40B4-BE49-F238E27FC236}">
+                <a16:creationId xmlns:a16="http://schemas.microsoft.com/office/drawing/2014/main" id="{4203C0C4-7C82-D208-A8B3-1AE6E9099A3C}"/>
+              </a:ext>
+            </a:extLst>
+          </p:cNvPr>
+          <p:cNvSpPr txBox="1"/>
+          <p:nvPr/>
+        </p:nvSpPr>
+        <p:spPr>
+          <a:xfrm>
+            <a:off x="639918" y="1354768"/>
+            <a:ext cx="10912162" cy="2862322"/>
+          </a:xfrm>
+          <a:prstGeom prst="rect">
+            <a:avLst/>
+          </a:prstGeom>
+          <a:noFill/>
+        </p:spPr>
+        <p:txBody>
+          <a:bodyPr wrap="square" rtlCol="0">
+            <a:spAutoFit/>
+          </a:bodyPr>
+          <a:lstStyle/>
+          <a:p>
+            <a:endParaRPr lang="en-PH" sz="3000" dirty="0"/>
+          </a:p>
+          <a:p>
+            <a:pPr marL="514350" indent="-514350">
+              <a:buFont typeface="+mj-lt"/>
+              <a:buAutoNum type="arabicPeriod"/>
+            </a:pPr>
+            <a:r>
+              <a:rPr lang="en-PH" sz="3000" b="1" dirty="0"/>
+              <a:t>Frequency Distribution</a:t>
+            </a:r>
+          </a:p>
+          <a:p>
+            <a:pPr marL="514350" indent="-514350">
+              <a:buFont typeface="+mj-lt"/>
+              <a:buAutoNum type="arabicPeriod"/>
+            </a:pPr>
+            <a:endParaRPr lang="en-PH" sz="3000" dirty="0"/>
+          </a:p>
+          <a:p>
+            <a:pPr marL="514350" indent="-514350">
+              <a:buFont typeface="+mj-lt"/>
+              <a:buAutoNum type="arabicPeriod"/>
+            </a:pPr>
+            <a:r>
+              <a:rPr lang="en-PH" sz="3000" b="1" dirty="0"/>
+              <a:t>Central Tendency </a:t>
+            </a:r>
+          </a:p>
+          <a:p>
+            <a:pPr marL="514350" indent="-514350">
+              <a:buFont typeface="+mj-lt"/>
+              <a:buAutoNum type="arabicPeriod"/>
+            </a:pPr>
+            <a:endParaRPr lang="en-PH" sz="3000" b="1" dirty="0"/>
+          </a:p>
+          <a:p>
+            <a:pPr marL="514350" indent="-514350">
+              <a:buFont typeface="+mj-lt"/>
+              <a:buAutoNum type="arabicPeriod"/>
+            </a:pPr>
+            <a:r>
+              <a:rPr lang="en-PH" sz="3000" b="1" dirty="0"/>
+              <a:t>Dispersion</a:t>
+            </a:r>
+            <a:endParaRPr lang="en-PH" sz="3000" dirty="0"/>
+          </a:p>
+        </p:txBody>
+      </p:sp>
+    </p:spTree>
+    <p:extLst>
+      <p:ext uri="{BB962C8B-B14F-4D97-AF65-F5344CB8AC3E}">
+        <p14:creationId xmlns:p14="http://schemas.microsoft.com/office/powerpoint/2010/main" val="2584827246"/>
+      </p:ext>
+    </p:extLst>
+  </p:cSld>
+  <p:clrMapOvr>
+    <a:masterClrMapping/>
+  </p:clrMapOvr>
+</p:sld>
+</file>
+
+<file path=ppt/slides/slide9.xml><?xml version="1.0" encoding="utf-8"?>
+<p:sld xmlns:a="http://schemas.openxmlformats.org/drawingml/2006/main" xmlns:r="http://schemas.openxmlformats.org/officeDocument/2006/relationships" xmlns:p="http://schemas.openxmlformats.org/presentationml/2006/main">
+  <p:cSld>
+    <p:bg>
+      <p:bgPr>
+        <a:blipFill dpi="0" rotWithShape="1">
+          <a:blip r:embed="rId3">
+            <a:alphaModFix amt="99000"/>
+            <a:lum/>
+          </a:blip>
+          <a:srcRect/>
+          <a:stretch>
+            <a:fillRect t="89000" r="85000" b="-1000"/>
+          </a:stretch>
+        </a:blipFill>
+        <a:effectLst/>
+      </p:bgPr>
+    </p:bg>
+    <p:spTree>
+      <p:nvGrpSpPr>
+        <p:cNvPr id="1" name=""/>
+        <p:cNvGrpSpPr/>
+        <p:nvPr/>
+      </p:nvGrpSpPr>
+      <p:grpSpPr>
+        <a:xfrm>
+          <a:off x="0" y="0"/>
+          <a:ext cx="0" cy="0"/>
+          <a:chOff x="0" y="0"/>
+          <a:chExt cx="0" cy="0"/>
+        </a:xfrm>
+      </p:grpSpPr>
+      <p:sp>
+        <p:nvSpPr>
+          <p:cNvPr id="5" name="Title 1">
+            <a:extLst>
+              <a:ext uri="{FF2B5EF4-FFF2-40B4-BE49-F238E27FC236}">
+                <a16:creationId xmlns:a16="http://schemas.microsoft.com/office/drawing/2014/main" id="{3444037F-B658-D82C-5DCA-53E8AA1493D7}"/>
+              </a:ext>
+            </a:extLst>
+          </p:cNvPr>
+          <p:cNvSpPr txBox="1">
+            <a:spLocks/>
+          </p:cNvSpPr>
+          <p:nvPr/>
+        </p:nvSpPr>
+        <p:spPr>
+          <a:xfrm>
+            <a:off x="1524000" y="1516449"/>
+            <a:ext cx="9144000" cy="4290585"/>
+          </a:xfrm>
+          <a:prstGeom prst="rect">
+            <a:avLst/>
+          </a:prstGeom>
+        </p:spPr>
+        <p:txBody>
+          <a:bodyPr vert="horz" lIns="91440" tIns="45720" rIns="91440" bIns="45720" rtlCol="0" anchor="b">
+            <a:normAutofit fontScale="97500"/>
+          </a:bodyPr>
+          <a:lstStyle>
+            <a:lvl1pPr algn="ctr" defTabSz="914400" rtl="0" eaLnBrk="1" latinLnBrk="0" hangingPunct="1">
+              <a:lnSpc>
+                <a:spcPct val="90000"/>
+              </a:lnSpc>
+              <a:spcBef>
+                <a:spcPct val="0"/>
+              </a:spcBef>
+              <a:buNone/>
+              <a:defRPr sz="6000" kern="1200">
+                <a:solidFill>
+                  <a:schemeClr val="tx1"/>
+                </a:solidFill>
+                <a:latin typeface="+mj-lt"/>
+                <a:ea typeface="+mj-ea"/>
+                <a:cs typeface="+mj-cs"/>
+              </a:defRPr>
+            </a:lvl1pPr>
+          </a:lstStyle>
+          <a:p>
+            <a:pPr algn="l"/>
+            <a:endParaRPr lang="en-US" sz="3100" dirty="0"/>
+          </a:p>
+          <a:p>
+            <a:pPr algn="l"/>
+            <a:endParaRPr lang="en-US" sz="3100" dirty="0"/>
+          </a:p>
+          <a:p>
+            <a:pPr algn="l"/>
+            <a:endParaRPr lang="en-US" sz="3100" dirty="0"/>
+          </a:p>
+          <a:p>
+            <a:pPr algn="l"/>
+            <a:endParaRPr lang="en-US" sz="3100" dirty="0"/>
+          </a:p>
+          <a:p>
+            <a:pPr algn="l"/>
+            <a:endParaRPr lang="en-US" sz="3000" dirty="0"/>
+          </a:p>
+          <a:p>
+            <a:pPr algn="l"/>
+            <a:endParaRPr lang="en-US" sz="3000" dirty="0"/>
+          </a:p>
+        </p:txBody>
+      </p:sp>
+      <p:sp>
+        <p:nvSpPr>
+          <p:cNvPr id="38" name="Title 1">
+            <a:extLst>
+              <a:ext uri="{FF2B5EF4-FFF2-40B4-BE49-F238E27FC236}">
+                <a16:creationId xmlns:a16="http://schemas.microsoft.com/office/drawing/2014/main" id="{85194D96-4E26-6A5A-5AB5-02AFD53E7543}"/>
+              </a:ext>
+            </a:extLst>
+          </p:cNvPr>
+          <p:cNvSpPr>
+            <a:spLocks noGrp="1"/>
+          </p:cNvSpPr>
+          <p:nvPr>
+            <p:ph type="ctrTitle"/>
+          </p:nvPr>
+        </p:nvSpPr>
+        <p:spPr>
+          <a:xfrm>
+            <a:off x="1128386" y="415731"/>
+            <a:ext cx="9935227" cy="718459"/>
+          </a:xfrm>
+        </p:spPr>
+        <p:txBody>
+          <a:bodyPr>
+            <a:noAutofit/>
+          </a:bodyPr>
+          <a:lstStyle/>
+          <a:p>
+            <a:r>
+              <a:rPr lang="en-US" sz="4500" b="1" dirty="0"/>
+              <a:t>Frequency Distribution</a:t>
+            </a:r>
+            <a:endParaRPr lang="en-PH" sz="4500" b="1" dirty="0"/>
+          </a:p>
+        </p:txBody>
+      </p:sp>
+      <p:sp>
+        <p:nvSpPr>
+          <p:cNvPr id="39" name="Footer Placeholder 3">
+            <a:extLst>
+              <a:ext uri="{FF2B5EF4-FFF2-40B4-BE49-F238E27FC236}">
+                <a16:creationId xmlns:a16="http://schemas.microsoft.com/office/drawing/2014/main" id="{77EF4DA7-E5CF-896F-45E0-B1D58FD59B96}"/>
+              </a:ext>
+            </a:extLst>
+          </p:cNvPr>
+          <p:cNvSpPr>
+            <a:spLocks noGrp="1"/>
+          </p:cNvSpPr>
+          <p:nvPr>
+            <p:ph type="ftr" sz="quarter" idx="11"/>
+          </p:nvPr>
+        </p:nvSpPr>
+        <p:spPr>
+          <a:xfrm>
+            <a:off x="0" y="6139541"/>
+            <a:ext cx="12192000" cy="718459"/>
+          </a:xfrm>
+          <a:ln w="28575">
+            <a:solidFill>
+              <a:schemeClr val="accent5">
+                <a:lumMod val="50000"/>
+              </a:schemeClr>
+            </a:solidFill>
+          </a:ln>
+        </p:spPr>
+        <p:txBody>
+          <a:bodyPr/>
+          <a:lstStyle/>
+          <a:p>
+            <a:pPr lvl="1" algn="r"/>
+            <a:r>
+              <a:rPr lang="en-US" sz="1200" b="1" dirty="0"/>
+              <a:t>CCDATS1L</a:t>
+            </a:r>
+            <a:endParaRPr lang="en-PH" sz="1200" b="1" dirty="0"/>
+          </a:p>
+        </p:txBody>
+      </p:sp>
+      <p:graphicFrame>
+        <p:nvGraphicFramePr>
+          <p:cNvPr id="2" name="Table 1">
+            <a:extLst>
+              <a:ext uri="{FF2B5EF4-FFF2-40B4-BE49-F238E27FC236}">
+                <a16:creationId xmlns:a16="http://schemas.microsoft.com/office/drawing/2014/main" id="{BB2146AC-17BE-11FB-B5B4-84595A9EDA8D}"/>
+              </a:ext>
+            </a:extLst>
+          </p:cNvPr>
+          <p:cNvGraphicFramePr>
+            <a:graphicFrameLocks noGrp="1"/>
+          </p:cNvGraphicFramePr>
+          <p:nvPr>
+            <p:extLst>
+              <p:ext uri="{D42A27DB-BD31-4B8C-83A1-F6EECF244321}">
+                <p14:modId xmlns:p14="http://schemas.microsoft.com/office/powerpoint/2010/main" val="3232587740"/>
+              </p:ext>
+            </p:extLst>
+          </p:nvPr>
+        </p:nvGraphicFramePr>
+        <p:xfrm>
+          <a:off x="2031998" y="3038855"/>
+          <a:ext cx="8128000" cy="2471717"/>
+        </p:xfrm>
+        <a:graphic>
+          <a:graphicData uri="http://schemas.openxmlformats.org/drawingml/2006/table">
+            <a:tbl>
+              <a:tblPr firstRow="1" bandRow="1">
+                <a:tableStyleId>{7E9639D4-E3E2-4D34-9284-5A2195B3D0D7}</a:tableStyleId>
+              </a:tblPr>
+              <a:tblGrid>
+                <a:gridCol w="4064000">
+                  <a:extLst>
+                    <a:ext uri="{9D8B030D-6E8A-4147-A177-3AD203B41FA5}">
+                      <a16:colId xmlns:a16="http://schemas.microsoft.com/office/drawing/2014/main" val="2736763892"/>
+                    </a:ext>
+                  </a:extLst>
+                </a:gridCol>
+                <a:gridCol w="4064000">
+                  <a:extLst>
+                    <a:ext uri="{9D8B030D-6E8A-4147-A177-3AD203B41FA5}">
+                      <a16:colId xmlns:a16="http://schemas.microsoft.com/office/drawing/2014/main" val="3162122417"/>
+                    </a:ext>
+                  </a:extLst>
+                </a:gridCol>
+              </a:tblGrid>
+              <a:tr h="424653">
+                <a:tc>
+                  <a:txBody>
+                    <a:bodyPr/>
+                    <a:lstStyle/>
+                    <a:p>
+                      <a:pPr algn="ctr"/>
+                      <a:r>
+                        <a:rPr lang="en-US" sz="2300" dirty="0">
+                          <a:solidFill>
+                            <a:srgbClr val="00B0F0"/>
+                          </a:solidFill>
+                        </a:rPr>
+                        <a:t>Value</a:t>
+                      </a:r>
+                    </a:p>
+                  </a:txBody>
+                  <a:tcPr/>
+                </a:tc>
+                <a:tc>
+                  <a:txBody>
+                    <a:bodyPr/>
+                    <a:lstStyle/>
+                    <a:p>
+                      <a:pPr algn="ctr"/>
+                      <a:r>
+                        <a:rPr lang="en-US" sz="2300" dirty="0">
+                          <a:solidFill>
+                            <a:srgbClr val="00B0F0"/>
+                          </a:solidFill>
+                        </a:rPr>
+                        <a:t>Frequency</a:t>
+                      </a:r>
+                    </a:p>
+                  </a:txBody>
+                  <a:tcPr/>
+                </a:tc>
+                <a:extLst>
+                  <a:ext uri="{0D108BD9-81ED-4DB2-BD59-A6C34878D82A}">
+                    <a16:rowId xmlns:a16="http://schemas.microsoft.com/office/drawing/2014/main" val="447069008"/>
+                  </a:ext>
+                </a:extLst>
+              </a:tr>
+              <a:tr h="884766">
+                <a:tc>
+                  <a:txBody>
+                    <a:bodyPr/>
+                    <a:lstStyle/>
+                    <a:p>
+                      <a:pPr algn="ctr"/>
+                      <a:r>
+                        <a:rPr lang="en-US" sz="2300" b="1" dirty="0"/>
+                        <a:t>1</a:t>
+                      </a:r>
+                    </a:p>
+                  </a:txBody>
+                  <a:tcPr/>
+                </a:tc>
+                <a:tc>
+                  <a:txBody>
+                    <a:bodyPr/>
+                    <a:lstStyle/>
+                    <a:p>
+                      <a:pPr algn="ctr"/>
+                      <a:r>
+                        <a:rPr lang="en-US" sz="2300" dirty="0"/>
+                        <a:t>2</a:t>
+                      </a:r>
+                    </a:p>
+                  </a:txBody>
+                  <a:tcPr/>
+                </a:tc>
+                <a:extLst>
+                  <a:ext uri="{0D108BD9-81ED-4DB2-BD59-A6C34878D82A}">
+                    <a16:rowId xmlns:a16="http://schemas.microsoft.com/office/drawing/2014/main" val="572981369"/>
+                  </a:ext>
+                </a:extLst>
+              </a:tr>
+              <a:tr h="676586">
+                <a:tc>
+                  <a:txBody>
+                    <a:bodyPr/>
+                    <a:lstStyle/>
+                    <a:p>
+                      <a:pPr algn="ctr"/>
+                      <a:r>
+                        <a:rPr lang="en-US" sz="2300" b="1" dirty="0"/>
+                        <a:t>2</a:t>
+                      </a:r>
+                    </a:p>
+                  </a:txBody>
+                  <a:tcPr/>
+                </a:tc>
+                <a:tc>
+                  <a:txBody>
+                    <a:bodyPr/>
+                    <a:lstStyle/>
+                    <a:p>
+                      <a:pPr algn="ctr"/>
+                      <a:r>
+                        <a:rPr lang="en-US" sz="2300" dirty="0"/>
+                        <a:t>2</a:t>
+                      </a:r>
+                    </a:p>
+                  </a:txBody>
+                  <a:tcPr/>
+                </a:tc>
+                <a:extLst>
+                  <a:ext uri="{0D108BD9-81ED-4DB2-BD59-A6C34878D82A}">
+                    <a16:rowId xmlns:a16="http://schemas.microsoft.com/office/drawing/2014/main" val="3154944886"/>
+                  </a:ext>
+                </a:extLst>
+              </a:tr>
+              <a:tr h="468405">
+                <a:tc>
+                  <a:txBody>
+                    <a:bodyPr/>
+                    <a:lstStyle/>
+                    <a:p>
+                      <a:pPr algn="ctr"/>
+                      <a:r>
+                        <a:rPr lang="en-US" sz="2300" b="1" dirty="0"/>
+                        <a:t>3</a:t>
+                      </a:r>
+                    </a:p>
+                  </a:txBody>
+                  <a:tcPr/>
+                </a:tc>
+                <a:tc>
+                  <a:txBody>
+                    <a:bodyPr/>
+                    <a:lstStyle/>
+                    <a:p>
+                      <a:pPr algn="ctr"/>
+                      <a:r>
+                        <a:rPr lang="en-US" sz="2300" dirty="0"/>
+                        <a:t>1</a:t>
+                      </a:r>
+                    </a:p>
+                  </a:txBody>
+                  <a:tcPr/>
+                </a:tc>
+                <a:extLst>
+                  <a:ext uri="{0D108BD9-81ED-4DB2-BD59-A6C34878D82A}">
+                    <a16:rowId xmlns:a16="http://schemas.microsoft.com/office/drawing/2014/main" val="2121773901"/>
+                  </a:ext>
+                </a:extLst>
+              </a:tr>
+            </a:tbl>
+          </a:graphicData>
+        </a:graphic>
+      </p:graphicFrame>
+      <p:sp>
+        <p:nvSpPr>
+          <p:cNvPr id="6" name="TextBox 5">
+            <a:extLst>
+              <a:ext uri="{FF2B5EF4-FFF2-40B4-BE49-F238E27FC236}">
+                <a16:creationId xmlns:a16="http://schemas.microsoft.com/office/drawing/2014/main" id="{3A08806D-D1FF-FDB0-F93A-EC273319F5BB}"/>
+              </a:ext>
+            </a:extLst>
+          </p:cNvPr>
+          <p:cNvSpPr txBox="1"/>
+          <p:nvPr/>
+        </p:nvSpPr>
+        <p:spPr>
+          <a:xfrm>
+            <a:off x="1128384" y="1496578"/>
+            <a:ext cx="9935227" cy="553998"/>
+          </a:xfrm>
+          <a:prstGeom prst="rect">
+            <a:avLst/>
+          </a:prstGeom>
+          <a:noFill/>
+        </p:spPr>
+        <p:txBody>
+          <a:bodyPr wrap="square">
+            <a:spAutoFit/>
+          </a:bodyPr>
+          <a:lstStyle/>
+          <a:p>
+            <a:r>
+              <a:rPr lang="en-PH" sz="3000" dirty="0"/>
+              <a:t>Shows the number of times a value appears in the dataset. </a:t>
+            </a:r>
+            <a:endParaRPr lang="en-US" sz="3000" dirty="0"/>
+          </a:p>
+        </p:txBody>
+      </p:sp>
+      <p:sp>
+        <p:nvSpPr>
+          <p:cNvPr id="7" name="TextBox 6">
+            <a:extLst>
+              <a:ext uri="{FF2B5EF4-FFF2-40B4-BE49-F238E27FC236}">
+                <a16:creationId xmlns:a16="http://schemas.microsoft.com/office/drawing/2014/main" id="{7DB778D6-BCAA-95D9-0030-35EB93E92294}"/>
+              </a:ext>
+            </a:extLst>
+          </p:cNvPr>
+          <p:cNvSpPr txBox="1"/>
+          <p:nvPr/>
+        </p:nvSpPr>
+        <p:spPr>
+          <a:xfrm>
+            <a:off x="4357249" y="2240833"/>
+            <a:ext cx="3477498" cy="553998"/>
+          </a:xfrm>
+          <a:prstGeom prst="rect">
+            <a:avLst/>
+          </a:prstGeom>
+          <a:noFill/>
+        </p:spPr>
+        <p:txBody>
+          <a:bodyPr wrap="square">
+            <a:spAutoFit/>
+          </a:bodyPr>
+          <a:lstStyle/>
+          <a:p>
+            <a:r>
+              <a:rPr lang="en-PH" sz="3000" b="1" dirty="0"/>
+              <a:t>Example: </a:t>
+            </a:r>
+            <a:r>
+              <a:rPr lang="en-PH" sz="3000" dirty="0"/>
+              <a:t>1, 1, 2, 2, 3</a:t>
+            </a:r>
+            <a:endParaRPr lang="en-US" sz="3000" dirty="0"/>
+          </a:p>
+        </p:txBody>
+      </p:sp>
+    </p:spTree>
+    <p:extLst>
+      <p:ext uri="{BB962C8B-B14F-4D97-AF65-F5344CB8AC3E}">
+        <p14:creationId xmlns:p14="http://schemas.microsoft.com/office/powerpoint/2010/main" val="3179164373"/>
       </p:ext>
     </p:extLst>
   </p:cSld>
@@ -9017,12 +9711,6 @@
 </file>
 
 <file path=customXml/item1.xml><?xml version="1.0" encoding="utf-8"?>
-<p:properties xmlns:p="http://schemas.microsoft.com/office/2006/metadata/properties" xmlns:xsi="http://www.w3.org/2001/XMLSchema-instance" xmlns:pc="http://schemas.microsoft.com/office/infopath/2007/PartnerControls">
-  <documentManagement/>
-</p:properties>
-</file>
-
-<file path=customXml/item2.xml><?xml version="1.0" encoding="utf-8"?>
 <ct:contentTypeSchema xmlns:ct="http://schemas.microsoft.com/office/2006/metadata/contentType" xmlns:ma="http://schemas.microsoft.com/office/2006/metadata/properties/metaAttributes" ct:_="" ma:_="" ma:contentTypeName="Document" ma:contentTypeID="0x0101007188BDCA587B344BBA6CB1A93FAE6998" ma:contentTypeVersion="2" ma:contentTypeDescription="Create a new document." ma:contentTypeScope="" ma:versionID="7a8e4b6720badb2566a0cfeddfaf2856">
   <xsd:schema xmlns:xsd="http://www.w3.org/2001/XMLSchema" xmlns:xs="http://www.w3.org/2001/XMLSchema" xmlns:p="http://schemas.microsoft.com/office/2006/metadata/properties" xmlns:ns2="ba111d12-426d-4af0-bcb6-460e36974645" targetNamespace="http://schemas.microsoft.com/office/2006/metadata/properties" ma:root="true" ma:fieldsID="989b05398519136c88ba0a8d54e3c3da" ns2:_="">
     <xsd:import namespace="ba111d12-426d-4af0-bcb6-460e36974645"/>
@@ -9154,6 +9842,12 @@
 </ct:contentTypeSchema>
 </file>
 
+<file path=customXml/item2.xml><?xml version="1.0" encoding="utf-8"?>
+<p:properties xmlns:p="http://schemas.microsoft.com/office/2006/metadata/properties" xmlns:xsi="http://www.w3.org/2001/XMLSchema-instance" xmlns:pc="http://schemas.microsoft.com/office/infopath/2007/PartnerControls">
+  <documentManagement/>
+</p:properties>
+</file>
+
 <file path=customXml/item3.xml><?xml version="1.0" encoding="utf-8"?>
 <?mso-contentType ?>
 <FormTemplates xmlns="http://schemas.microsoft.com/sharepoint/v3/contenttype/forms">
@@ -9164,15 +9858,6 @@
 </file>
 
 <file path=customXml/itemProps1.xml><?xml version="1.0" encoding="utf-8"?>
-<ds:datastoreItem xmlns:ds="http://schemas.openxmlformats.org/officeDocument/2006/customXml" ds:itemID="{EA3362E2-FA54-4262-AE94-2FA98FF8142D}">
-  <ds:schemaRefs>
-    <ds:schemaRef ds:uri="http://schemas.microsoft.com/office/2006/metadata/properties"/>
-    <ds:schemaRef ds:uri="http://schemas.microsoft.com/office/infopath/2007/PartnerControls"/>
-  </ds:schemaRefs>
-</ds:datastoreItem>
-</file>
-
-<file path=customXml/itemProps2.xml><?xml version="1.0" encoding="utf-8"?>
 <ds:datastoreItem xmlns:ds="http://schemas.openxmlformats.org/officeDocument/2006/customXml" ds:itemID="{3D61E20B-708A-4719-8C02-DA91A478A7AB}">
   <ds:schemaRefs>
     <ds:schemaRef ds:uri="http://schemas.microsoft.com/office/2006/metadata/contentType"/>
@@ -9190,6 +9875,15 @@
 </ds:datastoreItem>
 </file>
 
+<file path=customXml/itemProps2.xml><?xml version="1.0" encoding="utf-8"?>
+<ds:datastoreItem xmlns:ds="http://schemas.openxmlformats.org/officeDocument/2006/customXml" ds:itemID="{EA3362E2-FA54-4262-AE94-2FA98FF8142D}">
+  <ds:schemaRefs>
+    <ds:schemaRef ds:uri="http://schemas.microsoft.com/office/2006/metadata/properties"/>
+    <ds:schemaRef ds:uri="http://schemas.microsoft.com/office/infopath/2007/PartnerControls"/>
+  </ds:schemaRefs>
+</ds:datastoreItem>
+</file>
+
 <file path=customXml/itemProps3.xml><?xml version="1.0" encoding="utf-8"?>
 <ds:datastoreItem xmlns:ds="http://schemas.openxmlformats.org/officeDocument/2006/customXml" ds:itemID="{651370AF-26B9-4AFA-BA9D-5D4A7E1A6722}">
   <ds:schemaRefs>
